--- a/Doc/day1_7_DICOMTutorial.pptx
+++ b/Doc/day1_7_DICOMTutorial.pptx
@@ -5,10 +5,10 @@
     <p:sldMasterId id="2147483648" r:id="rId1"/>
   </p:sldMasterIdLst>
   <p:notesMasterIdLst>
-    <p:notesMasterId r:id="rId33"/>
+    <p:notesMasterId r:id="rId34"/>
   </p:notesMasterIdLst>
   <p:handoutMasterIdLst>
-    <p:handoutMasterId r:id="rId34"/>
+    <p:handoutMasterId r:id="rId35"/>
   </p:handoutMasterIdLst>
   <p:sldIdLst>
     <p:sldId id="256" r:id="rId2"/>
@@ -34,14 +34,15 @@
     <p:sldId id="312" r:id="rId22"/>
     <p:sldId id="313" r:id="rId23"/>
     <p:sldId id="322" r:id="rId24"/>
-    <p:sldId id="321" r:id="rId25"/>
-    <p:sldId id="314" r:id="rId26"/>
-    <p:sldId id="315" r:id="rId27"/>
-    <p:sldId id="316" r:id="rId28"/>
-    <p:sldId id="318" r:id="rId29"/>
-    <p:sldId id="317" r:id="rId30"/>
-    <p:sldId id="319" r:id="rId31"/>
-    <p:sldId id="320" r:id="rId32"/>
+    <p:sldId id="323" r:id="rId25"/>
+    <p:sldId id="321" r:id="rId26"/>
+    <p:sldId id="314" r:id="rId27"/>
+    <p:sldId id="315" r:id="rId28"/>
+    <p:sldId id="316" r:id="rId29"/>
+    <p:sldId id="318" r:id="rId30"/>
+    <p:sldId id="317" r:id="rId31"/>
+    <p:sldId id="319" r:id="rId32"/>
+    <p:sldId id="320" r:id="rId33"/>
   </p:sldIdLst>
   <p:sldSz cx="9144000" cy="6858000" type="screen4x3"/>
   <p:notesSz cx="7010400" cy="9296400"/>
@@ -285,7 +286,7 @@
           <a:p>
             <a:fld id="{631D9270-7B54-4D7C-8DD4-CF63D88EDDCF}" type="datetimeFigureOut">
               <a:rPr lang="en-US" smtClean="0"/>
-              <a:t>2018-04-27</a:t>
+              <a:t>2019-05-01</a:t>
             </a:fld>
             <a:endParaRPr lang="en-US"/>
           </a:p>
@@ -475,7 +476,7 @@
               <a:pPr>
                 <a:defRPr/>
               </a:pPr>
-              <a:t>2018-04-27</a:t>
+              <a:t>2019-05-01</a:t>
             </a:fld>
             <a:endParaRPr lang="en-US"/>
           </a:p>
@@ -1266,7 +1267,7 @@
             </a:pPr>
             <a:r>
               <a:rPr lang="en-US" dirty="0"/>
-              <a:t>Laboratory for Percutaneous Surgery – Copyright © Queen’s University, 2018</a:t>
+              <a:t>Laboratory for Percutaneous Surgery – Copyright © Queen’s University, 2019</a:t>
             </a:r>
           </a:p>
         </p:txBody>
@@ -1429,7 +1430,7 @@
             </a:pPr>
             <a:r>
               <a:rPr lang="en-US" dirty="0"/>
-              <a:t>Laboratory for Percutaneous Surgery – Copyright © Queen’s University, 2018</a:t>
+              <a:t>Laboratory for Percutaneous Surgery – Copyright © Queen’s University, 2019</a:t>
             </a:r>
           </a:p>
         </p:txBody>
@@ -1603,7 +1604,7 @@
             </a:pPr>
             <a:r>
               <a:rPr lang="en-US" dirty="0"/>
-              <a:t>Laboratory for Percutaneous Surgery – Copyright © Queen’s University, 2018</a:t>
+              <a:t>Laboratory for Percutaneous Surgery – Copyright © Queen’s University, 2019</a:t>
             </a:r>
           </a:p>
         </p:txBody>
@@ -1833,7 +1834,7 @@
             </a:pPr>
             <a:r>
               <a:rPr lang="en-US" dirty="0"/>
-              <a:t>Laboratory for Percutaneous Surgery (The Perk Lab) – Copyright © Queen’s University, 2018</a:t>
+              <a:t>Laboratory for Percutaneous Surgery (The Perk Lab) – Copyright © Queen’s University, 2019</a:t>
             </a:r>
           </a:p>
         </p:txBody>
@@ -3225,7 +3226,7 @@
             </a:pPr>
             <a:r>
               <a:rPr lang="en-US" dirty="0"/>
-              <a:t>Laboratory for Percutaneous Surgery – Copyright © Queen’s University, 2018</a:t>
+              <a:t>Laboratory for Percutaneous Surgery – Copyright © Queen’s University, 2019</a:t>
             </a:r>
           </a:p>
         </p:txBody>
@@ -3485,7 +3486,7 @@
             </a:pPr>
             <a:r>
               <a:rPr lang="en-US" dirty="0"/>
-              <a:t>Laboratory for Percutaneous Surgery – Copyright © Queen’s University, 2018</a:t>
+              <a:t>Laboratory for Percutaneous Surgery – Copyright © Queen’s University, 2019</a:t>
             </a:r>
           </a:p>
         </p:txBody>
@@ -3621,10 +3622,9 @@
               <a:defRPr/>
             </a:pPr>
             <a:r>
-              <a:rPr lang="en-US"/>
-              <a:t>Laboratory for Percutaneous Surgery – Copyright © Queen’s University, 2018</a:t>
-            </a:r>
-            <a:endParaRPr lang="en-US" dirty="0"/>
+              <a:rPr lang="en-US" dirty="0"/>
+              <a:t>Laboratory for Percutaneous Surgery – Copyright © Queen’s University, 2019</a:t>
+            </a:r>
           </a:p>
         </p:txBody>
       </p:sp>
@@ -3700,14 +3700,14 @@
           <a:effectLst/>
           <a:extLst>
             <a:ext uri="{909E8E84-426E-40dd-AFC4-6F175D3DCCD1}">
-              <a14:hiddenFill xmlns="" xmlns:a14="http://schemas.microsoft.com/office/drawing/2010/main">
+              <a14:hiddenFill xmlns:a14="http://schemas.microsoft.com/office/drawing/2010/main" xmlns="">
                 <a:solidFill>
                   <a:srgbClr val="00B8FF"/>
                 </a:solidFill>
               </a14:hiddenFill>
             </a:ext>
             <a:ext uri="{91240B29-F687-4f45-9708-019B960494DF}">
-              <a14:hiddenLine xmlns="" xmlns:a14="http://schemas.microsoft.com/office/drawing/2010/main" w="9525">
+              <a14:hiddenLine xmlns:a14="http://schemas.microsoft.com/office/drawing/2010/main" xmlns="" w="9525">
                 <a:solidFill>
                   <a:schemeClr val="tx1"/>
                 </a:solidFill>
@@ -3717,7 +3717,7 @@
               </a14:hiddenLine>
             </a:ext>
             <a:ext uri="{AF507438-7753-43e0-B8FC-AC1667EBCBE1}">
-              <a14:hiddenEffects xmlns="" xmlns:a14="http://schemas.microsoft.com/office/drawing/2010/main">
+              <a14:hiddenEffects xmlns:a14="http://schemas.microsoft.com/office/drawing/2010/main" xmlns="">
                 <a:effectLst>
                   <a:outerShdw dist="35921" dir="2700000" algn="ctr" rotWithShape="0">
                     <a:schemeClr val="bg2"/>
@@ -3859,10 +3859,9 @@
               <a:defRPr/>
             </a:pPr>
             <a:r>
-              <a:rPr lang="en-US"/>
-              <a:t>Laboratory for Percutaneous Surgery – Copyright © Queen’s University, 2018</a:t>
-            </a:r>
-            <a:endParaRPr lang="en-US" dirty="0"/>
+              <a:rPr lang="en-US" dirty="0"/>
+              <a:t>Laboratory for Percutaneous Surgery – Copyright © Queen’s University, 2019</a:t>
+            </a:r>
           </a:p>
         </p:txBody>
       </p:sp>
@@ -3996,14 +3995,14 @@
           <a:effectLst/>
           <a:extLst>
             <a:ext uri="{909E8E84-426E-40dd-AFC4-6F175D3DCCD1}">
-              <a14:hiddenFill xmlns="" xmlns:a14="http://schemas.microsoft.com/office/drawing/2010/main">
+              <a14:hiddenFill xmlns:a14="http://schemas.microsoft.com/office/drawing/2010/main" xmlns="">
                 <a:solidFill>
                   <a:srgbClr val="00B8FF"/>
                 </a:solidFill>
               </a14:hiddenFill>
             </a:ext>
             <a:ext uri="{91240B29-F687-4f45-9708-019B960494DF}">
-              <a14:hiddenLine xmlns="" xmlns:a14="http://schemas.microsoft.com/office/drawing/2010/main" w="9525">
+              <a14:hiddenLine xmlns:a14="http://schemas.microsoft.com/office/drawing/2010/main" xmlns="" w="9525">
                 <a:solidFill>
                   <a:schemeClr val="tx1"/>
                 </a:solidFill>
@@ -4013,7 +4012,7 @@
               </a14:hiddenLine>
             </a:ext>
             <a:ext uri="{AF507438-7753-43e0-B8FC-AC1667EBCBE1}">
-              <a14:hiddenEffects xmlns="" xmlns:a14="http://schemas.microsoft.com/office/drawing/2010/main">
+              <a14:hiddenEffects xmlns:a14="http://schemas.microsoft.com/office/drawing/2010/main" xmlns="">
                 <a:effectLst>
                   <a:outerShdw dist="35921" dir="2700000" algn="ctr" rotWithShape="0">
                     <a:schemeClr val="bg2"/>
@@ -4150,10 +4149,9 @@
               <a:defRPr/>
             </a:pPr>
             <a:r>
-              <a:rPr lang="en-US"/>
-              <a:t>Laboratory for Percutaneous Surgery – Copyright © Queen’s University, 2018</a:t>
-            </a:r>
-            <a:endParaRPr lang="en-US" dirty="0"/>
+              <a:rPr lang="en-US" dirty="0"/>
+              <a:t>Laboratory for Percutaneous Surgery – Copyright © Queen’s University, 2019</a:t>
+            </a:r>
           </a:p>
         </p:txBody>
       </p:sp>
@@ -4229,14 +4227,14 @@
           <a:effectLst/>
           <a:extLst>
             <a:ext uri="{909E8E84-426E-40dd-AFC4-6F175D3DCCD1}">
-              <a14:hiddenFill xmlns="" xmlns:a14="http://schemas.microsoft.com/office/drawing/2010/main">
+              <a14:hiddenFill xmlns:a14="http://schemas.microsoft.com/office/drawing/2010/main" xmlns="">
                 <a:solidFill>
                   <a:srgbClr val="00B8FF"/>
                 </a:solidFill>
               </a14:hiddenFill>
             </a:ext>
             <a:ext uri="{91240B29-F687-4f45-9708-019B960494DF}">
-              <a14:hiddenLine xmlns="" xmlns:a14="http://schemas.microsoft.com/office/drawing/2010/main" w="9525">
+              <a14:hiddenLine xmlns:a14="http://schemas.microsoft.com/office/drawing/2010/main" xmlns="" w="9525">
                 <a:solidFill>
                   <a:schemeClr val="tx1"/>
                 </a:solidFill>
@@ -4246,7 +4244,7 @@
               </a14:hiddenLine>
             </a:ext>
             <a:ext uri="{AF507438-7753-43e0-B8FC-AC1667EBCBE1}">
-              <a14:hiddenEffects xmlns="" xmlns:a14="http://schemas.microsoft.com/office/drawing/2010/main">
+              <a14:hiddenEffects xmlns:a14="http://schemas.microsoft.com/office/drawing/2010/main" xmlns="">
                 <a:effectLst>
                   <a:outerShdw dist="35921" dir="2700000" algn="ctr" rotWithShape="0">
                     <a:schemeClr val="bg2"/>
@@ -4457,10 +4455,9 @@
               <a:defRPr/>
             </a:pPr>
             <a:r>
-              <a:rPr lang="en-US"/>
-              <a:t>Laboratory for Percutaneous Surgery – Copyright © Queen’s University, 2018</a:t>
-            </a:r>
-            <a:endParaRPr lang="en-US" dirty="0"/>
+              <a:rPr lang="en-US" dirty="0"/>
+              <a:t>Laboratory for Percutaneous Surgery – Copyright © Queen’s University, 2019</a:t>
+            </a:r>
           </a:p>
         </p:txBody>
       </p:sp>
@@ -4536,14 +4533,14 @@
           <a:effectLst/>
           <a:extLst>
             <a:ext uri="{909E8E84-426E-40dd-AFC4-6F175D3DCCD1}">
-              <a14:hiddenFill xmlns="" xmlns:a14="http://schemas.microsoft.com/office/drawing/2010/main">
+              <a14:hiddenFill xmlns:a14="http://schemas.microsoft.com/office/drawing/2010/main" xmlns="">
                 <a:solidFill>
                   <a:srgbClr val="00B8FF"/>
                 </a:solidFill>
               </a14:hiddenFill>
             </a:ext>
             <a:ext uri="{91240B29-F687-4f45-9708-019B960494DF}">
-              <a14:hiddenLine xmlns="" xmlns:a14="http://schemas.microsoft.com/office/drawing/2010/main" w="9525">
+              <a14:hiddenLine xmlns:a14="http://schemas.microsoft.com/office/drawing/2010/main" xmlns="" w="9525">
                 <a:solidFill>
                   <a:schemeClr val="tx1"/>
                 </a:solidFill>
@@ -4553,7 +4550,7 @@
               </a14:hiddenLine>
             </a:ext>
             <a:ext uri="{AF507438-7753-43e0-B8FC-AC1667EBCBE1}">
-              <a14:hiddenEffects xmlns="" xmlns:a14="http://schemas.microsoft.com/office/drawing/2010/main">
+              <a14:hiddenEffects xmlns:a14="http://schemas.microsoft.com/office/drawing/2010/main" xmlns="">
                 <a:effectLst>
                   <a:outerShdw dist="35921" dir="2700000" algn="ctr" rotWithShape="0">
                     <a:schemeClr val="bg2"/>
@@ -4771,10 +4768,9 @@
               <a:defRPr/>
             </a:pPr>
             <a:r>
-              <a:rPr lang="en-US"/>
-              <a:t>Laboratory for Percutaneous Surgery – Copyright © Queen’s University, 2018</a:t>
-            </a:r>
-            <a:endParaRPr lang="en-US" dirty="0"/>
+              <a:rPr lang="en-US" dirty="0"/>
+              <a:t>Laboratory for Percutaneous Surgery – Copyright © Queen’s University, 2019</a:t>
+            </a:r>
           </a:p>
         </p:txBody>
       </p:sp>
@@ -4850,14 +4846,14 @@
           <a:effectLst/>
           <a:extLst>
             <a:ext uri="{909E8E84-426E-40dd-AFC4-6F175D3DCCD1}">
-              <a14:hiddenFill xmlns="" xmlns:a14="http://schemas.microsoft.com/office/drawing/2010/main">
+              <a14:hiddenFill xmlns:a14="http://schemas.microsoft.com/office/drawing/2010/main" xmlns="">
                 <a:solidFill>
                   <a:srgbClr val="00B8FF"/>
                 </a:solidFill>
               </a14:hiddenFill>
             </a:ext>
             <a:ext uri="{91240B29-F687-4f45-9708-019B960494DF}">
-              <a14:hiddenLine xmlns="" xmlns:a14="http://schemas.microsoft.com/office/drawing/2010/main" w="9525">
+              <a14:hiddenLine xmlns:a14="http://schemas.microsoft.com/office/drawing/2010/main" xmlns="" w="9525">
                 <a:solidFill>
                   <a:schemeClr val="tx1"/>
                 </a:solidFill>
@@ -4867,7 +4863,7 @@
               </a14:hiddenLine>
             </a:ext>
             <a:ext uri="{AF507438-7753-43e0-B8FC-AC1667EBCBE1}">
-              <a14:hiddenEffects xmlns="" xmlns:a14="http://schemas.microsoft.com/office/drawing/2010/main">
+              <a14:hiddenEffects xmlns:a14="http://schemas.microsoft.com/office/drawing/2010/main" xmlns="">
                 <a:effectLst>
                   <a:outerShdw dist="35921" dir="2700000" algn="ctr" rotWithShape="0">
                     <a:schemeClr val="bg2"/>
@@ -4920,14 +4916,14 @@
           <a:effectLst/>
           <a:extLst>
             <a:ext uri="{909E8E84-426E-40dd-AFC4-6F175D3DCCD1}">
-              <a14:hiddenFill xmlns="" xmlns:a14="http://schemas.microsoft.com/office/drawing/2010/main">
+              <a14:hiddenFill xmlns:a14="http://schemas.microsoft.com/office/drawing/2010/main" xmlns="">
                 <a:solidFill>
                   <a:srgbClr val="00B8FF"/>
                 </a:solidFill>
               </a14:hiddenFill>
             </a:ext>
             <a:ext uri="{91240B29-F687-4f45-9708-019B960494DF}">
-              <a14:hiddenLine xmlns="" xmlns:a14="http://schemas.microsoft.com/office/drawing/2010/main" w="9525">
+              <a14:hiddenLine xmlns:a14="http://schemas.microsoft.com/office/drawing/2010/main" xmlns="" w="9525">
                 <a:solidFill>
                   <a:schemeClr val="tx1"/>
                 </a:solidFill>
@@ -4937,7 +4933,7 @@
               </a14:hiddenLine>
             </a:ext>
             <a:ext uri="{AF507438-7753-43e0-B8FC-AC1667EBCBE1}">
-              <a14:hiddenEffects xmlns="" xmlns:a14="http://schemas.microsoft.com/office/drawing/2010/main">
+              <a14:hiddenEffects xmlns:a14="http://schemas.microsoft.com/office/drawing/2010/main" xmlns="">
                 <a:effectLst>
                   <a:outerShdw dist="35921" dir="2700000" algn="ctr" rotWithShape="0">
                     <a:schemeClr val="bg2"/>
@@ -4990,14 +4986,14 @@
           <a:effectLst/>
           <a:extLst>
             <a:ext uri="{909E8E84-426E-40dd-AFC4-6F175D3DCCD1}">
-              <a14:hiddenFill xmlns="" xmlns:a14="http://schemas.microsoft.com/office/drawing/2010/main">
+              <a14:hiddenFill xmlns:a14="http://schemas.microsoft.com/office/drawing/2010/main" xmlns="">
                 <a:solidFill>
                   <a:srgbClr val="00B8FF"/>
                 </a:solidFill>
               </a14:hiddenFill>
             </a:ext>
             <a:ext uri="{91240B29-F687-4f45-9708-019B960494DF}">
-              <a14:hiddenLine xmlns="" xmlns:a14="http://schemas.microsoft.com/office/drawing/2010/main" w="9525">
+              <a14:hiddenLine xmlns:a14="http://schemas.microsoft.com/office/drawing/2010/main" xmlns="" w="9525">
                 <a:solidFill>
                   <a:schemeClr val="tx1"/>
                 </a:solidFill>
@@ -5007,7 +5003,7 @@
               </a14:hiddenLine>
             </a:ext>
             <a:ext uri="{AF507438-7753-43e0-B8FC-AC1667EBCBE1}">
-              <a14:hiddenEffects xmlns="" xmlns:a14="http://schemas.microsoft.com/office/drawing/2010/main">
+              <a14:hiddenEffects xmlns:a14="http://schemas.microsoft.com/office/drawing/2010/main" xmlns="">
                 <a:effectLst>
                   <a:outerShdw dist="35921" dir="2700000" algn="ctr" rotWithShape="0">
                     <a:schemeClr val="bg2"/>
@@ -5144,10 +5140,9 @@
               <a:defRPr/>
             </a:pPr>
             <a:r>
-              <a:rPr lang="en-US"/>
-              <a:t>Laboratory for Percutaneous Surgery – Copyright © Queen’s University, 2018</a:t>
-            </a:r>
-            <a:endParaRPr lang="en-US" dirty="0"/>
+              <a:rPr lang="en-US" dirty="0"/>
+              <a:t>Laboratory for Percutaneous Surgery – Copyright © Queen’s University, 2019</a:t>
+            </a:r>
           </a:p>
         </p:txBody>
       </p:sp>
@@ -5223,14 +5218,14 @@
           <a:effectLst/>
           <a:extLst>
             <a:ext uri="{909E8E84-426E-40dd-AFC4-6F175D3DCCD1}">
-              <a14:hiddenFill xmlns="" xmlns:a14="http://schemas.microsoft.com/office/drawing/2010/main">
+              <a14:hiddenFill xmlns:a14="http://schemas.microsoft.com/office/drawing/2010/main" xmlns="">
                 <a:solidFill>
                   <a:srgbClr val="00B8FF"/>
                 </a:solidFill>
               </a14:hiddenFill>
             </a:ext>
             <a:ext uri="{91240B29-F687-4f45-9708-019B960494DF}">
-              <a14:hiddenLine xmlns="" xmlns:a14="http://schemas.microsoft.com/office/drawing/2010/main" w="9525">
+              <a14:hiddenLine xmlns:a14="http://schemas.microsoft.com/office/drawing/2010/main" xmlns="" w="9525">
                 <a:solidFill>
                   <a:schemeClr val="tx1"/>
                 </a:solidFill>
@@ -5240,7 +5235,7 @@
               </a14:hiddenLine>
             </a:ext>
             <a:ext uri="{AF507438-7753-43e0-B8FC-AC1667EBCBE1}">
-              <a14:hiddenEffects xmlns="" xmlns:a14="http://schemas.microsoft.com/office/drawing/2010/main">
+              <a14:hiddenEffects xmlns:a14="http://schemas.microsoft.com/office/drawing/2010/main" xmlns="">
                 <a:effectLst>
                   <a:outerShdw dist="35921" dir="2700000" algn="ctr" rotWithShape="0">
                     <a:schemeClr val="bg2"/>
@@ -5293,14 +5288,14 @@
           <a:effectLst/>
           <a:extLst>
             <a:ext uri="{909E8E84-426E-40dd-AFC4-6F175D3DCCD1}">
-              <a14:hiddenFill xmlns="" xmlns:a14="http://schemas.microsoft.com/office/drawing/2010/main">
+              <a14:hiddenFill xmlns:a14="http://schemas.microsoft.com/office/drawing/2010/main" xmlns="">
                 <a:solidFill>
                   <a:srgbClr val="00B8FF"/>
                 </a:solidFill>
               </a14:hiddenFill>
             </a:ext>
             <a:ext uri="{91240B29-F687-4f45-9708-019B960494DF}">
-              <a14:hiddenLine xmlns="" xmlns:a14="http://schemas.microsoft.com/office/drawing/2010/main" w="9525">
+              <a14:hiddenLine xmlns:a14="http://schemas.microsoft.com/office/drawing/2010/main" xmlns="" w="9525">
                 <a:solidFill>
                   <a:schemeClr val="tx1"/>
                 </a:solidFill>
@@ -5310,7 +5305,7 @@
               </a14:hiddenLine>
             </a:ext>
             <a:ext uri="{AF507438-7753-43e0-B8FC-AC1667EBCBE1}">
-              <a14:hiddenEffects xmlns="" xmlns:a14="http://schemas.microsoft.com/office/drawing/2010/main">
+              <a14:hiddenEffects xmlns:a14="http://schemas.microsoft.com/office/drawing/2010/main" xmlns="">
                 <a:effectLst>
                   <a:outerShdw dist="35921" dir="2700000" algn="ctr" rotWithShape="0">
                     <a:schemeClr val="bg2"/>
@@ -5363,14 +5358,14 @@
           <a:effectLst/>
           <a:extLst>
             <a:ext uri="{909E8E84-426E-40dd-AFC4-6F175D3DCCD1}">
-              <a14:hiddenFill xmlns="" xmlns:a14="http://schemas.microsoft.com/office/drawing/2010/main">
+              <a14:hiddenFill xmlns:a14="http://schemas.microsoft.com/office/drawing/2010/main" xmlns="">
                 <a:solidFill>
                   <a:srgbClr val="00B8FF"/>
                 </a:solidFill>
               </a14:hiddenFill>
             </a:ext>
             <a:ext uri="{91240B29-F687-4f45-9708-019B960494DF}">
-              <a14:hiddenLine xmlns="" xmlns:a14="http://schemas.microsoft.com/office/drawing/2010/main" w="9525">
+              <a14:hiddenLine xmlns:a14="http://schemas.microsoft.com/office/drawing/2010/main" xmlns="" w="9525">
                 <a:solidFill>
                   <a:schemeClr val="tx1"/>
                 </a:solidFill>
@@ -5380,7 +5375,7 @@
               </a14:hiddenLine>
             </a:ext>
             <a:ext uri="{AF507438-7753-43e0-B8FC-AC1667EBCBE1}">
-              <a14:hiddenEffects xmlns="" xmlns:a14="http://schemas.microsoft.com/office/drawing/2010/main">
+              <a14:hiddenEffects xmlns:a14="http://schemas.microsoft.com/office/drawing/2010/main" xmlns="">
                 <a:effectLst>
                   <a:outerShdw dist="35921" dir="2700000" algn="ctr" rotWithShape="0">
                     <a:schemeClr val="bg2"/>
@@ -5433,14 +5428,14 @@
           <a:effectLst/>
           <a:extLst>
             <a:ext uri="{909E8E84-426E-40dd-AFC4-6F175D3DCCD1}">
-              <a14:hiddenFill xmlns="" xmlns:a14="http://schemas.microsoft.com/office/drawing/2010/main">
+              <a14:hiddenFill xmlns:a14="http://schemas.microsoft.com/office/drawing/2010/main" xmlns="">
                 <a:solidFill>
                   <a:srgbClr val="00B8FF"/>
                 </a:solidFill>
               </a14:hiddenFill>
             </a:ext>
             <a:ext uri="{91240B29-F687-4f45-9708-019B960494DF}">
-              <a14:hiddenLine xmlns="" xmlns:a14="http://schemas.microsoft.com/office/drawing/2010/main" w="9525">
+              <a14:hiddenLine xmlns:a14="http://schemas.microsoft.com/office/drawing/2010/main" xmlns="" w="9525">
                 <a:solidFill>
                   <a:schemeClr val="tx1"/>
                 </a:solidFill>
@@ -5450,7 +5445,7 @@
               </a14:hiddenLine>
             </a:ext>
             <a:ext uri="{AF507438-7753-43e0-B8FC-AC1667EBCBE1}">
-              <a14:hiddenEffects xmlns="" xmlns:a14="http://schemas.microsoft.com/office/drawing/2010/main">
+              <a14:hiddenEffects xmlns:a14="http://schemas.microsoft.com/office/drawing/2010/main" xmlns="">
                 <a:effectLst>
                   <a:outerShdw dist="35921" dir="2700000" algn="ctr" rotWithShape="0">
                     <a:schemeClr val="bg2"/>
@@ -5655,14 +5650,14 @@
           <a:effectLst/>
           <a:extLst>
             <a:ext uri="{909E8E84-426E-40dd-AFC4-6F175D3DCCD1}">
-              <a14:hiddenFill xmlns="" xmlns:a14="http://schemas.microsoft.com/office/drawing/2010/main">
+              <a14:hiddenFill xmlns:a14="http://schemas.microsoft.com/office/drawing/2010/main" xmlns="">
                 <a:solidFill>
                   <a:srgbClr val="00B8FF"/>
                 </a:solidFill>
               </a14:hiddenFill>
             </a:ext>
             <a:ext uri="{91240B29-F687-4f45-9708-019B960494DF}">
-              <a14:hiddenLine xmlns="" xmlns:a14="http://schemas.microsoft.com/office/drawing/2010/main" w="9525">
+              <a14:hiddenLine xmlns:a14="http://schemas.microsoft.com/office/drawing/2010/main" xmlns="" w="9525">
                 <a:solidFill>
                   <a:schemeClr val="tx1"/>
                 </a:solidFill>
@@ -5672,7 +5667,7 @@
               </a14:hiddenLine>
             </a:ext>
             <a:ext uri="{AF507438-7753-43e0-B8FC-AC1667EBCBE1}">
-              <a14:hiddenEffects xmlns="" xmlns:a14="http://schemas.microsoft.com/office/drawing/2010/main">
+              <a14:hiddenEffects xmlns:a14="http://schemas.microsoft.com/office/drawing/2010/main" xmlns="">
                 <a:effectLst>
                   <a:outerShdw dist="35921" dir="2700000" algn="ctr" rotWithShape="0">
                     <a:schemeClr val="bg2"/>
@@ -5809,10 +5804,9 @@
               <a:defRPr/>
             </a:pPr>
             <a:r>
-              <a:rPr lang="en-US"/>
-              <a:t>Laboratory for Percutaneous Surgery – Copyright © Queen’s University, 2018</a:t>
-            </a:r>
-            <a:endParaRPr lang="en-US" dirty="0"/>
+              <a:rPr lang="en-US" dirty="0"/>
+              <a:t>Laboratory for Percutaneous Surgery – Copyright © Queen’s University, 2019</a:t>
+            </a:r>
           </a:p>
         </p:txBody>
       </p:sp>
@@ -5972,10 +5966,9 @@
               <a:defRPr/>
             </a:pPr>
             <a:r>
-              <a:rPr lang="en-US"/>
-              <a:t>Laboratory for Percutaneous Surgery – Copyright © Queen’s University, 2018</a:t>
-            </a:r>
-            <a:endParaRPr lang="en-US" dirty="0"/>
+              <a:rPr lang="en-US" dirty="0"/>
+              <a:t>Laboratory for Percutaneous Surgery – Copyright © Queen’s University, 2019</a:t>
+            </a:r>
           </a:p>
         </p:txBody>
       </p:sp>
@@ -6051,14 +6044,14 @@
           <a:effectLst/>
           <a:extLst>
             <a:ext uri="{909E8E84-426E-40dd-AFC4-6F175D3DCCD1}">
-              <a14:hiddenFill xmlns="" xmlns:a14="http://schemas.microsoft.com/office/drawing/2010/main">
+              <a14:hiddenFill xmlns:a14="http://schemas.microsoft.com/office/drawing/2010/main" xmlns="">
                 <a:solidFill>
                   <a:srgbClr val="00B8FF"/>
                 </a:solidFill>
               </a14:hiddenFill>
             </a:ext>
             <a:ext uri="{91240B29-F687-4f45-9708-019B960494DF}">
-              <a14:hiddenLine xmlns="" xmlns:a14="http://schemas.microsoft.com/office/drawing/2010/main" w="9525">
+              <a14:hiddenLine xmlns:a14="http://schemas.microsoft.com/office/drawing/2010/main" xmlns="" w="9525">
                 <a:solidFill>
                   <a:schemeClr val="tx1"/>
                 </a:solidFill>
@@ -6068,7 +6061,7 @@
               </a14:hiddenLine>
             </a:ext>
             <a:ext uri="{AF507438-7753-43e0-B8FC-AC1667EBCBE1}">
-              <a14:hiddenEffects xmlns="" xmlns:a14="http://schemas.microsoft.com/office/drawing/2010/main">
+              <a14:hiddenEffects xmlns:a14="http://schemas.microsoft.com/office/drawing/2010/main" xmlns="">
                 <a:effectLst>
                   <a:outerShdw dist="35921" dir="2700000" algn="ctr" rotWithShape="0">
                     <a:schemeClr val="bg2"/>
@@ -6366,7 +6359,7 @@
             </a:pPr>
             <a:r>
               <a:rPr lang="en-US" dirty="0"/>
-              <a:t>Laboratory for Percutaneous Surgery – Copyright © Queen’s University, 2018</a:t>
+              <a:t>Laboratory for Percutaneous Surgery – Copyright © Queen’s University, 2019</a:t>
             </a:r>
           </a:p>
         </p:txBody>
@@ -6497,10 +6490,9 @@
               <a:defRPr/>
             </a:pPr>
             <a:r>
-              <a:rPr lang="en-US"/>
-              <a:t>Laboratory for Percutaneous Surgery – Copyright © Queen’s University, 2018</a:t>
-            </a:r>
-            <a:endParaRPr lang="en-US" dirty="0"/>
+              <a:rPr lang="en-US" dirty="0"/>
+              <a:t>Laboratory for Percutaneous Surgery – Copyright © Queen’s University, 2019</a:t>
+            </a:r>
           </a:p>
         </p:txBody>
       </p:sp>
@@ -6576,14 +6568,14 @@
           <a:effectLst/>
           <a:extLst>
             <a:ext uri="{909E8E84-426E-40dd-AFC4-6F175D3DCCD1}">
-              <a14:hiddenFill xmlns="" xmlns:a14="http://schemas.microsoft.com/office/drawing/2010/main">
+              <a14:hiddenFill xmlns:a14="http://schemas.microsoft.com/office/drawing/2010/main" xmlns="">
                 <a:solidFill>
                   <a:srgbClr val="00B8FF"/>
                 </a:solidFill>
               </a14:hiddenFill>
             </a:ext>
             <a:ext uri="{91240B29-F687-4f45-9708-019B960494DF}">
-              <a14:hiddenLine xmlns="" xmlns:a14="http://schemas.microsoft.com/office/drawing/2010/main" w="9525">
+              <a14:hiddenLine xmlns:a14="http://schemas.microsoft.com/office/drawing/2010/main" xmlns="" w="9525">
                 <a:solidFill>
                   <a:schemeClr val="tx1"/>
                 </a:solidFill>
@@ -6593,7 +6585,7 @@
               </a14:hiddenLine>
             </a:ext>
             <a:ext uri="{AF507438-7753-43e0-B8FC-AC1667EBCBE1}">
-              <a14:hiddenEffects xmlns="" xmlns:a14="http://schemas.microsoft.com/office/drawing/2010/main">
+              <a14:hiddenEffects xmlns:a14="http://schemas.microsoft.com/office/drawing/2010/main" xmlns="">
                 <a:effectLst>
                   <a:outerShdw dist="35921" dir="2700000" algn="ctr" rotWithShape="0">
                     <a:schemeClr val="bg2"/>
@@ -6646,14 +6638,14 @@
           <a:effectLst/>
           <a:extLst>
             <a:ext uri="{909E8E84-426E-40dd-AFC4-6F175D3DCCD1}">
-              <a14:hiddenFill xmlns="" xmlns:a14="http://schemas.microsoft.com/office/drawing/2010/main">
+              <a14:hiddenFill xmlns:a14="http://schemas.microsoft.com/office/drawing/2010/main" xmlns="">
                 <a:solidFill>
                   <a:srgbClr val="00B8FF"/>
                 </a:solidFill>
               </a14:hiddenFill>
             </a:ext>
             <a:ext uri="{91240B29-F687-4f45-9708-019B960494DF}">
-              <a14:hiddenLine xmlns="" xmlns:a14="http://schemas.microsoft.com/office/drawing/2010/main" w="9525">
+              <a14:hiddenLine xmlns:a14="http://schemas.microsoft.com/office/drawing/2010/main" xmlns="" w="9525">
                 <a:solidFill>
                   <a:schemeClr val="tx1"/>
                 </a:solidFill>
@@ -6663,7 +6655,7 @@
               </a14:hiddenLine>
             </a:ext>
             <a:ext uri="{AF507438-7753-43e0-B8FC-AC1667EBCBE1}">
-              <a14:hiddenEffects xmlns="" xmlns:a14="http://schemas.microsoft.com/office/drawing/2010/main">
+              <a14:hiddenEffects xmlns:a14="http://schemas.microsoft.com/office/drawing/2010/main" xmlns="">
                 <a:effectLst>
                   <a:outerShdw dist="35921" dir="2700000" algn="ctr" rotWithShape="0">
                     <a:schemeClr val="bg2"/>
@@ -6897,10 +6889,9 @@
               <a:defRPr/>
             </a:pPr>
             <a:r>
-              <a:rPr lang="en-US"/>
-              <a:t>Laboratory for Percutaneous Surgery – Copyright © Queen’s University, 2018</a:t>
-            </a:r>
-            <a:endParaRPr lang="en-US" dirty="0"/>
+              <a:rPr lang="en-US" dirty="0"/>
+              <a:t>Laboratory for Percutaneous Surgery – Copyright © Queen’s University, 2019</a:t>
+            </a:r>
           </a:p>
         </p:txBody>
       </p:sp>
@@ -6976,14 +6967,14 @@
           <a:effectLst/>
           <a:extLst>
             <a:ext uri="{909E8E84-426E-40dd-AFC4-6F175D3DCCD1}">
-              <a14:hiddenFill xmlns="" xmlns:a14="http://schemas.microsoft.com/office/drawing/2010/main">
+              <a14:hiddenFill xmlns:a14="http://schemas.microsoft.com/office/drawing/2010/main" xmlns="">
                 <a:solidFill>
                   <a:srgbClr val="00B8FF"/>
                 </a:solidFill>
               </a14:hiddenFill>
             </a:ext>
             <a:ext uri="{91240B29-F687-4f45-9708-019B960494DF}">
-              <a14:hiddenLine xmlns="" xmlns:a14="http://schemas.microsoft.com/office/drawing/2010/main" w="9525">
+              <a14:hiddenLine xmlns:a14="http://schemas.microsoft.com/office/drawing/2010/main" xmlns="" w="9525">
                 <a:solidFill>
                   <a:schemeClr val="tx1"/>
                 </a:solidFill>
@@ -6993,7 +6984,7 @@
               </a14:hiddenLine>
             </a:ext>
             <a:ext uri="{AF507438-7753-43e0-B8FC-AC1667EBCBE1}">
-              <a14:hiddenEffects xmlns="" xmlns:a14="http://schemas.microsoft.com/office/drawing/2010/main">
+              <a14:hiddenEffects xmlns:a14="http://schemas.microsoft.com/office/drawing/2010/main" xmlns="">
                 <a:effectLst>
                   <a:outerShdw dist="35921" dir="2700000" algn="ctr" rotWithShape="0">
                     <a:schemeClr val="bg2"/>
@@ -7046,14 +7037,14 @@
           <a:effectLst/>
           <a:extLst>
             <a:ext uri="{909E8E84-426E-40dd-AFC4-6F175D3DCCD1}">
-              <a14:hiddenFill xmlns="" xmlns:a14="http://schemas.microsoft.com/office/drawing/2010/main">
+              <a14:hiddenFill xmlns:a14="http://schemas.microsoft.com/office/drawing/2010/main" xmlns="">
                 <a:solidFill>
                   <a:srgbClr val="00B8FF"/>
                 </a:solidFill>
               </a14:hiddenFill>
             </a:ext>
             <a:ext uri="{91240B29-F687-4f45-9708-019B960494DF}">
-              <a14:hiddenLine xmlns="" xmlns:a14="http://schemas.microsoft.com/office/drawing/2010/main" w="9525">
+              <a14:hiddenLine xmlns:a14="http://schemas.microsoft.com/office/drawing/2010/main" xmlns="" w="9525">
                 <a:solidFill>
                   <a:schemeClr val="tx1"/>
                 </a:solidFill>
@@ -7063,7 +7054,7 @@
               </a14:hiddenLine>
             </a:ext>
             <a:ext uri="{AF507438-7753-43e0-B8FC-AC1667EBCBE1}">
-              <a14:hiddenEffects xmlns="" xmlns:a14="http://schemas.microsoft.com/office/drawing/2010/main">
+              <a14:hiddenEffects xmlns:a14="http://schemas.microsoft.com/office/drawing/2010/main" xmlns="">
                 <a:effectLst>
                   <a:outerShdw dist="35921" dir="2700000" algn="ctr" rotWithShape="0">
                     <a:schemeClr val="bg2"/>
@@ -7116,14 +7107,14 @@
           <a:effectLst/>
           <a:extLst>
             <a:ext uri="{909E8E84-426E-40dd-AFC4-6F175D3DCCD1}">
-              <a14:hiddenFill xmlns="" xmlns:a14="http://schemas.microsoft.com/office/drawing/2010/main">
+              <a14:hiddenFill xmlns:a14="http://schemas.microsoft.com/office/drawing/2010/main" xmlns="">
                 <a:solidFill>
                   <a:srgbClr val="00B8FF"/>
                 </a:solidFill>
               </a14:hiddenFill>
             </a:ext>
             <a:ext uri="{91240B29-F687-4f45-9708-019B960494DF}">
-              <a14:hiddenLine xmlns="" xmlns:a14="http://schemas.microsoft.com/office/drawing/2010/main" w="9525">
+              <a14:hiddenLine xmlns:a14="http://schemas.microsoft.com/office/drawing/2010/main" xmlns="" w="9525">
                 <a:solidFill>
                   <a:schemeClr val="tx1"/>
                 </a:solidFill>
@@ -7133,7 +7124,7 @@
               </a14:hiddenLine>
             </a:ext>
             <a:ext uri="{AF507438-7753-43e0-B8FC-AC1667EBCBE1}">
-              <a14:hiddenEffects xmlns="" xmlns:a14="http://schemas.microsoft.com/office/drawing/2010/main">
+              <a14:hiddenEffects xmlns:a14="http://schemas.microsoft.com/office/drawing/2010/main" xmlns="">
                 <a:effectLst>
                   <a:outerShdw dist="35921" dir="2700000" algn="ctr" rotWithShape="0">
                     <a:schemeClr val="bg2"/>
@@ -7250,6 +7241,50 @@
       </p:grpSpPr>
       <p:sp>
         <p:nvSpPr>
+          <p:cNvPr id="40" name="Oval 39">
+            <a:extLst>
+              <a:ext uri="{FF2B5EF4-FFF2-40B4-BE49-F238E27FC236}">
+                <a16:creationId xmlns:a16="http://schemas.microsoft.com/office/drawing/2014/main" id="{1973BAC2-FFCC-4BEA-8FFD-C18D2131793F}"/>
+              </a:ext>
+            </a:extLst>
+          </p:cNvPr>
+          <p:cNvSpPr/>
+          <p:nvPr/>
+        </p:nvSpPr>
+        <p:spPr>
+          <a:xfrm>
+            <a:off x="1704834" y="3799351"/>
+            <a:ext cx="1419929" cy="1007668"/>
+          </a:xfrm>
+          <a:prstGeom prst="ellipse">
+            <a:avLst/>
+          </a:prstGeom>
+        </p:spPr>
+        <p:style>
+          <a:lnRef idx="1">
+            <a:schemeClr val="accent3"/>
+          </a:lnRef>
+          <a:fillRef idx="2">
+            <a:schemeClr val="accent3"/>
+          </a:fillRef>
+          <a:effectRef idx="1">
+            <a:schemeClr val="accent3"/>
+          </a:effectRef>
+          <a:fontRef idx="minor">
+            <a:schemeClr val="dk1"/>
+          </a:fontRef>
+        </p:style>
+        <p:txBody>
+          <a:bodyPr rtlCol="0" anchor="ctr"/>
+          <a:lstStyle/>
+          <a:p>
+            <a:pPr algn="ctr"/>
+            <a:endParaRPr lang="en-US"/>
+          </a:p>
+        </p:txBody>
+      </p:sp>
+      <p:sp>
+        <p:nvSpPr>
           <p:cNvPr id="3" name="Slide Number Placeholder 2">
             <a:extLst>
               <a:ext uri="{FF2B5EF4-FFF2-40B4-BE49-F238E27FC236}">
@@ -7316,10 +7351,9 @@
               <a:defRPr/>
             </a:pPr>
             <a:r>
-              <a:rPr lang="en-US"/>
-              <a:t>Laboratory for Percutaneous Surgery – Copyright © Queen’s University, 2018</a:t>
-            </a:r>
-            <a:endParaRPr lang="en-US" dirty="0"/>
+              <a:rPr lang="en-US" dirty="0"/>
+              <a:t>Laboratory for Percutaneous Surgery – Copyright © Queen’s University, 2019</a:t>
+            </a:r>
           </a:p>
         </p:txBody>
       </p:sp>
@@ -7364,6 +7398,1228 @@
             <a:r>
               <a:rPr lang="en-US" dirty="0"/>
               <a:t>Export DICOM</a:t>
+            </a:r>
+          </a:p>
+        </p:txBody>
+      </p:sp>
+      <p:sp>
+        <p:nvSpPr>
+          <p:cNvPr id="6" name="Flowchart: Magnetic Disk 5">
+            <a:extLst>
+              <a:ext uri="{FF2B5EF4-FFF2-40B4-BE49-F238E27FC236}">
+                <a16:creationId xmlns:a16="http://schemas.microsoft.com/office/drawing/2014/main" id="{5D11DDC6-92DA-4C5D-BC8C-44679D8923F0}"/>
+              </a:ext>
+            </a:extLst>
+          </p:cNvPr>
+          <p:cNvSpPr/>
+          <p:nvPr/>
+        </p:nvSpPr>
+        <p:spPr>
+          <a:xfrm>
+            <a:off x="3985483" y="2140019"/>
+            <a:ext cx="936104" cy="648072"/>
+          </a:xfrm>
+          <a:prstGeom prst="flowChartMagneticDisk">
+            <a:avLst/>
+          </a:prstGeom>
+        </p:spPr>
+        <p:style>
+          <a:lnRef idx="1">
+            <a:schemeClr val="dk1"/>
+          </a:lnRef>
+          <a:fillRef idx="2">
+            <a:schemeClr val="dk1"/>
+          </a:fillRef>
+          <a:effectRef idx="1">
+            <a:schemeClr val="dk1"/>
+          </a:effectRef>
+          <a:fontRef idx="minor">
+            <a:schemeClr val="dk1"/>
+          </a:fontRef>
+        </p:style>
+        <p:txBody>
+          <a:bodyPr rtlCol="0" anchor="ctr"/>
+          <a:lstStyle/>
+          <a:p>
+            <a:pPr algn="ctr"/>
+            <a:endParaRPr lang="en-US" dirty="0"/>
+          </a:p>
+        </p:txBody>
+      </p:sp>
+      <p:grpSp>
+        <p:nvGrpSpPr>
+          <p:cNvPr id="7" name="Group 6">
+            <a:extLst>
+              <a:ext uri="{FF2B5EF4-FFF2-40B4-BE49-F238E27FC236}">
+                <a16:creationId xmlns:a16="http://schemas.microsoft.com/office/drawing/2014/main" id="{E6743323-ACB8-4E51-9ED3-1DF24C150CD6}"/>
+              </a:ext>
+            </a:extLst>
+          </p:cNvPr>
+          <p:cNvGrpSpPr/>
+          <p:nvPr/>
+        </p:nvGrpSpPr>
+        <p:grpSpPr>
+          <a:xfrm>
+            <a:off x="812697" y="1767432"/>
+            <a:ext cx="1152128" cy="1439387"/>
+            <a:chOff x="3563889" y="4781124"/>
+            <a:chExt cx="1152128" cy="1439387"/>
+          </a:xfrm>
+        </p:grpSpPr>
+        <p:pic>
+          <p:nvPicPr>
+            <p:cNvPr id="8" name="Picture 2" descr="C:\Users\lasso\AppData\Local\Microsoft\Windows\Temporary Internet Files\Content.IE5\CNQXUMMO\MC900433853[1].png">
+              <a:extLst>
+                <a:ext uri="{FF2B5EF4-FFF2-40B4-BE49-F238E27FC236}">
+                  <a16:creationId xmlns:a16="http://schemas.microsoft.com/office/drawing/2014/main" id="{8F1304C6-793B-407D-AB84-A01FB43FEE96}"/>
+                </a:ext>
+              </a:extLst>
+            </p:cNvPr>
+            <p:cNvPicPr>
+              <a:picLocks noChangeAspect="1" noChangeArrowheads="1"/>
+            </p:cNvPicPr>
+            <p:nvPr/>
+          </p:nvPicPr>
+          <p:blipFill>
+            <a:blip r:embed="rId2" cstate="print">
+              <a:extLst>
+                <a:ext uri="{28A0092B-C50C-407E-A947-70E740481C1C}">
+                  <a14:useLocalDpi xmlns:a14="http://schemas.microsoft.com/office/drawing/2010/main" val="0"/>
+                </a:ext>
+              </a:extLst>
+            </a:blip>
+            <a:srcRect/>
+            <a:stretch>
+              <a:fillRect/>
+            </a:stretch>
+          </p:blipFill>
+          <p:spPr bwMode="auto">
+            <a:xfrm>
+              <a:off x="3563889" y="4781124"/>
+              <a:ext cx="576064" cy="576064"/>
+            </a:xfrm>
+            <a:prstGeom prst="rect">
+              <a:avLst/>
+            </a:prstGeom>
+            <a:noFill/>
+            <a:extLst>
+              <a:ext uri="{909E8E84-426E-40DD-AFC4-6F175D3DCCD1}">
+                <a14:hiddenFill xmlns:a14="http://schemas.microsoft.com/office/drawing/2010/main">
+                  <a:solidFill>
+                    <a:srgbClr val="FFFFFF"/>
+                  </a:solidFill>
+                </a14:hiddenFill>
+              </a:ext>
+            </a:extLst>
+          </p:spPr>
+        </p:pic>
+        <p:pic>
+          <p:nvPicPr>
+            <p:cNvPr id="9" name="Picture 2" descr="C:\Users\lasso\AppData\Local\Microsoft\Windows\Temporary Internet Files\Content.IE5\CNQXUMMO\MC900433853[1].png">
+              <a:extLst>
+                <a:ext uri="{FF2B5EF4-FFF2-40B4-BE49-F238E27FC236}">
+                  <a16:creationId xmlns:a16="http://schemas.microsoft.com/office/drawing/2014/main" id="{020A7D9A-6C21-44F5-AD50-5CA2964EBBCC}"/>
+                </a:ext>
+              </a:extLst>
+            </p:cNvPr>
+            <p:cNvPicPr>
+              <a:picLocks noChangeAspect="1" noChangeArrowheads="1"/>
+            </p:cNvPicPr>
+            <p:nvPr/>
+          </p:nvPicPr>
+          <p:blipFill>
+            <a:blip r:embed="rId2" cstate="print">
+              <a:extLst>
+                <a:ext uri="{28A0092B-C50C-407E-A947-70E740481C1C}">
+                  <a14:useLocalDpi xmlns:a14="http://schemas.microsoft.com/office/drawing/2010/main" val="0"/>
+                </a:ext>
+              </a:extLst>
+            </a:blip>
+            <a:srcRect/>
+            <a:stretch>
+              <a:fillRect/>
+            </a:stretch>
+          </p:blipFill>
+          <p:spPr bwMode="auto">
+            <a:xfrm>
+              <a:off x="4139953" y="5157192"/>
+              <a:ext cx="576064" cy="576064"/>
+            </a:xfrm>
+            <a:prstGeom prst="rect">
+              <a:avLst/>
+            </a:prstGeom>
+            <a:noFill/>
+            <a:extLst>
+              <a:ext uri="{909E8E84-426E-40DD-AFC4-6F175D3DCCD1}">
+                <a14:hiddenFill xmlns:a14="http://schemas.microsoft.com/office/drawing/2010/main">
+                  <a:solidFill>
+                    <a:srgbClr val="FFFFFF"/>
+                  </a:solidFill>
+                </a14:hiddenFill>
+              </a:ext>
+            </a:extLst>
+          </p:spPr>
+        </p:pic>
+        <p:pic>
+          <p:nvPicPr>
+            <p:cNvPr id="10" name="Picture 2" descr="C:\Users\lasso\AppData\Local\Microsoft\Windows\Temporary Internet Files\Content.IE5\CNQXUMMO\MC900433853[1].png">
+              <a:extLst>
+                <a:ext uri="{FF2B5EF4-FFF2-40B4-BE49-F238E27FC236}">
+                  <a16:creationId xmlns:a16="http://schemas.microsoft.com/office/drawing/2014/main" id="{FAA6FA1A-CC56-4E15-BDEA-ECC555707724}"/>
+                </a:ext>
+              </a:extLst>
+            </p:cNvPr>
+            <p:cNvPicPr>
+              <a:picLocks noChangeAspect="1" noChangeArrowheads="1"/>
+            </p:cNvPicPr>
+            <p:nvPr/>
+          </p:nvPicPr>
+          <p:blipFill>
+            <a:blip r:embed="rId2" cstate="print">
+              <a:extLst>
+                <a:ext uri="{28A0092B-C50C-407E-A947-70E740481C1C}">
+                  <a14:useLocalDpi xmlns:a14="http://schemas.microsoft.com/office/drawing/2010/main" val="0"/>
+                </a:ext>
+              </a:extLst>
+            </a:blip>
+            <a:srcRect/>
+            <a:stretch>
+              <a:fillRect/>
+            </a:stretch>
+          </p:blipFill>
+          <p:spPr bwMode="auto">
+            <a:xfrm>
+              <a:off x="4139953" y="5644447"/>
+              <a:ext cx="576064" cy="576064"/>
+            </a:xfrm>
+            <a:prstGeom prst="rect">
+              <a:avLst/>
+            </a:prstGeom>
+            <a:noFill/>
+            <a:extLst>
+              <a:ext uri="{909E8E84-426E-40DD-AFC4-6F175D3DCCD1}">
+                <a14:hiddenFill xmlns:a14="http://schemas.microsoft.com/office/drawing/2010/main">
+                  <a:solidFill>
+                    <a:srgbClr val="FFFFFF"/>
+                  </a:solidFill>
+                </a14:hiddenFill>
+              </a:ext>
+            </a:extLst>
+          </p:spPr>
+        </p:pic>
+        <p:cxnSp>
+          <p:nvCxnSpPr>
+            <p:cNvPr id="11" name="Elbow Connector 7">
+              <a:extLst>
+                <a:ext uri="{FF2B5EF4-FFF2-40B4-BE49-F238E27FC236}">
+                  <a16:creationId xmlns:a16="http://schemas.microsoft.com/office/drawing/2014/main" id="{3B06B11A-8BCA-4C04-B42C-62991251EAA6}"/>
+                </a:ext>
+              </a:extLst>
+            </p:cNvPr>
+            <p:cNvCxnSpPr>
+              <a:stCxn id="8" idx="2"/>
+              <a:endCxn id="9" idx="1"/>
+            </p:cNvCxnSpPr>
+            <p:nvPr/>
+          </p:nvCxnSpPr>
+          <p:spPr>
+            <a:xfrm rot="16200000" flipH="1">
+              <a:off x="3951919" y="5257190"/>
+              <a:ext cx="88036" cy="288032"/>
+            </a:xfrm>
+            <a:prstGeom prst="bentConnector2">
+              <a:avLst/>
+            </a:prstGeom>
+          </p:spPr>
+          <p:style>
+            <a:lnRef idx="1">
+              <a:schemeClr val="accent1"/>
+            </a:lnRef>
+            <a:fillRef idx="0">
+              <a:schemeClr val="accent1"/>
+            </a:fillRef>
+            <a:effectRef idx="0">
+              <a:schemeClr val="accent1"/>
+            </a:effectRef>
+            <a:fontRef idx="minor">
+              <a:schemeClr val="tx1"/>
+            </a:fontRef>
+          </p:style>
+        </p:cxnSp>
+        <p:cxnSp>
+          <p:nvCxnSpPr>
+            <p:cNvPr id="12" name="Elbow Connector 13">
+              <a:extLst>
+                <a:ext uri="{FF2B5EF4-FFF2-40B4-BE49-F238E27FC236}">
+                  <a16:creationId xmlns:a16="http://schemas.microsoft.com/office/drawing/2014/main" id="{C86107C3-6D2D-45CA-A937-4A833DEAFC54}"/>
+                </a:ext>
+              </a:extLst>
+            </p:cNvPr>
+            <p:cNvCxnSpPr>
+              <a:endCxn id="10" idx="1"/>
+            </p:cNvCxnSpPr>
+            <p:nvPr/>
+          </p:nvCxnSpPr>
+          <p:spPr>
+            <a:xfrm rot="16200000" flipH="1">
+              <a:off x="3708294" y="5500819"/>
+              <a:ext cx="575289" cy="288030"/>
+            </a:xfrm>
+            <a:prstGeom prst="bentConnector2">
+              <a:avLst/>
+            </a:prstGeom>
+          </p:spPr>
+          <p:style>
+            <a:lnRef idx="1">
+              <a:schemeClr val="accent1"/>
+            </a:lnRef>
+            <a:fillRef idx="0">
+              <a:schemeClr val="accent1"/>
+            </a:fillRef>
+            <a:effectRef idx="0">
+              <a:schemeClr val="accent1"/>
+            </a:effectRef>
+            <a:fontRef idx="minor">
+              <a:schemeClr val="tx1"/>
+            </a:fontRef>
+          </p:style>
+        </p:cxnSp>
+      </p:grpSp>
+      <p:cxnSp>
+        <p:nvCxnSpPr>
+          <p:cNvPr id="13" name="Straight Arrow Connector 12">
+            <a:extLst>
+              <a:ext uri="{FF2B5EF4-FFF2-40B4-BE49-F238E27FC236}">
+                <a16:creationId xmlns:a16="http://schemas.microsoft.com/office/drawing/2014/main" id="{912D8B2E-0C73-45EE-BC52-7E443C7A7711}"/>
+              </a:ext>
+            </a:extLst>
+          </p:cNvPr>
+          <p:cNvCxnSpPr>
+            <a:cxnSpLocks/>
+          </p:cNvCxnSpPr>
+          <p:nvPr/>
+        </p:nvCxnSpPr>
+        <p:spPr bwMode="auto">
+          <a:xfrm>
+            <a:off x="2428734" y="2312042"/>
+            <a:ext cx="980120" cy="0"/>
+          </a:xfrm>
+          <a:prstGeom prst="straightConnector1">
+            <a:avLst/>
+          </a:prstGeom>
+          <a:ln>
+            <a:solidFill>
+              <a:srgbClr val="C00000"/>
+            </a:solidFill>
+            <a:headEnd type="none" w="med" len="med"/>
+            <a:tailEnd type="arrow"/>
+          </a:ln>
+        </p:spPr>
+        <p:style>
+          <a:lnRef idx="2">
+            <a:schemeClr val="accent2"/>
+          </a:lnRef>
+          <a:fillRef idx="0">
+            <a:schemeClr val="accent2"/>
+          </a:fillRef>
+          <a:effectRef idx="1">
+            <a:schemeClr val="accent2"/>
+          </a:effectRef>
+          <a:fontRef idx="minor">
+            <a:schemeClr val="tx1"/>
+          </a:fontRef>
+        </p:style>
+      </p:cxnSp>
+      <p:sp>
+        <p:nvSpPr>
+          <p:cNvPr id="14" name="Content Placeholder 2">
+            <a:extLst>
+              <a:ext uri="{FF2B5EF4-FFF2-40B4-BE49-F238E27FC236}">
+                <a16:creationId xmlns:a16="http://schemas.microsoft.com/office/drawing/2014/main" id="{BEB0D523-0741-43F8-B709-62B863CC595B}"/>
+              </a:ext>
+            </a:extLst>
+          </p:cNvPr>
+          <p:cNvSpPr txBox="1">
+            <a:spLocks/>
+          </p:cNvSpPr>
+          <p:nvPr/>
+        </p:nvSpPr>
+        <p:spPr bwMode="auto">
+          <a:xfrm>
+            <a:off x="3811381" y="2828079"/>
+            <a:ext cx="1371600" cy="432048"/>
+          </a:xfrm>
+          <a:prstGeom prst="rect">
+            <a:avLst/>
+          </a:prstGeom>
+          <a:noFill/>
+          <a:ln w="9525">
+            <a:noFill/>
+            <a:miter lim="800000"/>
+            <a:headEnd/>
+            <a:tailEnd/>
+          </a:ln>
+        </p:spPr>
+        <p:txBody>
+          <a:bodyPr lIns="0" tIns="0" rIns="0" bIns="0"/>
+          <a:lstStyle/>
+          <a:p>
+            <a:pPr indent="-363538" algn="ctr" eaLnBrk="0" hangingPunct="0">
+              <a:spcBef>
+                <a:spcPts val="0"/>
+              </a:spcBef>
+              <a:tabLst>
+                <a:tab pos="230188" algn="l"/>
+              </a:tabLst>
+              <a:defRPr/>
+            </a:pPr>
+            <a:r>
+              <a:rPr lang="en-CA" sz="1600" i="1" kern="0" dirty="0">
+                <a:solidFill>
+                  <a:srgbClr val="C00000"/>
+                </a:solidFill>
+                <a:latin typeface="+mn-lt"/>
+              </a:rPr>
+              <a:t>Slicer DICOM database</a:t>
+            </a:r>
+          </a:p>
+        </p:txBody>
+      </p:sp>
+      <p:sp>
+        <p:nvSpPr>
+          <p:cNvPr id="16" name="Content Placeholder 2">
+            <a:extLst>
+              <a:ext uri="{FF2B5EF4-FFF2-40B4-BE49-F238E27FC236}">
+                <a16:creationId xmlns:a16="http://schemas.microsoft.com/office/drawing/2014/main" id="{C0C15C19-C482-442E-8695-759B3F6AD047}"/>
+              </a:ext>
+            </a:extLst>
+          </p:cNvPr>
+          <p:cNvSpPr txBox="1">
+            <a:spLocks/>
+          </p:cNvSpPr>
+          <p:nvPr/>
+        </p:nvSpPr>
+        <p:spPr bwMode="auto">
+          <a:xfrm>
+            <a:off x="2200134" y="1759019"/>
+            <a:ext cx="1371600" cy="432048"/>
+          </a:xfrm>
+          <a:prstGeom prst="rect">
+            <a:avLst/>
+          </a:prstGeom>
+          <a:noFill/>
+          <a:ln w="9525">
+            <a:noFill/>
+            <a:miter lim="800000"/>
+            <a:headEnd/>
+            <a:tailEnd/>
+          </a:ln>
+        </p:spPr>
+        <p:txBody>
+          <a:bodyPr lIns="0" tIns="0" rIns="0" bIns="0"/>
+          <a:lstStyle/>
+          <a:p>
+            <a:pPr indent="-363538" algn="ctr" eaLnBrk="0" hangingPunct="0">
+              <a:spcBef>
+                <a:spcPts val="0"/>
+              </a:spcBef>
+              <a:tabLst>
+                <a:tab pos="230188" algn="l"/>
+              </a:tabLst>
+              <a:defRPr/>
+            </a:pPr>
+            <a:r>
+              <a:rPr lang="en-CA" sz="1600" i="1" kern="0" dirty="0">
+                <a:solidFill>
+                  <a:srgbClr val="C00000"/>
+                </a:solidFill>
+                <a:latin typeface="+mn-lt"/>
+              </a:rPr>
+              <a:t>DICOM</a:t>
+            </a:r>
+          </a:p>
+          <a:p>
+            <a:pPr indent="-363538" algn="ctr" eaLnBrk="0" hangingPunct="0">
+              <a:spcBef>
+                <a:spcPts val="0"/>
+              </a:spcBef>
+              <a:tabLst>
+                <a:tab pos="230188" algn="l"/>
+              </a:tabLst>
+              <a:defRPr/>
+            </a:pPr>
+            <a:r>
+              <a:rPr lang="en-CA" sz="1600" i="1" kern="0" dirty="0">
+                <a:solidFill>
+                  <a:srgbClr val="C00000"/>
+                </a:solidFill>
+                <a:latin typeface="+mn-lt"/>
+              </a:rPr>
+              <a:t>import</a:t>
+            </a:r>
+          </a:p>
+        </p:txBody>
+      </p:sp>
+      <p:sp>
+        <p:nvSpPr>
+          <p:cNvPr id="17" name="Content Placeholder 2">
+            <a:extLst>
+              <a:ext uri="{FF2B5EF4-FFF2-40B4-BE49-F238E27FC236}">
+                <a16:creationId xmlns:a16="http://schemas.microsoft.com/office/drawing/2014/main" id="{515EB1AB-1D18-46C3-8119-B5ED453A4430}"/>
+              </a:ext>
+            </a:extLst>
+          </p:cNvPr>
+          <p:cNvSpPr txBox="1">
+            <a:spLocks/>
+          </p:cNvSpPr>
+          <p:nvPr/>
+        </p:nvSpPr>
+        <p:spPr bwMode="auto">
+          <a:xfrm>
+            <a:off x="702961" y="3135216"/>
+            <a:ext cx="1371600" cy="432048"/>
+          </a:xfrm>
+          <a:prstGeom prst="rect">
+            <a:avLst/>
+          </a:prstGeom>
+          <a:noFill/>
+          <a:ln w="9525">
+            <a:noFill/>
+            <a:miter lim="800000"/>
+            <a:headEnd/>
+            <a:tailEnd/>
+          </a:ln>
+        </p:spPr>
+        <p:txBody>
+          <a:bodyPr lIns="0" tIns="0" rIns="0" bIns="0"/>
+          <a:lstStyle/>
+          <a:p>
+            <a:pPr indent="-363538" algn="ctr" eaLnBrk="0" hangingPunct="0">
+              <a:spcBef>
+                <a:spcPts val="0"/>
+              </a:spcBef>
+              <a:tabLst>
+                <a:tab pos="230188" algn="l"/>
+              </a:tabLst>
+              <a:defRPr/>
+            </a:pPr>
+            <a:r>
+              <a:rPr lang="en-CA" sz="1600" i="1" kern="0" dirty="0">
+                <a:solidFill>
+                  <a:srgbClr val="C00000"/>
+                </a:solidFill>
+                <a:latin typeface="+mn-lt"/>
+              </a:rPr>
+              <a:t>DICOM files</a:t>
+            </a:r>
+          </a:p>
+        </p:txBody>
+      </p:sp>
+      <p:cxnSp>
+        <p:nvCxnSpPr>
+          <p:cNvPr id="18" name="Straight Arrow Connector 17">
+            <a:extLst>
+              <a:ext uri="{FF2B5EF4-FFF2-40B4-BE49-F238E27FC236}">
+                <a16:creationId xmlns:a16="http://schemas.microsoft.com/office/drawing/2014/main" id="{56E57906-F59E-4AF2-919D-132EE2B2B718}"/>
+              </a:ext>
+            </a:extLst>
+          </p:cNvPr>
+          <p:cNvCxnSpPr>
+            <a:cxnSpLocks/>
+          </p:cNvCxnSpPr>
+          <p:nvPr/>
+        </p:nvCxnSpPr>
+        <p:spPr bwMode="auto">
+          <a:xfrm flipH="1" flipV="1">
+            <a:off x="2235249" y="3350345"/>
+            <a:ext cx="1260285" cy="1609074"/>
+          </a:xfrm>
+          <a:prstGeom prst="straightConnector1">
+            <a:avLst/>
+          </a:prstGeom>
+          <a:ln>
+            <a:solidFill>
+              <a:srgbClr val="C00000"/>
+            </a:solidFill>
+            <a:headEnd type="none" w="med" len="med"/>
+            <a:tailEnd type="arrow"/>
+          </a:ln>
+        </p:spPr>
+        <p:style>
+          <a:lnRef idx="2">
+            <a:schemeClr val="accent2"/>
+          </a:lnRef>
+          <a:fillRef idx="0">
+            <a:schemeClr val="accent2"/>
+          </a:fillRef>
+          <a:effectRef idx="1">
+            <a:schemeClr val="accent2"/>
+          </a:effectRef>
+          <a:fontRef idx="minor">
+            <a:schemeClr val="tx1"/>
+          </a:fontRef>
+        </p:style>
+      </p:cxnSp>
+      <p:sp>
+        <p:nvSpPr>
+          <p:cNvPr id="22" name="Content Placeholder 2">
+            <a:extLst>
+              <a:ext uri="{FF2B5EF4-FFF2-40B4-BE49-F238E27FC236}">
+                <a16:creationId xmlns:a16="http://schemas.microsoft.com/office/drawing/2014/main" id="{174C8EE9-DEF8-415B-BD8B-6D58E4807096}"/>
+              </a:ext>
+            </a:extLst>
+          </p:cNvPr>
+          <p:cNvSpPr txBox="1">
+            <a:spLocks/>
+          </p:cNvSpPr>
+          <p:nvPr/>
+        </p:nvSpPr>
+        <p:spPr bwMode="auto">
+          <a:xfrm>
+            <a:off x="1704834" y="4003600"/>
+            <a:ext cx="1371600" cy="432048"/>
+          </a:xfrm>
+          <a:prstGeom prst="rect">
+            <a:avLst/>
+          </a:prstGeom>
+          <a:noFill/>
+          <a:ln w="9525">
+            <a:noFill/>
+            <a:miter lim="800000"/>
+            <a:headEnd/>
+            <a:tailEnd/>
+          </a:ln>
+        </p:spPr>
+        <p:txBody>
+          <a:bodyPr lIns="0" tIns="0" rIns="0" bIns="0"/>
+          <a:lstStyle/>
+          <a:p>
+            <a:pPr indent="-363538" algn="ctr" eaLnBrk="0" hangingPunct="0">
+              <a:spcBef>
+                <a:spcPts val="0"/>
+              </a:spcBef>
+              <a:tabLst>
+                <a:tab pos="230188" algn="l"/>
+              </a:tabLst>
+              <a:defRPr/>
+            </a:pPr>
+            <a:r>
+              <a:rPr lang="en-CA" sz="1600" i="1" kern="0" dirty="0">
+                <a:solidFill>
+                  <a:srgbClr val="C00000"/>
+                </a:solidFill>
+                <a:latin typeface="+mn-lt"/>
+              </a:rPr>
+              <a:t>DICOM</a:t>
+            </a:r>
+          </a:p>
+          <a:p>
+            <a:pPr indent="-363538" algn="ctr" eaLnBrk="0" hangingPunct="0">
+              <a:spcBef>
+                <a:spcPts val="0"/>
+              </a:spcBef>
+              <a:tabLst>
+                <a:tab pos="230188" algn="l"/>
+              </a:tabLst>
+              <a:defRPr/>
+            </a:pPr>
+            <a:r>
+              <a:rPr lang="en-CA" sz="1600" i="1" kern="0" dirty="0">
+                <a:solidFill>
+                  <a:srgbClr val="C00000"/>
+                </a:solidFill>
+                <a:latin typeface="+mn-lt"/>
+              </a:rPr>
+              <a:t>export</a:t>
+            </a:r>
+          </a:p>
+        </p:txBody>
+      </p:sp>
+      <p:pic>
+        <p:nvPicPr>
+          <p:cNvPr id="23" name="Picture 22">
+            <a:extLst>
+              <a:ext uri="{FF2B5EF4-FFF2-40B4-BE49-F238E27FC236}">
+                <a16:creationId xmlns:a16="http://schemas.microsoft.com/office/drawing/2014/main" id="{890AA902-8980-4C37-AE4F-A1011BDD7E89}"/>
+              </a:ext>
+            </a:extLst>
+          </p:cNvPr>
+          <p:cNvPicPr>
+            <a:picLocks noChangeAspect="1"/>
+          </p:cNvPicPr>
+          <p:nvPr/>
+        </p:nvPicPr>
+        <p:blipFill>
+          <a:blip r:embed="rId3"/>
+          <a:stretch>
+            <a:fillRect/>
+          </a:stretch>
+        </p:blipFill>
+        <p:spPr>
+          <a:xfrm>
+            <a:off x="3605106" y="4397944"/>
+            <a:ext cx="2068402" cy="1447881"/>
+          </a:xfrm>
+          <a:prstGeom prst="rect">
+            <a:avLst/>
+          </a:prstGeom>
+        </p:spPr>
+      </p:pic>
+      <p:sp>
+        <p:nvSpPr>
+          <p:cNvPr id="24" name="Flowchart: Magnetic Disk 23">
+            <a:extLst>
+              <a:ext uri="{FF2B5EF4-FFF2-40B4-BE49-F238E27FC236}">
+                <a16:creationId xmlns:a16="http://schemas.microsoft.com/office/drawing/2014/main" id="{5533EED9-91D9-4076-9551-645D25BDB71E}"/>
+              </a:ext>
+            </a:extLst>
+          </p:cNvPr>
+          <p:cNvSpPr/>
+          <p:nvPr/>
+        </p:nvSpPr>
+        <p:spPr>
+          <a:xfrm>
+            <a:off x="7032102" y="2140019"/>
+            <a:ext cx="936104" cy="648072"/>
+          </a:xfrm>
+          <a:prstGeom prst="flowChartMagneticDisk">
+            <a:avLst/>
+          </a:prstGeom>
+        </p:spPr>
+        <p:style>
+          <a:lnRef idx="1">
+            <a:schemeClr val="dk1"/>
+          </a:lnRef>
+          <a:fillRef idx="2">
+            <a:schemeClr val="dk1"/>
+          </a:fillRef>
+          <a:effectRef idx="1">
+            <a:schemeClr val="dk1"/>
+          </a:effectRef>
+          <a:fontRef idx="minor">
+            <a:schemeClr val="dk1"/>
+          </a:fontRef>
+        </p:style>
+        <p:txBody>
+          <a:bodyPr rtlCol="0" anchor="ctr"/>
+          <a:lstStyle/>
+          <a:p>
+            <a:pPr algn="ctr"/>
+            <a:endParaRPr lang="en-US" dirty="0"/>
+          </a:p>
+        </p:txBody>
+      </p:sp>
+      <p:sp>
+        <p:nvSpPr>
+          <p:cNvPr id="25" name="Content Placeholder 2">
+            <a:extLst>
+              <a:ext uri="{FF2B5EF4-FFF2-40B4-BE49-F238E27FC236}">
+                <a16:creationId xmlns:a16="http://schemas.microsoft.com/office/drawing/2014/main" id="{7C8B63CC-0DBE-40B4-9126-3F492E7F5380}"/>
+              </a:ext>
+            </a:extLst>
+          </p:cNvPr>
+          <p:cNvSpPr txBox="1">
+            <a:spLocks/>
+          </p:cNvSpPr>
+          <p:nvPr/>
+        </p:nvSpPr>
+        <p:spPr bwMode="auto">
+          <a:xfrm>
+            <a:off x="6858000" y="2828079"/>
+            <a:ext cx="1371600" cy="432048"/>
+          </a:xfrm>
+          <a:prstGeom prst="rect">
+            <a:avLst/>
+          </a:prstGeom>
+          <a:noFill/>
+          <a:ln w="9525">
+            <a:noFill/>
+            <a:miter lim="800000"/>
+            <a:headEnd/>
+            <a:tailEnd/>
+          </a:ln>
+        </p:spPr>
+        <p:txBody>
+          <a:bodyPr lIns="0" tIns="0" rIns="0" bIns="0"/>
+          <a:lstStyle/>
+          <a:p>
+            <a:pPr indent="-363538" algn="ctr" eaLnBrk="0" hangingPunct="0">
+              <a:spcBef>
+                <a:spcPts val="0"/>
+              </a:spcBef>
+              <a:tabLst>
+                <a:tab pos="230188" algn="l"/>
+              </a:tabLst>
+              <a:defRPr/>
+            </a:pPr>
+            <a:r>
+              <a:rPr lang="en-CA" sz="1600" i="1" kern="0" dirty="0">
+                <a:solidFill>
+                  <a:srgbClr val="C00000"/>
+                </a:solidFill>
+                <a:latin typeface="+mn-lt"/>
+              </a:rPr>
+              <a:t>Remote PACS</a:t>
+            </a:r>
+          </a:p>
+        </p:txBody>
+      </p:sp>
+      <p:cxnSp>
+        <p:nvCxnSpPr>
+          <p:cNvPr id="26" name="Straight Arrow Connector 25">
+            <a:extLst>
+              <a:ext uri="{FF2B5EF4-FFF2-40B4-BE49-F238E27FC236}">
+                <a16:creationId xmlns:a16="http://schemas.microsoft.com/office/drawing/2014/main" id="{D889C3F6-4863-4151-8984-1F8767547A24}"/>
+              </a:ext>
+            </a:extLst>
+          </p:cNvPr>
+          <p:cNvCxnSpPr>
+            <a:cxnSpLocks/>
+          </p:cNvCxnSpPr>
+          <p:nvPr/>
+        </p:nvCxnSpPr>
+        <p:spPr bwMode="auto">
+          <a:xfrm>
+            <a:off x="5525070" y="2305623"/>
+            <a:ext cx="980120" cy="0"/>
+          </a:xfrm>
+          <a:prstGeom prst="straightConnector1">
+            <a:avLst/>
+          </a:prstGeom>
+          <a:ln>
+            <a:solidFill>
+              <a:srgbClr val="C00000"/>
+            </a:solidFill>
+            <a:headEnd type="none" w="med" len="med"/>
+            <a:tailEnd type="arrow"/>
+          </a:ln>
+        </p:spPr>
+        <p:style>
+          <a:lnRef idx="2">
+            <a:schemeClr val="accent2"/>
+          </a:lnRef>
+          <a:fillRef idx="0">
+            <a:schemeClr val="accent2"/>
+          </a:fillRef>
+          <a:effectRef idx="1">
+            <a:schemeClr val="accent2"/>
+          </a:effectRef>
+          <a:fontRef idx="minor">
+            <a:schemeClr val="tx1"/>
+          </a:fontRef>
+        </p:style>
+      </p:cxnSp>
+      <p:sp>
+        <p:nvSpPr>
+          <p:cNvPr id="27" name="Content Placeholder 2">
+            <a:extLst>
+              <a:ext uri="{FF2B5EF4-FFF2-40B4-BE49-F238E27FC236}">
+                <a16:creationId xmlns:a16="http://schemas.microsoft.com/office/drawing/2014/main" id="{5C7AE0B4-57C3-46F1-9F27-C4DEF2E72AA2}"/>
+              </a:ext>
+            </a:extLst>
+          </p:cNvPr>
+          <p:cNvSpPr txBox="1">
+            <a:spLocks/>
+          </p:cNvSpPr>
+          <p:nvPr/>
+        </p:nvSpPr>
+        <p:spPr bwMode="auto">
+          <a:xfrm>
+            <a:off x="5296470" y="1752600"/>
+            <a:ext cx="1371600" cy="432048"/>
+          </a:xfrm>
+          <a:prstGeom prst="rect">
+            <a:avLst/>
+          </a:prstGeom>
+          <a:noFill/>
+          <a:ln w="9525">
+            <a:noFill/>
+            <a:miter lim="800000"/>
+            <a:headEnd/>
+            <a:tailEnd/>
+          </a:ln>
+        </p:spPr>
+        <p:txBody>
+          <a:bodyPr lIns="0" tIns="0" rIns="0" bIns="0"/>
+          <a:lstStyle/>
+          <a:p>
+            <a:pPr indent="-363538" algn="ctr" eaLnBrk="0" hangingPunct="0">
+              <a:spcBef>
+                <a:spcPts val="0"/>
+              </a:spcBef>
+              <a:tabLst>
+                <a:tab pos="230188" algn="l"/>
+              </a:tabLst>
+              <a:defRPr/>
+            </a:pPr>
+            <a:r>
+              <a:rPr lang="en-CA" sz="1600" i="1" kern="0" dirty="0">
+                <a:solidFill>
+                  <a:srgbClr val="C00000"/>
+                </a:solidFill>
+                <a:latin typeface="+mn-lt"/>
+              </a:rPr>
+              <a:t>DICOM</a:t>
+            </a:r>
+          </a:p>
+          <a:p>
+            <a:pPr indent="-363538" algn="ctr" eaLnBrk="0" hangingPunct="0">
+              <a:spcBef>
+                <a:spcPts val="0"/>
+              </a:spcBef>
+              <a:tabLst>
+                <a:tab pos="230188" algn="l"/>
+              </a:tabLst>
+              <a:defRPr/>
+            </a:pPr>
+            <a:r>
+              <a:rPr lang="en-CA" sz="1600" i="1" kern="0" dirty="0">
+                <a:solidFill>
+                  <a:srgbClr val="C00000"/>
+                </a:solidFill>
+                <a:latin typeface="+mn-lt"/>
+              </a:rPr>
+              <a:t>push</a:t>
+            </a:r>
+          </a:p>
+        </p:txBody>
+      </p:sp>
+      <p:cxnSp>
+        <p:nvCxnSpPr>
+          <p:cNvPr id="28" name="Straight Arrow Connector 27">
+            <a:extLst>
+              <a:ext uri="{FF2B5EF4-FFF2-40B4-BE49-F238E27FC236}">
+                <a16:creationId xmlns:a16="http://schemas.microsoft.com/office/drawing/2014/main" id="{E279E882-9966-4E82-B6C5-627F737158A4}"/>
+              </a:ext>
+            </a:extLst>
+          </p:cNvPr>
+          <p:cNvCxnSpPr>
+            <a:cxnSpLocks/>
+          </p:cNvCxnSpPr>
+          <p:nvPr/>
+        </p:nvCxnSpPr>
+        <p:spPr bwMode="auto">
+          <a:xfrm flipH="1" flipV="1">
+            <a:off x="5525070" y="2615437"/>
+            <a:ext cx="968898" cy="12614"/>
+          </a:xfrm>
+          <a:prstGeom prst="straightConnector1">
+            <a:avLst/>
+          </a:prstGeom>
+          <a:ln>
+            <a:solidFill>
+              <a:srgbClr val="C00000"/>
+            </a:solidFill>
+            <a:headEnd type="none" w="med" len="med"/>
+            <a:tailEnd type="arrow"/>
+          </a:ln>
+        </p:spPr>
+        <p:style>
+          <a:lnRef idx="2">
+            <a:schemeClr val="accent2"/>
+          </a:lnRef>
+          <a:fillRef idx="0">
+            <a:schemeClr val="accent2"/>
+          </a:fillRef>
+          <a:effectRef idx="1">
+            <a:schemeClr val="accent2"/>
+          </a:effectRef>
+          <a:fontRef idx="minor">
+            <a:schemeClr val="tx1"/>
+          </a:fontRef>
+        </p:style>
+      </p:cxnSp>
+      <p:sp>
+        <p:nvSpPr>
+          <p:cNvPr id="29" name="Content Placeholder 2">
+            <a:extLst>
+              <a:ext uri="{FF2B5EF4-FFF2-40B4-BE49-F238E27FC236}">
+                <a16:creationId xmlns:a16="http://schemas.microsoft.com/office/drawing/2014/main" id="{3FB91397-1B02-45B0-8987-A36D678BCFF1}"/>
+              </a:ext>
+            </a:extLst>
+          </p:cNvPr>
+          <p:cNvSpPr txBox="1">
+            <a:spLocks/>
+          </p:cNvSpPr>
+          <p:nvPr/>
+        </p:nvSpPr>
+        <p:spPr bwMode="auto">
+          <a:xfrm>
+            <a:off x="5285619" y="2719564"/>
+            <a:ext cx="1371600" cy="432048"/>
+          </a:xfrm>
+          <a:prstGeom prst="rect">
+            <a:avLst/>
+          </a:prstGeom>
+          <a:noFill/>
+          <a:ln w="9525">
+            <a:noFill/>
+            <a:miter lim="800000"/>
+            <a:headEnd/>
+            <a:tailEnd/>
+          </a:ln>
+        </p:spPr>
+        <p:txBody>
+          <a:bodyPr lIns="0" tIns="0" rIns="0" bIns="0"/>
+          <a:lstStyle/>
+          <a:p>
+            <a:pPr indent="-363538" algn="ctr" eaLnBrk="0" hangingPunct="0">
+              <a:spcBef>
+                <a:spcPts val="0"/>
+              </a:spcBef>
+              <a:tabLst>
+                <a:tab pos="230188" algn="l"/>
+              </a:tabLst>
+              <a:defRPr/>
+            </a:pPr>
+            <a:r>
+              <a:rPr lang="en-CA" sz="1600" i="1" kern="0" dirty="0">
+                <a:solidFill>
+                  <a:srgbClr val="C00000"/>
+                </a:solidFill>
+                <a:latin typeface="+mn-lt"/>
+              </a:rPr>
+              <a:t>DICOM</a:t>
+            </a:r>
+          </a:p>
+          <a:p>
+            <a:pPr indent="-363538" algn="ctr" eaLnBrk="0" hangingPunct="0">
+              <a:spcBef>
+                <a:spcPts val="0"/>
+              </a:spcBef>
+              <a:tabLst>
+                <a:tab pos="230188" algn="l"/>
+              </a:tabLst>
+              <a:defRPr/>
+            </a:pPr>
+            <a:r>
+              <a:rPr lang="en-CA" sz="1600" i="1" kern="0" dirty="0">
+                <a:solidFill>
+                  <a:srgbClr val="C00000"/>
+                </a:solidFill>
+                <a:latin typeface="+mn-lt"/>
+              </a:rPr>
+              <a:t>query/retrieve</a:t>
+            </a:r>
+          </a:p>
+        </p:txBody>
+      </p:sp>
+      <p:cxnSp>
+        <p:nvCxnSpPr>
+          <p:cNvPr id="30" name="Straight Arrow Connector 29">
+            <a:extLst>
+              <a:ext uri="{FF2B5EF4-FFF2-40B4-BE49-F238E27FC236}">
+                <a16:creationId xmlns:a16="http://schemas.microsoft.com/office/drawing/2014/main" id="{7C7F1B3A-D66A-4460-BFA5-C0E0C4E1882D}"/>
+              </a:ext>
+            </a:extLst>
+          </p:cNvPr>
+          <p:cNvCxnSpPr>
+            <a:cxnSpLocks/>
+          </p:cNvCxnSpPr>
+          <p:nvPr/>
+        </p:nvCxnSpPr>
+        <p:spPr bwMode="auto">
+          <a:xfrm flipV="1">
+            <a:off x="4638534" y="3359220"/>
+            <a:ext cx="0" cy="880263"/>
+          </a:xfrm>
+          <a:prstGeom prst="straightConnector1">
+            <a:avLst/>
+          </a:prstGeom>
+          <a:ln>
+            <a:solidFill>
+              <a:srgbClr val="C00000"/>
+            </a:solidFill>
+            <a:headEnd type="none" w="med" len="med"/>
+            <a:tailEnd type="arrow"/>
+          </a:ln>
+        </p:spPr>
+        <p:style>
+          <a:lnRef idx="2">
+            <a:schemeClr val="accent2"/>
+          </a:lnRef>
+          <a:fillRef idx="0">
+            <a:schemeClr val="accent2"/>
+          </a:fillRef>
+          <a:effectRef idx="1">
+            <a:schemeClr val="accent2"/>
+          </a:effectRef>
+          <a:fontRef idx="minor">
+            <a:schemeClr val="tx1"/>
+          </a:fontRef>
+        </p:style>
+      </p:cxnSp>
+      <p:sp>
+        <p:nvSpPr>
+          <p:cNvPr id="31" name="Content Placeholder 2">
+            <a:extLst>
+              <a:ext uri="{FF2B5EF4-FFF2-40B4-BE49-F238E27FC236}">
+                <a16:creationId xmlns:a16="http://schemas.microsoft.com/office/drawing/2014/main" id="{BD8411C7-85DF-4657-9EDE-66BD53607D04}"/>
+              </a:ext>
+            </a:extLst>
+          </p:cNvPr>
+          <p:cNvSpPr txBox="1">
+            <a:spLocks/>
+          </p:cNvSpPr>
+          <p:nvPr/>
+        </p:nvSpPr>
+        <p:spPr bwMode="auto">
+          <a:xfrm>
+            <a:off x="3234335" y="3501663"/>
+            <a:ext cx="1371600" cy="432048"/>
+          </a:xfrm>
+          <a:prstGeom prst="rect">
+            <a:avLst/>
+          </a:prstGeom>
+          <a:noFill/>
+          <a:ln w="9525">
+            <a:noFill/>
+            <a:miter lim="800000"/>
+            <a:headEnd/>
+            <a:tailEnd/>
+          </a:ln>
+        </p:spPr>
+        <p:txBody>
+          <a:bodyPr lIns="0" tIns="0" rIns="0" bIns="0"/>
+          <a:lstStyle/>
+          <a:p>
+            <a:pPr indent="-363538" algn="ctr" eaLnBrk="0" hangingPunct="0">
+              <a:spcBef>
+                <a:spcPts val="0"/>
+              </a:spcBef>
+              <a:tabLst>
+                <a:tab pos="230188" algn="l"/>
+              </a:tabLst>
+              <a:defRPr/>
+            </a:pPr>
+            <a:r>
+              <a:rPr lang="en-CA" sz="1600" i="1" kern="0" dirty="0">
+                <a:solidFill>
+                  <a:srgbClr val="C00000"/>
+                </a:solidFill>
+                <a:latin typeface="+mn-lt"/>
+              </a:rPr>
+              <a:t>DICOM</a:t>
+            </a:r>
+          </a:p>
+          <a:p>
+            <a:pPr indent="-363538" algn="ctr" eaLnBrk="0" hangingPunct="0">
+              <a:spcBef>
+                <a:spcPts val="0"/>
+              </a:spcBef>
+              <a:tabLst>
+                <a:tab pos="230188" algn="l"/>
+              </a:tabLst>
+              <a:defRPr/>
+            </a:pPr>
+            <a:r>
+              <a:rPr lang="en-CA" sz="1600" i="1" kern="0" dirty="0">
+                <a:solidFill>
+                  <a:srgbClr val="C00000"/>
+                </a:solidFill>
+                <a:latin typeface="+mn-lt"/>
+              </a:rPr>
+              <a:t>loading</a:t>
+            </a:r>
+          </a:p>
+        </p:txBody>
+      </p:sp>
+      <p:cxnSp>
+        <p:nvCxnSpPr>
+          <p:cNvPr id="35" name="Straight Arrow Connector 34">
+            <a:extLst>
+              <a:ext uri="{FF2B5EF4-FFF2-40B4-BE49-F238E27FC236}">
+                <a16:creationId xmlns:a16="http://schemas.microsoft.com/office/drawing/2014/main" id="{9E7ADE1E-066B-4E18-B8C8-2E3427D1DFDE}"/>
+              </a:ext>
+            </a:extLst>
+          </p:cNvPr>
+          <p:cNvCxnSpPr>
+            <a:cxnSpLocks/>
+          </p:cNvCxnSpPr>
+          <p:nvPr/>
+        </p:nvCxnSpPr>
+        <p:spPr bwMode="auto">
+          <a:xfrm>
+            <a:off x="4333734" y="3372746"/>
+            <a:ext cx="1" cy="866737"/>
+          </a:xfrm>
+          <a:prstGeom prst="straightConnector1">
+            <a:avLst/>
+          </a:prstGeom>
+          <a:ln>
+            <a:solidFill>
+              <a:srgbClr val="C00000"/>
+            </a:solidFill>
+            <a:headEnd type="none" w="med" len="med"/>
+            <a:tailEnd type="arrow"/>
+          </a:ln>
+        </p:spPr>
+        <p:style>
+          <a:lnRef idx="2">
+            <a:schemeClr val="accent2"/>
+          </a:lnRef>
+          <a:fillRef idx="0">
+            <a:schemeClr val="accent2"/>
+          </a:fillRef>
+          <a:effectRef idx="1">
+            <a:schemeClr val="accent2"/>
+          </a:effectRef>
+          <a:fontRef idx="minor">
+            <a:schemeClr val="tx1"/>
+          </a:fontRef>
+        </p:style>
+      </p:cxnSp>
+      <p:sp>
+        <p:nvSpPr>
+          <p:cNvPr id="41" name="Content Placeholder 2">
+            <a:extLst>
+              <a:ext uri="{FF2B5EF4-FFF2-40B4-BE49-F238E27FC236}">
+                <a16:creationId xmlns:a16="http://schemas.microsoft.com/office/drawing/2014/main" id="{C558C2A6-D9AB-421A-8FB8-A9A1D13CB7F3}"/>
+              </a:ext>
+            </a:extLst>
+          </p:cNvPr>
+          <p:cNvSpPr txBox="1">
+            <a:spLocks/>
+          </p:cNvSpPr>
+          <p:nvPr/>
+        </p:nvSpPr>
+        <p:spPr bwMode="auto">
+          <a:xfrm>
+            <a:off x="3985483" y="5878763"/>
+            <a:ext cx="1371600" cy="432048"/>
+          </a:xfrm>
+          <a:prstGeom prst="rect">
+            <a:avLst/>
+          </a:prstGeom>
+          <a:noFill/>
+          <a:ln w="9525">
+            <a:noFill/>
+            <a:miter lim="800000"/>
+            <a:headEnd/>
+            <a:tailEnd/>
+          </a:ln>
+        </p:spPr>
+        <p:txBody>
+          <a:bodyPr lIns="0" tIns="0" rIns="0" bIns="0"/>
+          <a:lstStyle/>
+          <a:p>
+            <a:pPr indent="-363538" algn="ctr" eaLnBrk="0" hangingPunct="0">
+              <a:spcBef>
+                <a:spcPts val="0"/>
+              </a:spcBef>
+              <a:tabLst>
+                <a:tab pos="230188" algn="l"/>
+              </a:tabLst>
+              <a:defRPr/>
+            </a:pPr>
+            <a:r>
+              <a:rPr lang="en-CA" sz="1600" i="1" kern="0" dirty="0">
+                <a:solidFill>
+                  <a:srgbClr val="C00000"/>
+                </a:solidFill>
+                <a:latin typeface="+mn-lt"/>
+              </a:rPr>
+              <a:t>Slicer scene</a:t>
             </a:r>
           </a:p>
         </p:txBody>
@@ -7378,6 +8634,938 @@
   <p:clrMapOvr>
     <a:masterClrMapping/>
   </p:clrMapOvr>
+  <p:timing>
+    <p:tnLst>
+      <p:par>
+        <p:cTn id="1" dur="indefinite" restart="never" nodeType="tmRoot">
+          <p:childTnLst>
+            <p:seq concurrent="1" nextAc="seek">
+              <p:cTn id="2" dur="indefinite" nodeType="mainSeq">
+                <p:childTnLst>
+                  <p:par>
+                    <p:cTn id="3" fill="hold">
+                      <p:stCondLst>
+                        <p:cond delay="indefinite"/>
+                      </p:stCondLst>
+                      <p:childTnLst>
+                        <p:par>
+                          <p:cTn id="4" fill="hold">
+                            <p:stCondLst>
+                              <p:cond delay="0"/>
+                            </p:stCondLst>
+                            <p:childTnLst>
+                              <p:par>
+                                <p:cTn id="5" presetID="45" presetClass="entr" presetSubtype="0" fill="hold" grpId="0" nodeType="clickEffect">
+                                  <p:stCondLst>
+                                    <p:cond delay="0"/>
+                                  </p:stCondLst>
+                                  <p:childTnLst>
+                                    <p:set>
+                                      <p:cBhvr>
+                                        <p:cTn id="6" dur="1" fill="hold">
+                                          <p:stCondLst>
+                                            <p:cond delay="0"/>
+                                          </p:stCondLst>
+                                        </p:cTn>
+                                        <p:tgtEl>
+                                          <p:spTgt spid="14"/>
+                                        </p:tgtEl>
+                                        <p:attrNameLst>
+                                          <p:attrName>style.visibility</p:attrName>
+                                        </p:attrNameLst>
+                                      </p:cBhvr>
+                                      <p:to>
+                                        <p:strVal val="visible"/>
+                                      </p:to>
+                                    </p:set>
+                                    <p:animEffect transition="in" filter="fade">
+                                      <p:cBhvr>
+                                        <p:cTn id="7" dur="2000"/>
+                                        <p:tgtEl>
+                                          <p:spTgt spid="14"/>
+                                        </p:tgtEl>
+                                      </p:cBhvr>
+                                    </p:animEffect>
+                                    <p:anim calcmode="lin" valueType="num">
+                                      <p:cBhvr>
+                                        <p:cTn id="8" dur="2000" fill="hold"/>
+                                        <p:tgtEl>
+                                          <p:spTgt spid="14"/>
+                                        </p:tgtEl>
+                                        <p:attrNameLst>
+                                          <p:attrName>ppt_w</p:attrName>
+                                        </p:attrNameLst>
+                                      </p:cBhvr>
+                                      <p:tavLst>
+                                        <p:tav tm="0" fmla="#ppt_w*sin(2.5*pi*$)">
+                                          <p:val>
+                                            <p:fltVal val="0"/>
+                                          </p:val>
+                                        </p:tav>
+                                        <p:tav tm="100000">
+                                          <p:val>
+                                            <p:fltVal val="1"/>
+                                          </p:val>
+                                        </p:tav>
+                                      </p:tavLst>
+                                    </p:anim>
+                                    <p:anim calcmode="lin" valueType="num">
+                                      <p:cBhvr>
+                                        <p:cTn id="9" dur="2000" fill="hold"/>
+                                        <p:tgtEl>
+                                          <p:spTgt spid="14"/>
+                                        </p:tgtEl>
+                                        <p:attrNameLst>
+                                          <p:attrName>ppt_h</p:attrName>
+                                        </p:attrNameLst>
+                                      </p:cBhvr>
+                                      <p:tavLst>
+                                        <p:tav tm="0">
+                                          <p:val>
+                                            <p:strVal val="#ppt_h"/>
+                                          </p:val>
+                                        </p:tav>
+                                        <p:tav tm="100000">
+                                          <p:val>
+                                            <p:strVal val="#ppt_h"/>
+                                          </p:val>
+                                        </p:tav>
+                                      </p:tavLst>
+                                    </p:anim>
+                                  </p:childTnLst>
+                                </p:cTn>
+                              </p:par>
+                            </p:childTnLst>
+                          </p:cTn>
+                        </p:par>
+                      </p:childTnLst>
+                    </p:cTn>
+                  </p:par>
+                  <p:par>
+                    <p:cTn id="10" fill="hold">
+                      <p:stCondLst>
+                        <p:cond delay="indefinite"/>
+                      </p:stCondLst>
+                      <p:childTnLst>
+                        <p:par>
+                          <p:cTn id="11" fill="hold">
+                            <p:stCondLst>
+                              <p:cond delay="0"/>
+                            </p:stCondLst>
+                            <p:childTnLst>
+                              <p:par>
+                                <p:cTn id="12" presetID="45" presetClass="entr" presetSubtype="0" fill="hold" grpId="0" nodeType="clickEffect">
+                                  <p:stCondLst>
+                                    <p:cond delay="0"/>
+                                  </p:stCondLst>
+                                  <p:childTnLst>
+                                    <p:set>
+                                      <p:cBhvr>
+                                        <p:cTn id="13" dur="1" fill="hold">
+                                          <p:stCondLst>
+                                            <p:cond delay="0"/>
+                                          </p:stCondLst>
+                                        </p:cTn>
+                                        <p:tgtEl>
+                                          <p:spTgt spid="16"/>
+                                        </p:tgtEl>
+                                        <p:attrNameLst>
+                                          <p:attrName>style.visibility</p:attrName>
+                                        </p:attrNameLst>
+                                      </p:cBhvr>
+                                      <p:to>
+                                        <p:strVal val="visible"/>
+                                      </p:to>
+                                    </p:set>
+                                    <p:animEffect transition="in" filter="fade">
+                                      <p:cBhvr>
+                                        <p:cTn id="14" dur="2000"/>
+                                        <p:tgtEl>
+                                          <p:spTgt spid="16"/>
+                                        </p:tgtEl>
+                                      </p:cBhvr>
+                                    </p:animEffect>
+                                    <p:anim calcmode="lin" valueType="num">
+                                      <p:cBhvr>
+                                        <p:cTn id="15" dur="2000" fill="hold"/>
+                                        <p:tgtEl>
+                                          <p:spTgt spid="16"/>
+                                        </p:tgtEl>
+                                        <p:attrNameLst>
+                                          <p:attrName>ppt_w</p:attrName>
+                                        </p:attrNameLst>
+                                      </p:cBhvr>
+                                      <p:tavLst>
+                                        <p:tav tm="0" fmla="#ppt_w*sin(2.5*pi*$)">
+                                          <p:val>
+                                            <p:fltVal val="0"/>
+                                          </p:val>
+                                        </p:tav>
+                                        <p:tav tm="100000">
+                                          <p:val>
+                                            <p:fltVal val="1"/>
+                                          </p:val>
+                                        </p:tav>
+                                      </p:tavLst>
+                                    </p:anim>
+                                    <p:anim calcmode="lin" valueType="num">
+                                      <p:cBhvr>
+                                        <p:cTn id="16" dur="2000" fill="hold"/>
+                                        <p:tgtEl>
+                                          <p:spTgt spid="16"/>
+                                        </p:tgtEl>
+                                        <p:attrNameLst>
+                                          <p:attrName>ppt_h</p:attrName>
+                                        </p:attrNameLst>
+                                      </p:cBhvr>
+                                      <p:tavLst>
+                                        <p:tav tm="0">
+                                          <p:val>
+                                            <p:strVal val="#ppt_h"/>
+                                          </p:val>
+                                        </p:tav>
+                                        <p:tav tm="100000">
+                                          <p:val>
+                                            <p:strVal val="#ppt_h"/>
+                                          </p:val>
+                                        </p:tav>
+                                      </p:tavLst>
+                                    </p:anim>
+                                  </p:childTnLst>
+                                </p:cTn>
+                              </p:par>
+                            </p:childTnLst>
+                          </p:cTn>
+                        </p:par>
+                      </p:childTnLst>
+                    </p:cTn>
+                  </p:par>
+                  <p:par>
+                    <p:cTn id="17" fill="hold">
+                      <p:stCondLst>
+                        <p:cond delay="indefinite"/>
+                      </p:stCondLst>
+                      <p:childTnLst>
+                        <p:par>
+                          <p:cTn id="18" fill="hold">
+                            <p:stCondLst>
+                              <p:cond delay="0"/>
+                            </p:stCondLst>
+                            <p:childTnLst>
+                              <p:par>
+                                <p:cTn id="19" presetID="45" presetClass="entr" presetSubtype="0" fill="hold" grpId="0" nodeType="clickEffect">
+                                  <p:stCondLst>
+                                    <p:cond delay="0"/>
+                                  </p:stCondLst>
+                                  <p:childTnLst>
+                                    <p:set>
+                                      <p:cBhvr>
+                                        <p:cTn id="20" dur="1" fill="hold">
+                                          <p:stCondLst>
+                                            <p:cond delay="0"/>
+                                          </p:stCondLst>
+                                        </p:cTn>
+                                        <p:tgtEl>
+                                          <p:spTgt spid="17"/>
+                                        </p:tgtEl>
+                                        <p:attrNameLst>
+                                          <p:attrName>style.visibility</p:attrName>
+                                        </p:attrNameLst>
+                                      </p:cBhvr>
+                                      <p:to>
+                                        <p:strVal val="visible"/>
+                                      </p:to>
+                                    </p:set>
+                                    <p:animEffect transition="in" filter="fade">
+                                      <p:cBhvr>
+                                        <p:cTn id="21" dur="2000"/>
+                                        <p:tgtEl>
+                                          <p:spTgt spid="17"/>
+                                        </p:tgtEl>
+                                      </p:cBhvr>
+                                    </p:animEffect>
+                                    <p:anim calcmode="lin" valueType="num">
+                                      <p:cBhvr>
+                                        <p:cTn id="22" dur="2000" fill="hold"/>
+                                        <p:tgtEl>
+                                          <p:spTgt spid="17"/>
+                                        </p:tgtEl>
+                                        <p:attrNameLst>
+                                          <p:attrName>ppt_w</p:attrName>
+                                        </p:attrNameLst>
+                                      </p:cBhvr>
+                                      <p:tavLst>
+                                        <p:tav tm="0" fmla="#ppt_w*sin(2.5*pi*$)">
+                                          <p:val>
+                                            <p:fltVal val="0"/>
+                                          </p:val>
+                                        </p:tav>
+                                        <p:tav tm="100000">
+                                          <p:val>
+                                            <p:fltVal val="1"/>
+                                          </p:val>
+                                        </p:tav>
+                                      </p:tavLst>
+                                    </p:anim>
+                                    <p:anim calcmode="lin" valueType="num">
+                                      <p:cBhvr>
+                                        <p:cTn id="23" dur="2000" fill="hold"/>
+                                        <p:tgtEl>
+                                          <p:spTgt spid="17"/>
+                                        </p:tgtEl>
+                                        <p:attrNameLst>
+                                          <p:attrName>ppt_h</p:attrName>
+                                        </p:attrNameLst>
+                                      </p:cBhvr>
+                                      <p:tavLst>
+                                        <p:tav tm="0">
+                                          <p:val>
+                                            <p:strVal val="#ppt_h"/>
+                                          </p:val>
+                                        </p:tav>
+                                        <p:tav tm="100000">
+                                          <p:val>
+                                            <p:strVal val="#ppt_h"/>
+                                          </p:val>
+                                        </p:tav>
+                                      </p:tavLst>
+                                    </p:anim>
+                                  </p:childTnLst>
+                                </p:cTn>
+                              </p:par>
+                            </p:childTnLst>
+                          </p:cTn>
+                        </p:par>
+                      </p:childTnLst>
+                    </p:cTn>
+                  </p:par>
+                  <p:par>
+                    <p:cTn id="24" fill="hold">
+                      <p:stCondLst>
+                        <p:cond delay="indefinite"/>
+                      </p:stCondLst>
+                      <p:childTnLst>
+                        <p:par>
+                          <p:cTn id="25" fill="hold">
+                            <p:stCondLst>
+                              <p:cond delay="0"/>
+                            </p:stCondLst>
+                            <p:childTnLst>
+                              <p:par>
+                                <p:cTn id="26" presetID="45" presetClass="entr" presetSubtype="0" fill="hold" grpId="0" nodeType="clickEffect">
+                                  <p:stCondLst>
+                                    <p:cond delay="0"/>
+                                  </p:stCondLst>
+                                  <p:childTnLst>
+                                    <p:set>
+                                      <p:cBhvr>
+                                        <p:cTn id="27" dur="1" fill="hold">
+                                          <p:stCondLst>
+                                            <p:cond delay="0"/>
+                                          </p:stCondLst>
+                                        </p:cTn>
+                                        <p:tgtEl>
+                                          <p:spTgt spid="22"/>
+                                        </p:tgtEl>
+                                        <p:attrNameLst>
+                                          <p:attrName>style.visibility</p:attrName>
+                                        </p:attrNameLst>
+                                      </p:cBhvr>
+                                      <p:to>
+                                        <p:strVal val="visible"/>
+                                      </p:to>
+                                    </p:set>
+                                    <p:animEffect transition="in" filter="fade">
+                                      <p:cBhvr>
+                                        <p:cTn id="28" dur="2000"/>
+                                        <p:tgtEl>
+                                          <p:spTgt spid="22"/>
+                                        </p:tgtEl>
+                                      </p:cBhvr>
+                                    </p:animEffect>
+                                    <p:anim calcmode="lin" valueType="num">
+                                      <p:cBhvr>
+                                        <p:cTn id="29" dur="2000" fill="hold"/>
+                                        <p:tgtEl>
+                                          <p:spTgt spid="22"/>
+                                        </p:tgtEl>
+                                        <p:attrNameLst>
+                                          <p:attrName>ppt_w</p:attrName>
+                                        </p:attrNameLst>
+                                      </p:cBhvr>
+                                      <p:tavLst>
+                                        <p:tav tm="0" fmla="#ppt_w*sin(2.5*pi*$)">
+                                          <p:val>
+                                            <p:fltVal val="0"/>
+                                          </p:val>
+                                        </p:tav>
+                                        <p:tav tm="100000">
+                                          <p:val>
+                                            <p:fltVal val="1"/>
+                                          </p:val>
+                                        </p:tav>
+                                      </p:tavLst>
+                                    </p:anim>
+                                    <p:anim calcmode="lin" valueType="num">
+                                      <p:cBhvr>
+                                        <p:cTn id="30" dur="2000" fill="hold"/>
+                                        <p:tgtEl>
+                                          <p:spTgt spid="22"/>
+                                        </p:tgtEl>
+                                        <p:attrNameLst>
+                                          <p:attrName>ppt_h</p:attrName>
+                                        </p:attrNameLst>
+                                      </p:cBhvr>
+                                      <p:tavLst>
+                                        <p:tav tm="0">
+                                          <p:val>
+                                            <p:strVal val="#ppt_h"/>
+                                          </p:val>
+                                        </p:tav>
+                                        <p:tav tm="100000">
+                                          <p:val>
+                                            <p:strVal val="#ppt_h"/>
+                                          </p:val>
+                                        </p:tav>
+                                      </p:tavLst>
+                                    </p:anim>
+                                  </p:childTnLst>
+                                </p:cTn>
+                              </p:par>
+                            </p:childTnLst>
+                          </p:cTn>
+                        </p:par>
+                      </p:childTnLst>
+                    </p:cTn>
+                  </p:par>
+                  <p:par>
+                    <p:cTn id="31" fill="hold">
+                      <p:stCondLst>
+                        <p:cond delay="indefinite"/>
+                      </p:stCondLst>
+                      <p:childTnLst>
+                        <p:par>
+                          <p:cTn id="32" fill="hold">
+                            <p:stCondLst>
+                              <p:cond delay="0"/>
+                            </p:stCondLst>
+                            <p:childTnLst>
+                              <p:par>
+                                <p:cTn id="33" presetID="45" presetClass="entr" presetSubtype="0" fill="hold" grpId="0" nodeType="clickEffect">
+                                  <p:stCondLst>
+                                    <p:cond delay="0"/>
+                                  </p:stCondLst>
+                                  <p:childTnLst>
+                                    <p:set>
+                                      <p:cBhvr>
+                                        <p:cTn id="34" dur="1" fill="hold">
+                                          <p:stCondLst>
+                                            <p:cond delay="0"/>
+                                          </p:stCondLst>
+                                        </p:cTn>
+                                        <p:tgtEl>
+                                          <p:spTgt spid="25"/>
+                                        </p:tgtEl>
+                                        <p:attrNameLst>
+                                          <p:attrName>style.visibility</p:attrName>
+                                        </p:attrNameLst>
+                                      </p:cBhvr>
+                                      <p:to>
+                                        <p:strVal val="visible"/>
+                                      </p:to>
+                                    </p:set>
+                                    <p:animEffect transition="in" filter="fade">
+                                      <p:cBhvr>
+                                        <p:cTn id="35" dur="2000"/>
+                                        <p:tgtEl>
+                                          <p:spTgt spid="25"/>
+                                        </p:tgtEl>
+                                      </p:cBhvr>
+                                    </p:animEffect>
+                                    <p:anim calcmode="lin" valueType="num">
+                                      <p:cBhvr>
+                                        <p:cTn id="36" dur="2000" fill="hold"/>
+                                        <p:tgtEl>
+                                          <p:spTgt spid="25"/>
+                                        </p:tgtEl>
+                                        <p:attrNameLst>
+                                          <p:attrName>ppt_w</p:attrName>
+                                        </p:attrNameLst>
+                                      </p:cBhvr>
+                                      <p:tavLst>
+                                        <p:tav tm="0" fmla="#ppt_w*sin(2.5*pi*$)">
+                                          <p:val>
+                                            <p:fltVal val="0"/>
+                                          </p:val>
+                                        </p:tav>
+                                        <p:tav tm="100000">
+                                          <p:val>
+                                            <p:fltVal val="1"/>
+                                          </p:val>
+                                        </p:tav>
+                                      </p:tavLst>
+                                    </p:anim>
+                                    <p:anim calcmode="lin" valueType="num">
+                                      <p:cBhvr>
+                                        <p:cTn id="37" dur="2000" fill="hold"/>
+                                        <p:tgtEl>
+                                          <p:spTgt spid="25"/>
+                                        </p:tgtEl>
+                                        <p:attrNameLst>
+                                          <p:attrName>ppt_h</p:attrName>
+                                        </p:attrNameLst>
+                                      </p:cBhvr>
+                                      <p:tavLst>
+                                        <p:tav tm="0">
+                                          <p:val>
+                                            <p:strVal val="#ppt_h"/>
+                                          </p:val>
+                                        </p:tav>
+                                        <p:tav tm="100000">
+                                          <p:val>
+                                            <p:strVal val="#ppt_h"/>
+                                          </p:val>
+                                        </p:tav>
+                                      </p:tavLst>
+                                    </p:anim>
+                                  </p:childTnLst>
+                                </p:cTn>
+                              </p:par>
+                            </p:childTnLst>
+                          </p:cTn>
+                        </p:par>
+                      </p:childTnLst>
+                    </p:cTn>
+                  </p:par>
+                  <p:par>
+                    <p:cTn id="38" fill="hold">
+                      <p:stCondLst>
+                        <p:cond delay="indefinite"/>
+                      </p:stCondLst>
+                      <p:childTnLst>
+                        <p:par>
+                          <p:cTn id="39" fill="hold">
+                            <p:stCondLst>
+                              <p:cond delay="0"/>
+                            </p:stCondLst>
+                            <p:childTnLst>
+                              <p:par>
+                                <p:cTn id="40" presetID="45" presetClass="entr" presetSubtype="0" fill="hold" grpId="0" nodeType="clickEffect">
+                                  <p:stCondLst>
+                                    <p:cond delay="0"/>
+                                  </p:stCondLst>
+                                  <p:childTnLst>
+                                    <p:set>
+                                      <p:cBhvr>
+                                        <p:cTn id="41" dur="1" fill="hold">
+                                          <p:stCondLst>
+                                            <p:cond delay="0"/>
+                                          </p:stCondLst>
+                                        </p:cTn>
+                                        <p:tgtEl>
+                                          <p:spTgt spid="27"/>
+                                        </p:tgtEl>
+                                        <p:attrNameLst>
+                                          <p:attrName>style.visibility</p:attrName>
+                                        </p:attrNameLst>
+                                      </p:cBhvr>
+                                      <p:to>
+                                        <p:strVal val="visible"/>
+                                      </p:to>
+                                    </p:set>
+                                    <p:animEffect transition="in" filter="fade">
+                                      <p:cBhvr>
+                                        <p:cTn id="42" dur="2000"/>
+                                        <p:tgtEl>
+                                          <p:spTgt spid="27"/>
+                                        </p:tgtEl>
+                                      </p:cBhvr>
+                                    </p:animEffect>
+                                    <p:anim calcmode="lin" valueType="num">
+                                      <p:cBhvr>
+                                        <p:cTn id="43" dur="2000" fill="hold"/>
+                                        <p:tgtEl>
+                                          <p:spTgt spid="27"/>
+                                        </p:tgtEl>
+                                        <p:attrNameLst>
+                                          <p:attrName>ppt_w</p:attrName>
+                                        </p:attrNameLst>
+                                      </p:cBhvr>
+                                      <p:tavLst>
+                                        <p:tav tm="0" fmla="#ppt_w*sin(2.5*pi*$)">
+                                          <p:val>
+                                            <p:fltVal val="0"/>
+                                          </p:val>
+                                        </p:tav>
+                                        <p:tav tm="100000">
+                                          <p:val>
+                                            <p:fltVal val="1"/>
+                                          </p:val>
+                                        </p:tav>
+                                      </p:tavLst>
+                                    </p:anim>
+                                    <p:anim calcmode="lin" valueType="num">
+                                      <p:cBhvr>
+                                        <p:cTn id="44" dur="2000" fill="hold"/>
+                                        <p:tgtEl>
+                                          <p:spTgt spid="27"/>
+                                        </p:tgtEl>
+                                        <p:attrNameLst>
+                                          <p:attrName>ppt_h</p:attrName>
+                                        </p:attrNameLst>
+                                      </p:cBhvr>
+                                      <p:tavLst>
+                                        <p:tav tm="0">
+                                          <p:val>
+                                            <p:strVal val="#ppt_h"/>
+                                          </p:val>
+                                        </p:tav>
+                                        <p:tav tm="100000">
+                                          <p:val>
+                                            <p:strVal val="#ppt_h"/>
+                                          </p:val>
+                                        </p:tav>
+                                      </p:tavLst>
+                                    </p:anim>
+                                  </p:childTnLst>
+                                </p:cTn>
+                              </p:par>
+                            </p:childTnLst>
+                          </p:cTn>
+                        </p:par>
+                      </p:childTnLst>
+                    </p:cTn>
+                  </p:par>
+                  <p:par>
+                    <p:cTn id="45" fill="hold">
+                      <p:stCondLst>
+                        <p:cond delay="indefinite"/>
+                      </p:stCondLst>
+                      <p:childTnLst>
+                        <p:par>
+                          <p:cTn id="46" fill="hold">
+                            <p:stCondLst>
+                              <p:cond delay="0"/>
+                            </p:stCondLst>
+                            <p:childTnLst>
+                              <p:par>
+                                <p:cTn id="47" presetID="45" presetClass="entr" presetSubtype="0" fill="hold" grpId="0" nodeType="clickEffect">
+                                  <p:stCondLst>
+                                    <p:cond delay="0"/>
+                                  </p:stCondLst>
+                                  <p:childTnLst>
+                                    <p:set>
+                                      <p:cBhvr>
+                                        <p:cTn id="48" dur="1" fill="hold">
+                                          <p:stCondLst>
+                                            <p:cond delay="0"/>
+                                          </p:stCondLst>
+                                        </p:cTn>
+                                        <p:tgtEl>
+                                          <p:spTgt spid="29"/>
+                                        </p:tgtEl>
+                                        <p:attrNameLst>
+                                          <p:attrName>style.visibility</p:attrName>
+                                        </p:attrNameLst>
+                                      </p:cBhvr>
+                                      <p:to>
+                                        <p:strVal val="visible"/>
+                                      </p:to>
+                                    </p:set>
+                                    <p:animEffect transition="in" filter="fade">
+                                      <p:cBhvr>
+                                        <p:cTn id="49" dur="2000"/>
+                                        <p:tgtEl>
+                                          <p:spTgt spid="29"/>
+                                        </p:tgtEl>
+                                      </p:cBhvr>
+                                    </p:animEffect>
+                                    <p:anim calcmode="lin" valueType="num">
+                                      <p:cBhvr>
+                                        <p:cTn id="50" dur="2000" fill="hold"/>
+                                        <p:tgtEl>
+                                          <p:spTgt spid="29"/>
+                                        </p:tgtEl>
+                                        <p:attrNameLst>
+                                          <p:attrName>ppt_w</p:attrName>
+                                        </p:attrNameLst>
+                                      </p:cBhvr>
+                                      <p:tavLst>
+                                        <p:tav tm="0" fmla="#ppt_w*sin(2.5*pi*$)">
+                                          <p:val>
+                                            <p:fltVal val="0"/>
+                                          </p:val>
+                                        </p:tav>
+                                        <p:tav tm="100000">
+                                          <p:val>
+                                            <p:fltVal val="1"/>
+                                          </p:val>
+                                        </p:tav>
+                                      </p:tavLst>
+                                    </p:anim>
+                                    <p:anim calcmode="lin" valueType="num">
+                                      <p:cBhvr>
+                                        <p:cTn id="51" dur="2000" fill="hold"/>
+                                        <p:tgtEl>
+                                          <p:spTgt spid="29"/>
+                                        </p:tgtEl>
+                                        <p:attrNameLst>
+                                          <p:attrName>ppt_h</p:attrName>
+                                        </p:attrNameLst>
+                                      </p:cBhvr>
+                                      <p:tavLst>
+                                        <p:tav tm="0">
+                                          <p:val>
+                                            <p:strVal val="#ppt_h"/>
+                                          </p:val>
+                                        </p:tav>
+                                        <p:tav tm="100000">
+                                          <p:val>
+                                            <p:strVal val="#ppt_h"/>
+                                          </p:val>
+                                        </p:tav>
+                                      </p:tavLst>
+                                    </p:anim>
+                                  </p:childTnLst>
+                                </p:cTn>
+                              </p:par>
+                            </p:childTnLst>
+                          </p:cTn>
+                        </p:par>
+                      </p:childTnLst>
+                    </p:cTn>
+                  </p:par>
+                  <p:par>
+                    <p:cTn id="52" fill="hold">
+                      <p:stCondLst>
+                        <p:cond delay="indefinite"/>
+                      </p:stCondLst>
+                      <p:childTnLst>
+                        <p:par>
+                          <p:cTn id="53" fill="hold">
+                            <p:stCondLst>
+                              <p:cond delay="0"/>
+                            </p:stCondLst>
+                            <p:childTnLst>
+                              <p:par>
+                                <p:cTn id="54" presetID="45" presetClass="entr" presetSubtype="0" fill="hold" grpId="0" nodeType="clickEffect">
+                                  <p:stCondLst>
+                                    <p:cond delay="0"/>
+                                  </p:stCondLst>
+                                  <p:childTnLst>
+                                    <p:set>
+                                      <p:cBhvr>
+                                        <p:cTn id="55" dur="1" fill="hold">
+                                          <p:stCondLst>
+                                            <p:cond delay="0"/>
+                                          </p:stCondLst>
+                                        </p:cTn>
+                                        <p:tgtEl>
+                                          <p:spTgt spid="31"/>
+                                        </p:tgtEl>
+                                        <p:attrNameLst>
+                                          <p:attrName>style.visibility</p:attrName>
+                                        </p:attrNameLst>
+                                      </p:cBhvr>
+                                      <p:to>
+                                        <p:strVal val="visible"/>
+                                      </p:to>
+                                    </p:set>
+                                    <p:animEffect transition="in" filter="fade">
+                                      <p:cBhvr>
+                                        <p:cTn id="56" dur="2000"/>
+                                        <p:tgtEl>
+                                          <p:spTgt spid="31"/>
+                                        </p:tgtEl>
+                                      </p:cBhvr>
+                                    </p:animEffect>
+                                    <p:anim calcmode="lin" valueType="num">
+                                      <p:cBhvr>
+                                        <p:cTn id="57" dur="2000" fill="hold"/>
+                                        <p:tgtEl>
+                                          <p:spTgt spid="31"/>
+                                        </p:tgtEl>
+                                        <p:attrNameLst>
+                                          <p:attrName>ppt_w</p:attrName>
+                                        </p:attrNameLst>
+                                      </p:cBhvr>
+                                      <p:tavLst>
+                                        <p:tav tm="0" fmla="#ppt_w*sin(2.5*pi*$)">
+                                          <p:val>
+                                            <p:fltVal val="0"/>
+                                          </p:val>
+                                        </p:tav>
+                                        <p:tav tm="100000">
+                                          <p:val>
+                                            <p:fltVal val="1"/>
+                                          </p:val>
+                                        </p:tav>
+                                      </p:tavLst>
+                                    </p:anim>
+                                    <p:anim calcmode="lin" valueType="num">
+                                      <p:cBhvr>
+                                        <p:cTn id="58" dur="2000" fill="hold"/>
+                                        <p:tgtEl>
+                                          <p:spTgt spid="31"/>
+                                        </p:tgtEl>
+                                        <p:attrNameLst>
+                                          <p:attrName>ppt_h</p:attrName>
+                                        </p:attrNameLst>
+                                      </p:cBhvr>
+                                      <p:tavLst>
+                                        <p:tav tm="0">
+                                          <p:val>
+                                            <p:strVal val="#ppt_h"/>
+                                          </p:val>
+                                        </p:tav>
+                                        <p:tav tm="100000">
+                                          <p:val>
+                                            <p:strVal val="#ppt_h"/>
+                                          </p:val>
+                                        </p:tav>
+                                      </p:tavLst>
+                                    </p:anim>
+                                  </p:childTnLst>
+                                </p:cTn>
+                              </p:par>
+                            </p:childTnLst>
+                          </p:cTn>
+                        </p:par>
+                      </p:childTnLst>
+                    </p:cTn>
+                  </p:par>
+                  <p:par>
+                    <p:cTn id="59" fill="hold">
+                      <p:stCondLst>
+                        <p:cond delay="indefinite"/>
+                      </p:stCondLst>
+                      <p:childTnLst>
+                        <p:par>
+                          <p:cTn id="60" fill="hold">
+                            <p:stCondLst>
+                              <p:cond delay="0"/>
+                            </p:stCondLst>
+                            <p:childTnLst>
+                              <p:par>
+                                <p:cTn id="61" presetID="45" presetClass="entr" presetSubtype="0" fill="hold" grpId="0" nodeType="clickEffect">
+                                  <p:stCondLst>
+                                    <p:cond delay="0"/>
+                                  </p:stCondLst>
+                                  <p:childTnLst>
+                                    <p:set>
+                                      <p:cBhvr>
+                                        <p:cTn id="62" dur="1" fill="hold">
+                                          <p:stCondLst>
+                                            <p:cond delay="0"/>
+                                          </p:stCondLst>
+                                        </p:cTn>
+                                        <p:tgtEl>
+                                          <p:spTgt spid="41"/>
+                                        </p:tgtEl>
+                                        <p:attrNameLst>
+                                          <p:attrName>style.visibility</p:attrName>
+                                        </p:attrNameLst>
+                                      </p:cBhvr>
+                                      <p:to>
+                                        <p:strVal val="visible"/>
+                                      </p:to>
+                                    </p:set>
+                                    <p:animEffect transition="in" filter="fade">
+                                      <p:cBhvr>
+                                        <p:cTn id="63" dur="2000"/>
+                                        <p:tgtEl>
+                                          <p:spTgt spid="41"/>
+                                        </p:tgtEl>
+                                      </p:cBhvr>
+                                    </p:animEffect>
+                                    <p:anim calcmode="lin" valueType="num">
+                                      <p:cBhvr>
+                                        <p:cTn id="64" dur="2000" fill="hold"/>
+                                        <p:tgtEl>
+                                          <p:spTgt spid="41"/>
+                                        </p:tgtEl>
+                                        <p:attrNameLst>
+                                          <p:attrName>ppt_w</p:attrName>
+                                        </p:attrNameLst>
+                                      </p:cBhvr>
+                                      <p:tavLst>
+                                        <p:tav tm="0" fmla="#ppt_w*sin(2.5*pi*$)">
+                                          <p:val>
+                                            <p:fltVal val="0"/>
+                                          </p:val>
+                                        </p:tav>
+                                        <p:tav tm="100000">
+                                          <p:val>
+                                            <p:fltVal val="1"/>
+                                          </p:val>
+                                        </p:tav>
+                                      </p:tavLst>
+                                    </p:anim>
+                                    <p:anim calcmode="lin" valueType="num">
+                                      <p:cBhvr>
+                                        <p:cTn id="65" dur="2000" fill="hold"/>
+                                        <p:tgtEl>
+                                          <p:spTgt spid="41"/>
+                                        </p:tgtEl>
+                                        <p:attrNameLst>
+                                          <p:attrName>ppt_h</p:attrName>
+                                        </p:attrNameLst>
+                                      </p:cBhvr>
+                                      <p:tavLst>
+                                        <p:tav tm="0">
+                                          <p:val>
+                                            <p:strVal val="#ppt_h"/>
+                                          </p:val>
+                                        </p:tav>
+                                        <p:tav tm="100000">
+                                          <p:val>
+                                            <p:strVal val="#ppt_h"/>
+                                          </p:val>
+                                        </p:tav>
+                                      </p:tavLst>
+                                    </p:anim>
+                                  </p:childTnLst>
+                                </p:cTn>
+                              </p:par>
+                            </p:childTnLst>
+                          </p:cTn>
+                        </p:par>
+                      </p:childTnLst>
+                    </p:cTn>
+                  </p:par>
+                </p:childTnLst>
+              </p:cTn>
+              <p:prevCondLst>
+                <p:cond evt="onPrev" delay="0">
+                  <p:tgtEl>
+                    <p:sldTgt/>
+                  </p:tgtEl>
+                </p:cond>
+              </p:prevCondLst>
+              <p:nextCondLst>
+                <p:cond evt="onNext" delay="0">
+                  <p:tgtEl>
+                    <p:sldTgt/>
+                  </p:tgtEl>
+                </p:cond>
+              </p:nextCondLst>
+            </p:seq>
+          </p:childTnLst>
+        </p:cTn>
+      </p:par>
+    </p:tnLst>
+    <p:bldLst>
+      <p:bldP spid="14" grpId="0"/>
+      <p:bldP spid="16" grpId="0"/>
+      <p:bldP spid="17" grpId="0"/>
+      <p:bldP spid="22" grpId="0"/>
+      <p:bldP spid="25" grpId="0"/>
+      <p:bldP spid="27" grpId="0"/>
+      <p:bldP spid="29" grpId="0"/>
+      <p:bldP spid="31" grpId="0"/>
+      <p:bldP spid="41" grpId="0"/>
+    </p:bldLst>
+  </p:timing>
 </p:sld>
 </file>
 
@@ -7419,7 +9607,10 @@
           <a:bodyPr/>
           <a:lstStyle/>
           <a:p>
-            <a:endParaRPr lang="en-US"/>
+            <a:r>
+              <a:rPr lang="en-US" dirty="0"/>
+              <a:t>Export image to DICOM files 1</a:t>
+            </a:r>
           </a:p>
         </p:txBody>
       </p:sp>
@@ -7491,13 +9682,112 @@
               <a:defRPr/>
             </a:pPr>
             <a:r>
-              <a:rPr lang="en-US"/>
-              <a:t>Laboratory for Percutaneous Surgery – Copyright © Queen’s University, 2018</a:t>
-            </a:r>
-            <a:endParaRPr lang="en-US" dirty="0"/>
-          </a:p>
-        </p:txBody>
-      </p:sp>
+              <a:rPr lang="en-US" dirty="0"/>
+              <a:t>Laboratory for Percutaneous Surgery – Copyright © Queen’s University, 2019</a:t>
+            </a:r>
+          </a:p>
+        </p:txBody>
+      </p:sp>
+      <p:pic>
+        <p:nvPicPr>
+          <p:cNvPr id="5" name="Picture 4">
+            <a:extLst>
+              <a:ext uri="{FF2B5EF4-FFF2-40B4-BE49-F238E27FC236}">
+                <a16:creationId xmlns:a16="http://schemas.microsoft.com/office/drawing/2014/main" id="{C0B49E9C-D6EA-42FD-88CA-D6CAEE21D284}"/>
+              </a:ext>
+            </a:extLst>
+          </p:cNvPr>
+          <p:cNvPicPr>
+            <a:picLocks noChangeAspect="1"/>
+          </p:cNvPicPr>
+          <p:nvPr/>
+        </p:nvPicPr>
+        <p:blipFill>
+          <a:blip r:embed="rId2"/>
+          <a:stretch>
+            <a:fillRect/>
+          </a:stretch>
+        </p:blipFill>
+        <p:spPr>
+          <a:xfrm>
+            <a:off x="2079038" y="1477222"/>
+            <a:ext cx="5083762" cy="4544905"/>
+          </a:xfrm>
+          <a:prstGeom prst="rect">
+            <a:avLst/>
+          </a:prstGeom>
+        </p:spPr>
+      </p:pic>
+      <p:pic>
+        <p:nvPicPr>
+          <p:cNvPr id="6" name="Picture 5">
+            <a:extLst>
+              <a:ext uri="{FF2B5EF4-FFF2-40B4-BE49-F238E27FC236}">
+                <a16:creationId xmlns:a16="http://schemas.microsoft.com/office/drawing/2014/main" id="{E5D64443-4CBE-4709-9D78-78036213AA76}"/>
+              </a:ext>
+            </a:extLst>
+          </p:cNvPr>
+          <p:cNvPicPr>
+            <a:picLocks noChangeAspect="1" noChangeArrowheads="1"/>
+          </p:cNvPicPr>
+          <p:nvPr/>
+        </p:nvPicPr>
+        <p:blipFill>
+          <a:blip r:embed="rId3">
+            <a:extLst>
+              <a:ext uri="{28A0092B-C50C-407E-A947-70E740481C1C}">
+                <a14:useLocalDpi xmlns:a14="http://schemas.microsoft.com/office/drawing/2010/main" val="0"/>
+              </a:ext>
+            </a:extLst>
+          </a:blip>
+          <a:srcRect/>
+          <a:stretch>
+            <a:fillRect/>
+          </a:stretch>
+        </p:blipFill>
+        <p:spPr bwMode="auto">
+          <a:xfrm>
+            <a:off x="3200400" y="3749674"/>
+            <a:ext cx="314325" cy="476251"/>
+          </a:xfrm>
+          <a:prstGeom prst="rect">
+            <a:avLst/>
+          </a:prstGeom>
+          <a:noFill/>
+          <a:ln>
+            <a:noFill/>
+          </a:ln>
+          <a:effectLst/>
+          <a:extLst>
+            <a:ext uri="{909E8E84-426E-40dd-AFC4-6F175D3DCCD1}">
+              <a14:hiddenFill xmlns:a14="http://schemas.microsoft.com/office/drawing/2010/main" xmlns="">
+                <a:solidFill>
+                  <a:srgbClr val="00B8FF"/>
+                </a:solidFill>
+              </a14:hiddenFill>
+            </a:ext>
+            <a:ext uri="{91240B29-F687-4f45-9708-019B960494DF}">
+              <a14:hiddenLine xmlns:a14="http://schemas.microsoft.com/office/drawing/2010/main" xmlns="" w="9525">
+                <a:solidFill>
+                  <a:schemeClr val="tx1"/>
+                </a:solidFill>
+                <a:miter lim="800000"/>
+                <a:headEnd/>
+                <a:tailEnd/>
+              </a14:hiddenLine>
+            </a:ext>
+            <a:ext uri="{AF507438-7753-43e0-B8FC-AC1667EBCBE1}">
+              <a14:hiddenEffects xmlns:a14="http://schemas.microsoft.com/office/drawing/2010/main" xmlns="">
+                <a:effectLst>
+                  <a:outerShdw dist="35921" dir="2700000" algn="ctr" rotWithShape="0">
+                    <a:schemeClr val="bg2"/>
+                  </a:outerShdw>
+                </a:effectLst>
+              </a14:hiddenEffects>
+            </a:ext>
+          </a:extLst>
+        </p:spPr>
+      </p:pic>
     </p:spTree>
     <p:extLst>
       <p:ext uri="{BB962C8B-B14F-4D97-AF65-F5344CB8AC3E}">
@@ -7528,12 +9818,70 @@
           <a:chExt cx="0" cy="0"/>
         </a:xfrm>
       </p:grpSpPr>
+      <p:pic>
+        <p:nvPicPr>
+          <p:cNvPr id="7" name="Picture 6">
+            <a:extLst>
+              <a:ext uri="{FF2B5EF4-FFF2-40B4-BE49-F238E27FC236}">
+                <a16:creationId xmlns:a16="http://schemas.microsoft.com/office/drawing/2014/main" id="{6BA397E8-BD68-49B4-ADA9-F5CFA0962FFB}"/>
+              </a:ext>
+            </a:extLst>
+          </p:cNvPr>
+          <p:cNvPicPr>
+            <a:picLocks noChangeAspect="1"/>
+          </p:cNvPicPr>
+          <p:nvPr/>
+        </p:nvPicPr>
+        <p:blipFill>
+          <a:blip r:embed="rId2"/>
+          <a:stretch>
+            <a:fillRect/>
+          </a:stretch>
+        </p:blipFill>
+        <p:spPr>
+          <a:xfrm>
+            <a:off x="1172889" y="990600"/>
+            <a:ext cx="6798222" cy="5209228"/>
+          </a:xfrm>
+          <a:prstGeom prst="rect">
+            <a:avLst/>
+          </a:prstGeom>
+        </p:spPr>
+      </p:pic>
+      <p:sp>
+        <p:nvSpPr>
+          <p:cNvPr id="2" name="Title 1">
+            <a:extLst>
+              <a:ext uri="{FF2B5EF4-FFF2-40B4-BE49-F238E27FC236}">
+                <a16:creationId xmlns:a16="http://schemas.microsoft.com/office/drawing/2014/main" id="{C7FC945D-179A-4284-9CE0-8B31EE44D886}"/>
+              </a:ext>
+            </a:extLst>
+          </p:cNvPr>
+          <p:cNvSpPr>
+            <a:spLocks noGrp="1"/>
+          </p:cNvSpPr>
+          <p:nvPr>
+            <p:ph type="title"/>
+          </p:nvPr>
+        </p:nvSpPr>
+        <p:spPr/>
+        <p:txBody>
+          <a:bodyPr/>
+          <a:lstStyle/>
+          <a:p>
+            <a:r>
+              <a:rPr lang="en-US" dirty="0"/>
+              <a:t>Export image to DICOM files 2</a:t>
+            </a:r>
+          </a:p>
+        </p:txBody>
+      </p:sp>
       <p:sp>
         <p:nvSpPr>
           <p:cNvPr id="3" name="Slide Number Placeholder 2">
             <a:extLst>
               <a:ext uri="{FF2B5EF4-FFF2-40B4-BE49-F238E27FC236}">
-                <a16:creationId xmlns:a16="http://schemas.microsoft.com/office/drawing/2014/main" id="{9E92461D-8175-46FA-AB0E-94A09C774DCF}"/>
+                <a16:creationId xmlns:a16="http://schemas.microsoft.com/office/drawing/2014/main" id="{890AD84C-31FF-46D3-B016-EA79201E234F}"/>
               </a:ext>
             </a:extLst>
           </p:cNvPr>
@@ -7576,7 +9924,7 @@
           <p:cNvPr id="4" name="Footer Placeholder 3">
             <a:extLst>
               <a:ext uri="{FF2B5EF4-FFF2-40B4-BE49-F238E27FC236}">
-                <a16:creationId xmlns:a16="http://schemas.microsoft.com/office/drawing/2014/main" id="{F5560FE1-BF6E-4083-B7DB-06465193E6BC}"/>
+                <a16:creationId xmlns:a16="http://schemas.microsoft.com/office/drawing/2014/main" id="{FFE4EE31-BECF-49CF-8DE2-8C13B614F000}"/>
               </a:ext>
             </a:extLst>
           </p:cNvPr>
@@ -7596,91 +9944,16 @@
               <a:defRPr/>
             </a:pPr>
             <a:r>
-              <a:rPr lang="en-US"/>
-              <a:t>Laboratory for Percutaneous Surgery – Copyright © Queen’s University, 2018</a:t>
-            </a:r>
-            <a:endParaRPr lang="en-US" dirty="0"/>
-          </a:p>
-        </p:txBody>
-      </p:sp>
-      <p:sp>
-        <p:nvSpPr>
-          <p:cNvPr id="5" name="Title 1">
-            <a:extLst>
-              <a:ext uri="{FF2B5EF4-FFF2-40B4-BE49-F238E27FC236}">
-                <a16:creationId xmlns:a16="http://schemas.microsoft.com/office/drawing/2014/main" id="{FB787081-F0F7-4C97-9D6F-E6023BBEE10C}"/>
-              </a:ext>
-            </a:extLst>
-          </p:cNvPr>
-          <p:cNvSpPr>
-            <a:spLocks noGrp="1"/>
-          </p:cNvSpPr>
-          <p:nvPr>
-            <p:ph type="title"/>
-          </p:nvPr>
-        </p:nvSpPr>
-        <p:spPr>
-          <a:xfrm>
-            <a:off x="45720" y="76200"/>
-            <a:ext cx="9052560" cy="1561368"/>
-          </a:xfrm>
-        </p:spPr>
-        <p:txBody>
-          <a:bodyPr/>
-          <a:lstStyle/>
-          <a:p>
-            <a:pPr>
-              <a:spcAft>
-                <a:spcPts val="1800"/>
-              </a:spcAft>
-            </a:pPr>
-            <a:r>
               <a:rPr lang="en-US" dirty="0"/>
-              <a:t>Part 3:</a:t>
-            </a:r>
-            <a:br>
-              <a:rPr lang="en-US" dirty="0"/>
-            </a:br>
-            <a:r>
-              <a:rPr lang="en-US" dirty="0"/>
-              <a:t>Using DICOM data from local storage</a:t>
-            </a:r>
-          </a:p>
-        </p:txBody>
-      </p:sp>
-      <p:pic>
-        <p:nvPicPr>
-          <p:cNvPr id="7" name="Picture 6">
-            <a:extLst>
-              <a:ext uri="{FF2B5EF4-FFF2-40B4-BE49-F238E27FC236}">
-                <a16:creationId xmlns:a16="http://schemas.microsoft.com/office/drawing/2014/main" id="{6ED9C41E-BB38-4E39-864B-46CC82DA2CF1}"/>
-              </a:ext>
-            </a:extLst>
-          </p:cNvPr>
-          <p:cNvPicPr>
-            <a:picLocks noChangeAspect="1"/>
-          </p:cNvPicPr>
-          <p:nvPr/>
-        </p:nvPicPr>
-        <p:blipFill rotWithShape="1">
-          <a:blip r:embed="rId2"/>
-          <a:srcRect b="5294"/>
-          <a:stretch/>
-        </p:blipFill>
-        <p:spPr>
-          <a:xfrm>
-            <a:off x="940924" y="1566947"/>
-            <a:ext cx="7262152" cy="4737669"/>
-          </a:xfrm>
-          <a:prstGeom prst="rect">
-            <a:avLst/>
-          </a:prstGeom>
-        </p:spPr>
-      </p:pic>
+              <a:t>Laboratory for Percutaneous Surgery – Copyright © Queen’s University, 2019</a:t>
+            </a:r>
+          </a:p>
+        </p:txBody>
+      </p:sp>
     </p:spTree>
     <p:extLst>
       <p:ext uri="{BB962C8B-B14F-4D97-AF65-F5344CB8AC3E}">
-        <p14:creationId xmlns:p14="http://schemas.microsoft.com/office/powerpoint/2010/main" val="1564803290"/>
+        <p14:creationId xmlns:p14="http://schemas.microsoft.com/office/powerpoint/2010/main" val="4174954042"/>
       </p:ext>
     </p:extLst>
   </p:cSld>
@@ -7709,38 +9982,10 @@
       </p:grpSpPr>
       <p:sp>
         <p:nvSpPr>
-          <p:cNvPr id="2" name="Title 1">
-            <a:extLst>
-              <a:ext uri="{FF2B5EF4-FFF2-40B4-BE49-F238E27FC236}">
-                <a16:creationId xmlns:a16="http://schemas.microsoft.com/office/drawing/2014/main" id="{474352BF-0F09-4E74-94B0-E5CEBE938D64}"/>
-              </a:ext>
-            </a:extLst>
-          </p:cNvPr>
-          <p:cNvSpPr>
-            <a:spLocks noGrp="1"/>
-          </p:cNvSpPr>
-          <p:nvPr>
-            <p:ph type="title"/>
-          </p:nvPr>
-        </p:nvSpPr>
-        <p:spPr/>
-        <p:txBody>
-          <a:bodyPr/>
-          <a:lstStyle/>
-          <a:p>
-            <a:r>
-              <a:rPr lang="en-US" dirty="0"/>
-              <a:t>Import DICOM data from disk</a:t>
-            </a:r>
-          </a:p>
-        </p:txBody>
-      </p:sp>
-      <p:sp>
-        <p:nvSpPr>
           <p:cNvPr id="3" name="Slide Number Placeholder 2">
             <a:extLst>
               <a:ext uri="{FF2B5EF4-FFF2-40B4-BE49-F238E27FC236}">
-                <a16:creationId xmlns:a16="http://schemas.microsoft.com/office/drawing/2014/main" id="{FDCC23B7-8235-421F-B64D-95174D058E83}"/>
+                <a16:creationId xmlns:a16="http://schemas.microsoft.com/office/drawing/2014/main" id="{9E92461D-8175-46FA-AB0E-94A09C774DCF}"/>
               </a:ext>
             </a:extLst>
           </p:cNvPr>
@@ -7783,7 +10028,7 @@
           <p:cNvPr id="4" name="Footer Placeholder 3">
             <a:extLst>
               <a:ext uri="{FF2B5EF4-FFF2-40B4-BE49-F238E27FC236}">
-                <a16:creationId xmlns:a16="http://schemas.microsoft.com/office/drawing/2014/main" id="{91B3EABE-EF20-4234-B21E-C0C7CF94FAE4}"/>
+                <a16:creationId xmlns:a16="http://schemas.microsoft.com/office/drawing/2014/main" id="{F5560FE1-BF6E-4083-B7DB-06465193E6BC}"/>
               </a:ext>
             </a:extLst>
           </p:cNvPr>
@@ -7803,19 +10048,63 @@
               <a:defRPr/>
             </a:pPr>
             <a:r>
-              <a:rPr lang="en-US"/>
-              <a:t>Laboratory for Percutaneous Surgery – Copyright © Queen’s University, 2018</a:t>
-            </a:r>
-            <a:endParaRPr lang="en-US" dirty="0"/>
+              <a:rPr lang="en-US" dirty="0"/>
+              <a:t>Laboratory for Percutaneous Surgery – Copyright © Queen’s University, 2019</a:t>
+            </a:r>
+          </a:p>
+        </p:txBody>
+      </p:sp>
+      <p:sp>
+        <p:nvSpPr>
+          <p:cNvPr id="5" name="Title 1">
+            <a:extLst>
+              <a:ext uri="{FF2B5EF4-FFF2-40B4-BE49-F238E27FC236}">
+                <a16:creationId xmlns:a16="http://schemas.microsoft.com/office/drawing/2014/main" id="{FB787081-F0F7-4C97-9D6F-E6023BBEE10C}"/>
+              </a:ext>
+            </a:extLst>
+          </p:cNvPr>
+          <p:cNvSpPr>
+            <a:spLocks noGrp="1"/>
+          </p:cNvSpPr>
+          <p:nvPr>
+            <p:ph type="title"/>
+          </p:nvPr>
+        </p:nvSpPr>
+        <p:spPr>
+          <a:xfrm>
+            <a:off x="45720" y="76200"/>
+            <a:ext cx="9052560" cy="1561368"/>
+          </a:xfrm>
+        </p:spPr>
+        <p:txBody>
+          <a:bodyPr/>
+          <a:lstStyle/>
+          <a:p>
+            <a:pPr>
+              <a:spcAft>
+                <a:spcPts val="1800"/>
+              </a:spcAft>
+            </a:pPr>
+            <a:r>
+              <a:rPr lang="en-US" dirty="0"/>
+              <a:t>Part 3:</a:t>
+            </a:r>
+            <a:br>
+              <a:rPr lang="en-US" dirty="0"/>
+            </a:br>
+            <a:r>
+              <a:rPr lang="en-US" dirty="0"/>
+              <a:t>Using DICOM data from local storage</a:t>
+            </a:r>
           </a:p>
         </p:txBody>
       </p:sp>
       <p:pic>
         <p:nvPicPr>
-          <p:cNvPr id="5" name="Picture 4">
-            <a:extLst>
-              <a:ext uri="{FF2B5EF4-FFF2-40B4-BE49-F238E27FC236}">
-                <a16:creationId xmlns:a16="http://schemas.microsoft.com/office/drawing/2014/main" id="{FDB47567-E010-4776-A37C-4DEF6F1C8B55}"/>
+          <p:cNvPr id="7" name="Picture 6">
+            <a:extLst>
+              <a:ext uri="{FF2B5EF4-FFF2-40B4-BE49-F238E27FC236}">
+                <a16:creationId xmlns:a16="http://schemas.microsoft.com/office/drawing/2014/main" id="{6ED9C41E-BB38-4E39-864B-46CC82DA2CF1}"/>
               </a:ext>
             </a:extLst>
           </p:cNvPr>
@@ -7824,240 +10113,25 @@
           </p:cNvPicPr>
           <p:nvPr/>
         </p:nvPicPr>
-        <p:blipFill>
+        <p:blipFill rotWithShape="1">
           <a:blip r:embed="rId2"/>
-          <a:stretch>
-            <a:fillRect/>
-          </a:stretch>
+          <a:srcRect b="5294"/>
+          <a:stretch/>
         </p:blipFill>
         <p:spPr>
           <a:xfrm>
-            <a:off x="793488" y="966551"/>
-            <a:ext cx="7557025" cy="5205649"/>
+            <a:off x="940924" y="1566947"/>
+            <a:ext cx="7262152" cy="4737669"/>
           </a:xfrm>
           <a:prstGeom prst="rect">
             <a:avLst/>
           </a:prstGeom>
         </p:spPr>
       </p:pic>
-      <p:pic>
-        <p:nvPicPr>
-          <p:cNvPr id="6" name="Picture 5">
-            <a:extLst>
-              <a:ext uri="{FF2B5EF4-FFF2-40B4-BE49-F238E27FC236}">
-                <a16:creationId xmlns:a16="http://schemas.microsoft.com/office/drawing/2014/main" id="{0FE8EAC6-9102-4028-B6E4-1EA775F84CFE}"/>
-              </a:ext>
-            </a:extLst>
-          </p:cNvPr>
-          <p:cNvPicPr>
-            <a:picLocks noChangeAspect="1" noChangeArrowheads="1"/>
-          </p:cNvPicPr>
-          <p:nvPr/>
-        </p:nvPicPr>
-        <p:blipFill>
-          <a:blip r:embed="rId3">
-            <a:extLst>
-              <a:ext uri="{28A0092B-C50C-407E-A947-70E740481C1C}">
-                <a14:useLocalDpi xmlns:a14="http://schemas.microsoft.com/office/drawing/2010/main" val="0"/>
-              </a:ext>
-            </a:extLst>
-          </a:blip>
-          <a:srcRect/>
-          <a:stretch>
-            <a:fillRect/>
-          </a:stretch>
-        </p:blipFill>
-        <p:spPr bwMode="auto">
-          <a:xfrm>
-            <a:off x="1082298" y="1344800"/>
-            <a:ext cx="314325" cy="476251"/>
-          </a:xfrm>
-          <a:prstGeom prst="rect">
-            <a:avLst/>
-          </a:prstGeom>
-          <a:noFill/>
-          <a:ln>
-            <a:noFill/>
-          </a:ln>
-          <a:effectLst/>
-          <a:extLst>
-            <a:ext uri="{909E8E84-426E-40dd-AFC4-6F175D3DCCD1}">
-              <a14:hiddenFill xmlns="" xmlns:a14="http://schemas.microsoft.com/office/drawing/2010/main">
-                <a:solidFill>
-                  <a:srgbClr val="00B8FF"/>
-                </a:solidFill>
-              </a14:hiddenFill>
-            </a:ext>
-            <a:ext uri="{91240B29-F687-4f45-9708-019B960494DF}">
-              <a14:hiddenLine xmlns="" xmlns:a14="http://schemas.microsoft.com/office/drawing/2010/main" w="9525">
-                <a:solidFill>
-                  <a:schemeClr val="tx1"/>
-                </a:solidFill>
-                <a:miter lim="800000"/>
-                <a:headEnd/>
-                <a:tailEnd/>
-              </a14:hiddenLine>
-            </a:ext>
-            <a:ext uri="{AF507438-7753-43e0-B8FC-AC1667EBCBE1}">
-              <a14:hiddenEffects xmlns="" xmlns:a14="http://schemas.microsoft.com/office/drawing/2010/main">
-                <a:effectLst>
-                  <a:outerShdw dist="35921" dir="2700000" algn="ctr" rotWithShape="0">
-                    <a:schemeClr val="bg2"/>
-                  </a:outerShdw>
-                </a:effectLst>
-              </a14:hiddenEffects>
-            </a:ext>
-          </a:extLst>
-        </p:spPr>
-      </p:pic>
-      <p:pic>
-        <p:nvPicPr>
-          <p:cNvPr id="7" name="Picture 6">
-            <a:extLst>
-              <a:ext uri="{FF2B5EF4-FFF2-40B4-BE49-F238E27FC236}">
-                <a16:creationId xmlns:a16="http://schemas.microsoft.com/office/drawing/2014/main" id="{BABF40D0-2AFA-49D1-B9CC-E684E471F698}"/>
-              </a:ext>
-            </a:extLst>
-          </p:cNvPr>
-          <p:cNvPicPr>
-            <a:picLocks noChangeAspect="1" noChangeArrowheads="1"/>
-          </p:cNvPicPr>
-          <p:nvPr/>
-        </p:nvPicPr>
-        <p:blipFill>
-          <a:blip r:embed="rId3">
-            <a:extLst>
-              <a:ext uri="{28A0092B-C50C-407E-A947-70E740481C1C}">
-                <a14:useLocalDpi xmlns:a14="http://schemas.microsoft.com/office/drawing/2010/main" val="0"/>
-              </a:ext>
-            </a:extLst>
-          </a:blip>
-          <a:srcRect/>
-          <a:stretch>
-            <a:fillRect/>
-          </a:stretch>
-        </p:blipFill>
-        <p:spPr bwMode="auto">
-          <a:xfrm>
-            <a:off x="1920498" y="1657349"/>
-            <a:ext cx="314325" cy="476251"/>
-          </a:xfrm>
-          <a:prstGeom prst="rect">
-            <a:avLst/>
-          </a:prstGeom>
-          <a:noFill/>
-          <a:ln>
-            <a:noFill/>
-          </a:ln>
-          <a:effectLst/>
-          <a:extLst>
-            <a:ext uri="{909E8E84-426E-40dd-AFC4-6F175D3DCCD1}">
-              <a14:hiddenFill xmlns="" xmlns:a14="http://schemas.microsoft.com/office/drawing/2010/main">
-                <a:solidFill>
-                  <a:srgbClr val="00B8FF"/>
-                </a:solidFill>
-              </a14:hiddenFill>
-            </a:ext>
-            <a:ext uri="{91240B29-F687-4f45-9708-019B960494DF}">
-              <a14:hiddenLine xmlns="" xmlns:a14="http://schemas.microsoft.com/office/drawing/2010/main" w="9525">
-                <a:solidFill>
-                  <a:schemeClr val="tx1"/>
-                </a:solidFill>
-                <a:miter lim="800000"/>
-                <a:headEnd/>
-                <a:tailEnd/>
-              </a14:hiddenLine>
-            </a:ext>
-            <a:ext uri="{AF507438-7753-43e0-B8FC-AC1667EBCBE1}">
-              <a14:hiddenEffects xmlns="" xmlns:a14="http://schemas.microsoft.com/office/drawing/2010/main">
-                <a:effectLst>
-                  <a:outerShdw dist="35921" dir="2700000" algn="ctr" rotWithShape="0">
-                    <a:schemeClr val="bg2"/>
-                  </a:outerShdw>
-                </a:effectLst>
-              </a14:hiddenEffects>
-            </a:ext>
-          </a:extLst>
-        </p:spPr>
-      </p:pic>
-      <p:sp>
-        <p:nvSpPr>
-          <p:cNvPr id="8" name="TextBox 7">
-            <a:extLst>
-              <a:ext uri="{FF2B5EF4-FFF2-40B4-BE49-F238E27FC236}">
-                <a16:creationId xmlns:a16="http://schemas.microsoft.com/office/drawing/2014/main" id="{60256EAE-9D08-4576-B948-24E850E461C7}"/>
-              </a:ext>
-            </a:extLst>
-          </p:cNvPr>
-          <p:cNvSpPr txBox="1"/>
-          <p:nvPr/>
-        </p:nvSpPr>
-        <p:spPr>
-          <a:xfrm>
-            <a:off x="609600" y="3284349"/>
-            <a:ext cx="4022116" cy="830997"/>
-          </a:xfrm>
-          <a:prstGeom prst="rect">
-            <a:avLst/>
-          </a:prstGeom>
-          <a:solidFill>
-            <a:srgbClr val="4F81BD"/>
-          </a:solidFill>
-        </p:spPr>
-        <p:style>
-          <a:lnRef idx="3">
-            <a:schemeClr val="lt1"/>
-          </a:lnRef>
-          <a:fillRef idx="1">
-            <a:schemeClr val="accent2"/>
-          </a:fillRef>
-          <a:effectRef idx="1">
-            <a:schemeClr val="accent2"/>
-          </a:effectRef>
-          <a:fontRef idx="minor">
-            <a:schemeClr val="lt1"/>
-          </a:fontRef>
-        </p:style>
-        <p:txBody>
-          <a:bodyPr wrap="square">
-            <a:spAutoFit/>
-          </a:bodyPr>
-          <a:lstStyle/>
-          <a:p>
-            <a:pPr>
-              <a:defRPr/>
-            </a:pPr>
-            <a:r>
-              <a:rPr lang="en-US" sz="2400" dirty="0">
-                <a:solidFill>
-                  <a:schemeClr val="bg1"/>
-                </a:solidFill>
-              </a:rPr>
-              <a:t>Open the DICOM browser one more time, and click ‘</a:t>
-            </a:r>
-            <a:r>
-              <a:rPr lang="en-US" sz="2400" b="1" dirty="0">
-                <a:solidFill>
-                  <a:schemeClr val="bg1"/>
-                </a:solidFill>
-              </a:rPr>
-              <a:t>Import</a:t>
-            </a:r>
-            <a:r>
-              <a:rPr lang="en-US" sz="2400" dirty="0">
-                <a:solidFill>
-                  <a:schemeClr val="bg1"/>
-                </a:solidFill>
-              </a:rPr>
-              <a:t>’.</a:t>
-            </a:r>
-          </a:p>
-        </p:txBody>
-      </p:sp>
     </p:spTree>
     <p:extLst>
       <p:ext uri="{BB962C8B-B14F-4D97-AF65-F5344CB8AC3E}">
-        <p14:creationId xmlns:p14="http://schemas.microsoft.com/office/powerpoint/2010/main" val="3949105733"/>
+        <p14:creationId xmlns:p14="http://schemas.microsoft.com/office/powerpoint/2010/main" val="1564803290"/>
       </p:ext>
     </p:extLst>
   </p:cSld>
@@ -8089,7 +10163,7 @@
           <p:cNvPr id="2" name="Title 1">
             <a:extLst>
               <a:ext uri="{FF2B5EF4-FFF2-40B4-BE49-F238E27FC236}">
-                <a16:creationId xmlns:a16="http://schemas.microsoft.com/office/drawing/2014/main" id="{B6BEE39C-97D4-4E2B-9588-9FBF255F278B}"/>
+                <a16:creationId xmlns:a16="http://schemas.microsoft.com/office/drawing/2014/main" id="{474352BF-0F09-4E74-94B0-E5CEBE938D64}"/>
               </a:ext>
             </a:extLst>
           </p:cNvPr>
@@ -8117,7 +10191,7 @@
           <p:cNvPr id="3" name="Slide Number Placeholder 2">
             <a:extLst>
               <a:ext uri="{FF2B5EF4-FFF2-40B4-BE49-F238E27FC236}">
-                <a16:creationId xmlns:a16="http://schemas.microsoft.com/office/drawing/2014/main" id="{B73D917F-26C4-4AF1-8068-00230240679D}"/>
+                <a16:creationId xmlns:a16="http://schemas.microsoft.com/office/drawing/2014/main" id="{FDCC23B7-8235-421F-B64D-95174D058E83}"/>
               </a:ext>
             </a:extLst>
           </p:cNvPr>
@@ -8160,7 +10234,7 @@
           <p:cNvPr id="4" name="Footer Placeholder 3">
             <a:extLst>
               <a:ext uri="{FF2B5EF4-FFF2-40B4-BE49-F238E27FC236}">
-                <a16:creationId xmlns:a16="http://schemas.microsoft.com/office/drawing/2014/main" id="{FB615609-ED03-49DC-B252-5FEFBB46038A}"/>
+                <a16:creationId xmlns:a16="http://schemas.microsoft.com/office/drawing/2014/main" id="{91B3EABE-EF20-4234-B21E-C0C7CF94FAE4}"/>
               </a:ext>
             </a:extLst>
           </p:cNvPr>
@@ -8180,10 +10254,9 @@
               <a:defRPr/>
             </a:pPr>
             <a:r>
-              <a:rPr lang="en-US"/>
-              <a:t>Laboratory for Percutaneous Surgery – Copyright © Queen’s University, 2018</a:t>
-            </a:r>
-            <a:endParaRPr lang="en-US" dirty="0"/>
+              <a:rPr lang="en-US" dirty="0"/>
+              <a:t>Laboratory for Percutaneous Surgery – Copyright © Queen’s University, 2019</a:t>
+            </a:r>
           </a:p>
         </p:txBody>
       </p:sp>
@@ -8192,7 +10265,7 @@
           <p:cNvPr id="5" name="Picture 4">
             <a:extLst>
               <a:ext uri="{FF2B5EF4-FFF2-40B4-BE49-F238E27FC236}">
-                <a16:creationId xmlns:a16="http://schemas.microsoft.com/office/drawing/2014/main" id="{E11ADCB8-8F37-421B-9395-CA9D938E19A5}"/>
+                <a16:creationId xmlns:a16="http://schemas.microsoft.com/office/drawing/2014/main" id="{FDB47567-E010-4776-A37C-4DEF6F1C8B55}"/>
               </a:ext>
             </a:extLst>
           </p:cNvPr>
@@ -8222,7 +10295,7 @@
           <p:cNvPr id="6" name="Picture 5">
             <a:extLst>
               <a:ext uri="{FF2B5EF4-FFF2-40B4-BE49-F238E27FC236}">
-                <a16:creationId xmlns:a16="http://schemas.microsoft.com/office/drawing/2014/main" id="{D1AAB639-99BC-4667-9D82-C87827AD5DA7}"/>
+                <a16:creationId xmlns:a16="http://schemas.microsoft.com/office/drawing/2014/main" id="{0FE8EAC6-9102-4028-B6E4-1EA775F84CFE}"/>
               </a:ext>
             </a:extLst>
           </p:cNvPr>
@@ -8246,7 +10319,7 @@
         </p:blipFill>
         <p:spPr bwMode="auto">
           <a:xfrm>
-            <a:off x="5486400" y="4115346"/>
+            <a:off x="1082298" y="1344800"/>
             <a:ext cx="314325" cy="476251"/>
           </a:xfrm>
           <a:prstGeom prst="rect">
@@ -8259,14 +10332,14 @@
           <a:effectLst/>
           <a:extLst>
             <a:ext uri="{909E8E84-426E-40dd-AFC4-6F175D3DCCD1}">
-              <a14:hiddenFill xmlns="" xmlns:a14="http://schemas.microsoft.com/office/drawing/2010/main">
+              <a14:hiddenFill xmlns:a14="http://schemas.microsoft.com/office/drawing/2010/main" xmlns="">
                 <a:solidFill>
                   <a:srgbClr val="00B8FF"/>
                 </a:solidFill>
               </a14:hiddenFill>
             </a:ext>
             <a:ext uri="{91240B29-F687-4f45-9708-019B960494DF}">
-              <a14:hiddenLine xmlns="" xmlns:a14="http://schemas.microsoft.com/office/drawing/2010/main" w="9525">
+              <a14:hiddenLine xmlns:a14="http://schemas.microsoft.com/office/drawing/2010/main" xmlns="" w="9525">
                 <a:solidFill>
                   <a:schemeClr val="tx1"/>
                 </a:solidFill>
@@ -8276,7 +10349,7 @@
               </a14:hiddenLine>
             </a:ext>
             <a:ext uri="{AF507438-7753-43e0-B8FC-AC1667EBCBE1}">
-              <a14:hiddenEffects xmlns="" xmlns:a14="http://schemas.microsoft.com/office/drawing/2010/main">
+              <a14:hiddenEffects xmlns:a14="http://schemas.microsoft.com/office/drawing/2010/main" xmlns="">
                 <a:effectLst>
                   <a:outerShdw dist="35921" dir="2700000" algn="ctr" rotWithShape="0">
                     <a:schemeClr val="bg2"/>
@@ -8287,12 +10360,82 @@
           </a:extLst>
         </p:spPr>
       </p:pic>
-      <p:sp>
-        <p:nvSpPr>
-          <p:cNvPr id="7" name="TextBox 6">
-            <a:extLst>
-              <a:ext uri="{FF2B5EF4-FFF2-40B4-BE49-F238E27FC236}">
-                <a16:creationId xmlns:a16="http://schemas.microsoft.com/office/drawing/2014/main" id="{EB9B171B-9CC0-4BE5-B90C-1F828C63423A}"/>
+      <p:pic>
+        <p:nvPicPr>
+          <p:cNvPr id="7" name="Picture 6">
+            <a:extLst>
+              <a:ext uri="{FF2B5EF4-FFF2-40B4-BE49-F238E27FC236}">
+                <a16:creationId xmlns:a16="http://schemas.microsoft.com/office/drawing/2014/main" id="{BABF40D0-2AFA-49D1-B9CC-E684E471F698}"/>
+              </a:ext>
+            </a:extLst>
+          </p:cNvPr>
+          <p:cNvPicPr>
+            <a:picLocks noChangeAspect="1" noChangeArrowheads="1"/>
+          </p:cNvPicPr>
+          <p:nvPr/>
+        </p:nvPicPr>
+        <p:blipFill>
+          <a:blip r:embed="rId3">
+            <a:extLst>
+              <a:ext uri="{28A0092B-C50C-407E-A947-70E740481C1C}">
+                <a14:useLocalDpi xmlns:a14="http://schemas.microsoft.com/office/drawing/2010/main" val="0"/>
+              </a:ext>
+            </a:extLst>
+          </a:blip>
+          <a:srcRect/>
+          <a:stretch>
+            <a:fillRect/>
+          </a:stretch>
+        </p:blipFill>
+        <p:spPr bwMode="auto">
+          <a:xfrm>
+            <a:off x="1920498" y="1657349"/>
+            <a:ext cx="314325" cy="476251"/>
+          </a:xfrm>
+          <a:prstGeom prst="rect">
+            <a:avLst/>
+          </a:prstGeom>
+          <a:noFill/>
+          <a:ln>
+            <a:noFill/>
+          </a:ln>
+          <a:effectLst/>
+          <a:extLst>
+            <a:ext uri="{909E8E84-426E-40dd-AFC4-6F175D3DCCD1}">
+              <a14:hiddenFill xmlns:a14="http://schemas.microsoft.com/office/drawing/2010/main" xmlns="">
+                <a:solidFill>
+                  <a:srgbClr val="00B8FF"/>
+                </a:solidFill>
+              </a14:hiddenFill>
+            </a:ext>
+            <a:ext uri="{91240B29-F687-4f45-9708-019B960494DF}">
+              <a14:hiddenLine xmlns:a14="http://schemas.microsoft.com/office/drawing/2010/main" xmlns="" w="9525">
+                <a:solidFill>
+                  <a:schemeClr val="tx1"/>
+                </a:solidFill>
+                <a:miter lim="800000"/>
+                <a:headEnd/>
+                <a:tailEnd/>
+              </a14:hiddenLine>
+            </a:ext>
+            <a:ext uri="{AF507438-7753-43e0-B8FC-AC1667EBCBE1}">
+              <a14:hiddenEffects xmlns:a14="http://schemas.microsoft.com/office/drawing/2010/main" xmlns="">
+                <a:effectLst>
+                  <a:outerShdw dist="35921" dir="2700000" algn="ctr" rotWithShape="0">
+                    <a:schemeClr val="bg2"/>
+                  </a:outerShdw>
+                </a:effectLst>
+              </a14:hiddenEffects>
+            </a:ext>
+          </a:extLst>
+        </p:spPr>
+      </p:pic>
+      <p:sp>
+        <p:nvSpPr>
+          <p:cNvPr id="8" name="TextBox 7">
+            <a:extLst>
+              <a:ext uri="{FF2B5EF4-FFF2-40B4-BE49-F238E27FC236}">
+                <a16:creationId xmlns:a16="http://schemas.microsoft.com/office/drawing/2014/main" id="{60256EAE-9D08-4576-B948-24E850E461C7}"/>
               </a:ext>
             </a:extLst>
           </p:cNvPr>
@@ -8301,8 +10444,8 @@
         </p:nvSpPr>
         <p:spPr>
           <a:xfrm>
-            <a:off x="4663698" y="2457270"/>
-            <a:ext cx="3479005" cy="1200329"/>
+            <a:off x="609600" y="3284349"/>
+            <a:ext cx="4022116" cy="830997"/>
           </a:xfrm>
           <a:prstGeom prst="rect">
             <a:avLst/>
@@ -8340,7 +10483,7 @@
                   <a:schemeClr val="bg1"/>
                 </a:solidFill>
               </a:rPr>
-              <a:t>Browse to the folder containing the tutorial dataset, and click ‘</a:t>
+              <a:t>Open the DICOM browser one more time, and click ‘</a:t>
             </a:r>
             <a:r>
               <a:rPr lang="en-US" sz="2400" b="1" dirty="0">
@@ -8364,7 +10507,7 @@
     </p:spTree>
     <p:extLst>
       <p:ext uri="{BB962C8B-B14F-4D97-AF65-F5344CB8AC3E}">
-        <p14:creationId xmlns:p14="http://schemas.microsoft.com/office/powerpoint/2010/main" val="1852363814"/>
+        <p14:creationId xmlns:p14="http://schemas.microsoft.com/office/powerpoint/2010/main" val="3949105733"/>
       </p:ext>
     </p:extLst>
   </p:cSld>
@@ -8396,7 +10539,7 @@
           <p:cNvPr id="2" name="Title 1">
             <a:extLst>
               <a:ext uri="{FF2B5EF4-FFF2-40B4-BE49-F238E27FC236}">
-                <a16:creationId xmlns:a16="http://schemas.microsoft.com/office/drawing/2014/main" id="{F5EBCD27-F4C3-42DE-80C8-1EBC66C3F6EC}"/>
+                <a16:creationId xmlns:a16="http://schemas.microsoft.com/office/drawing/2014/main" id="{B6BEE39C-97D4-4E2B-9588-9FBF255F278B}"/>
               </a:ext>
             </a:extLst>
           </p:cNvPr>
@@ -8414,7 +10557,7 @@
           <a:p>
             <a:r>
               <a:rPr lang="en-US" dirty="0"/>
-              <a:t>Dataset is now in the database</a:t>
+              <a:t>Import DICOM data from disk</a:t>
             </a:r>
           </a:p>
         </p:txBody>
@@ -8424,7 +10567,7 @@
           <p:cNvPr id="3" name="Slide Number Placeholder 2">
             <a:extLst>
               <a:ext uri="{FF2B5EF4-FFF2-40B4-BE49-F238E27FC236}">
-                <a16:creationId xmlns:a16="http://schemas.microsoft.com/office/drawing/2014/main" id="{64C236D0-B7F8-409C-BD4D-5C345433E306}"/>
+                <a16:creationId xmlns:a16="http://schemas.microsoft.com/office/drawing/2014/main" id="{B73D917F-26C4-4AF1-8068-00230240679D}"/>
               </a:ext>
             </a:extLst>
           </p:cNvPr>
@@ -8467,7 +10610,7 @@
           <p:cNvPr id="4" name="Footer Placeholder 3">
             <a:extLst>
               <a:ext uri="{FF2B5EF4-FFF2-40B4-BE49-F238E27FC236}">
-                <a16:creationId xmlns:a16="http://schemas.microsoft.com/office/drawing/2014/main" id="{9EF08B7A-DDA4-4A96-85C7-2CD233C991BA}"/>
+                <a16:creationId xmlns:a16="http://schemas.microsoft.com/office/drawing/2014/main" id="{FB615609-ED03-49DC-B252-5FEFBB46038A}"/>
               </a:ext>
             </a:extLst>
           </p:cNvPr>
@@ -8487,10 +10630,9 @@
               <a:defRPr/>
             </a:pPr>
             <a:r>
-              <a:rPr lang="en-US"/>
-              <a:t>Laboratory for Percutaneous Surgery – Copyright © Queen’s University, 2018</a:t>
-            </a:r>
-            <a:endParaRPr lang="en-US" dirty="0"/>
+              <a:rPr lang="en-US" dirty="0"/>
+              <a:t>Laboratory for Percutaneous Surgery – Copyright © Queen’s University, 2019</a:t>
+            </a:r>
           </a:p>
         </p:txBody>
       </p:sp>
@@ -8499,7 +10641,7 @@
           <p:cNvPr id="5" name="Picture 4">
             <a:extLst>
               <a:ext uri="{FF2B5EF4-FFF2-40B4-BE49-F238E27FC236}">
-                <a16:creationId xmlns:a16="http://schemas.microsoft.com/office/drawing/2014/main" id="{9952EB93-1613-45B1-9584-A36157E0DD85}"/>
+                <a16:creationId xmlns:a16="http://schemas.microsoft.com/office/drawing/2014/main" id="{E11ADCB8-8F37-421B-9395-CA9D938E19A5}"/>
               </a:ext>
             </a:extLst>
           </p:cNvPr>
@@ -8529,7 +10671,7 @@
           <p:cNvPr id="6" name="Picture 5">
             <a:extLst>
               <a:ext uri="{FF2B5EF4-FFF2-40B4-BE49-F238E27FC236}">
-                <a16:creationId xmlns:a16="http://schemas.microsoft.com/office/drawing/2014/main" id="{E243A3E5-69E7-4838-8765-5BD5712FD4F2}"/>
+                <a16:creationId xmlns:a16="http://schemas.microsoft.com/office/drawing/2014/main" id="{D1AAB639-99BC-4667-9D82-C87827AD5DA7}"/>
               </a:ext>
             </a:extLst>
           </p:cNvPr>
@@ -8553,7 +10695,7 @@
         </p:blipFill>
         <p:spPr bwMode="auto">
           <a:xfrm>
-            <a:off x="4191000" y="3555168"/>
+            <a:off x="5486400" y="4115346"/>
             <a:ext cx="314325" cy="476251"/>
           </a:xfrm>
           <a:prstGeom prst="rect">
@@ -8566,14 +10708,14 @@
           <a:effectLst/>
           <a:extLst>
             <a:ext uri="{909E8E84-426E-40dd-AFC4-6F175D3DCCD1}">
-              <a14:hiddenFill xmlns="" xmlns:a14="http://schemas.microsoft.com/office/drawing/2010/main">
+              <a14:hiddenFill xmlns:a14="http://schemas.microsoft.com/office/drawing/2010/main" xmlns="">
                 <a:solidFill>
                   <a:srgbClr val="00B8FF"/>
                 </a:solidFill>
               </a14:hiddenFill>
             </a:ext>
             <a:ext uri="{91240B29-F687-4f45-9708-019B960494DF}">
-              <a14:hiddenLine xmlns="" xmlns:a14="http://schemas.microsoft.com/office/drawing/2010/main" w="9525">
+              <a14:hiddenLine xmlns:a14="http://schemas.microsoft.com/office/drawing/2010/main" xmlns="" w="9525">
                 <a:solidFill>
                   <a:schemeClr val="tx1"/>
                 </a:solidFill>
@@ -8583,7 +10725,7 @@
               </a14:hiddenLine>
             </a:ext>
             <a:ext uri="{AF507438-7753-43e0-B8FC-AC1667EBCBE1}">
-              <a14:hiddenEffects xmlns="" xmlns:a14="http://schemas.microsoft.com/office/drawing/2010/main">
+              <a14:hiddenEffects xmlns:a14="http://schemas.microsoft.com/office/drawing/2010/main" xmlns="">
                 <a:effectLst>
                   <a:outerShdw dist="35921" dir="2700000" algn="ctr" rotWithShape="0">
                     <a:schemeClr val="bg2"/>
@@ -8594,10 +10736,84 @@
           </a:extLst>
         </p:spPr>
       </p:pic>
+      <p:sp>
+        <p:nvSpPr>
+          <p:cNvPr id="7" name="TextBox 6">
+            <a:extLst>
+              <a:ext uri="{FF2B5EF4-FFF2-40B4-BE49-F238E27FC236}">
+                <a16:creationId xmlns:a16="http://schemas.microsoft.com/office/drawing/2014/main" id="{EB9B171B-9CC0-4BE5-B90C-1F828C63423A}"/>
+              </a:ext>
+            </a:extLst>
+          </p:cNvPr>
+          <p:cNvSpPr txBox="1"/>
+          <p:nvPr/>
+        </p:nvSpPr>
+        <p:spPr>
+          <a:xfrm>
+            <a:off x="4663698" y="2457270"/>
+            <a:ext cx="3479005" cy="1200329"/>
+          </a:xfrm>
+          <a:prstGeom prst="rect">
+            <a:avLst/>
+          </a:prstGeom>
+          <a:solidFill>
+            <a:srgbClr val="4F81BD"/>
+          </a:solidFill>
+        </p:spPr>
+        <p:style>
+          <a:lnRef idx="3">
+            <a:schemeClr val="lt1"/>
+          </a:lnRef>
+          <a:fillRef idx="1">
+            <a:schemeClr val="accent2"/>
+          </a:fillRef>
+          <a:effectRef idx="1">
+            <a:schemeClr val="accent2"/>
+          </a:effectRef>
+          <a:fontRef idx="minor">
+            <a:schemeClr val="lt1"/>
+          </a:fontRef>
+        </p:style>
+        <p:txBody>
+          <a:bodyPr wrap="square">
+            <a:spAutoFit/>
+          </a:bodyPr>
+          <a:lstStyle/>
+          <a:p>
+            <a:pPr>
+              <a:defRPr/>
+            </a:pPr>
+            <a:r>
+              <a:rPr lang="en-US" sz="2400" dirty="0">
+                <a:solidFill>
+                  <a:schemeClr val="bg1"/>
+                </a:solidFill>
+              </a:rPr>
+              <a:t>Browse to the folder containing the tutorial dataset, and click ‘</a:t>
+            </a:r>
+            <a:r>
+              <a:rPr lang="en-US" sz="2400" b="1" dirty="0">
+                <a:solidFill>
+                  <a:schemeClr val="bg1"/>
+                </a:solidFill>
+              </a:rPr>
+              <a:t>Import</a:t>
+            </a:r>
+            <a:r>
+              <a:rPr lang="en-US" sz="2400" dirty="0">
+                <a:solidFill>
+                  <a:schemeClr val="bg1"/>
+                </a:solidFill>
+              </a:rPr>
+              <a:t>’.</a:t>
+            </a:r>
+          </a:p>
+        </p:txBody>
+      </p:sp>
     </p:spTree>
     <p:extLst>
       <p:ext uri="{BB962C8B-B14F-4D97-AF65-F5344CB8AC3E}">
-        <p14:creationId xmlns:p14="http://schemas.microsoft.com/office/powerpoint/2010/main" val="2684895797"/>
+        <p14:creationId xmlns:p14="http://schemas.microsoft.com/office/powerpoint/2010/main" val="1852363814"/>
       </p:ext>
     </p:extLst>
   </p:cSld>
@@ -8629,7 +10845,7 @@
           <p:cNvPr id="2" name="Title 1">
             <a:extLst>
               <a:ext uri="{FF2B5EF4-FFF2-40B4-BE49-F238E27FC236}">
-                <a16:creationId xmlns:a16="http://schemas.microsoft.com/office/drawing/2014/main" id="{2EC009E5-D89F-4C28-AFDD-D32893E6139A}"/>
+                <a16:creationId xmlns:a16="http://schemas.microsoft.com/office/drawing/2014/main" id="{F5EBCD27-F4C3-42DE-80C8-1EBC66C3F6EC}"/>
               </a:ext>
             </a:extLst>
           </p:cNvPr>
@@ -8647,7 +10863,7 @@
           <a:p>
             <a:r>
               <a:rPr lang="en-US" dirty="0"/>
-              <a:t>Discover DICOM metadata</a:t>
+              <a:t>Dataset is now in the database</a:t>
             </a:r>
           </a:p>
         </p:txBody>
@@ -8657,7 +10873,7 @@
           <p:cNvPr id="3" name="Slide Number Placeholder 2">
             <a:extLst>
               <a:ext uri="{FF2B5EF4-FFF2-40B4-BE49-F238E27FC236}">
-                <a16:creationId xmlns:a16="http://schemas.microsoft.com/office/drawing/2014/main" id="{A4A14CB6-B26E-410B-9C55-1C98BA476AE7}"/>
+                <a16:creationId xmlns:a16="http://schemas.microsoft.com/office/drawing/2014/main" id="{64C236D0-B7F8-409C-BD4D-5C345433E306}"/>
               </a:ext>
             </a:extLst>
           </p:cNvPr>
@@ -8700,7 +10916,7 @@
           <p:cNvPr id="4" name="Footer Placeholder 3">
             <a:extLst>
               <a:ext uri="{FF2B5EF4-FFF2-40B4-BE49-F238E27FC236}">
-                <a16:creationId xmlns:a16="http://schemas.microsoft.com/office/drawing/2014/main" id="{D17F6D51-F17D-4EA4-B1FB-38C0661CF6BC}"/>
+                <a16:creationId xmlns:a16="http://schemas.microsoft.com/office/drawing/2014/main" id="{9EF08B7A-DDA4-4A96-85C7-2CD233C991BA}"/>
               </a:ext>
             </a:extLst>
           </p:cNvPr>
@@ -8720,10 +10936,9 @@
               <a:defRPr/>
             </a:pPr>
             <a:r>
-              <a:rPr lang="en-US"/>
-              <a:t>Laboratory for Percutaneous Surgery – Copyright © Queen’s University, 2018</a:t>
-            </a:r>
-            <a:endParaRPr lang="en-US" dirty="0"/>
+              <a:rPr lang="en-US" dirty="0"/>
+              <a:t>Laboratory for Percutaneous Surgery – Copyright © Queen’s University, 2019</a:t>
+            </a:r>
           </a:p>
         </p:txBody>
       </p:sp>
@@ -8732,7 +10947,7 @@
           <p:cNvPr id="5" name="Picture 4">
             <a:extLst>
               <a:ext uri="{FF2B5EF4-FFF2-40B4-BE49-F238E27FC236}">
-                <a16:creationId xmlns:a16="http://schemas.microsoft.com/office/drawing/2014/main" id="{4D5D3704-C9F7-46BC-B57D-47C29896D5D9}"/>
+                <a16:creationId xmlns:a16="http://schemas.microsoft.com/office/drawing/2014/main" id="{9952EB93-1613-45B1-9584-A36157E0DD85}"/>
               </a:ext>
             </a:extLst>
           </p:cNvPr>
@@ -8749,8 +10964,8 @@
         </p:blipFill>
         <p:spPr>
           <a:xfrm>
-            <a:off x="961159" y="990600"/>
-            <a:ext cx="7221682" cy="5039591"/>
+            <a:off x="793488" y="966551"/>
+            <a:ext cx="7557025" cy="5205649"/>
           </a:xfrm>
           <a:prstGeom prst="rect">
             <a:avLst/>
@@ -8762,7 +10977,7 @@
           <p:cNvPr id="6" name="Picture 5">
             <a:extLst>
               <a:ext uri="{FF2B5EF4-FFF2-40B4-BE49-F238E27FC236}">
-                <a16:creationId xmlns:a16="http://schemas.microsoft.com/office/drawing/2014/main" id="{7F5FC324-04F9-4B11-AD9C-E9EFFF95E15D}"/>
+                <a16:creationId xmlns:a16="http://schemas.microsoft.com/office/drawing/2014/main" id="{E243A3E5-69E7-4838-8765-5BD5712FD4F2}"/>
               </a:ext>
             </a:extLst>
           </p:cNvPr>
@@ -8786,7 +11001,7 @@
         </p:blipFill>
         <p:spPr bwMode="auto">
           <a:xfrm>
-            <a:off x="1318647" y="2022587"/>
+            <a:off x="4191000" y="3555168"/>
             <a:ext cx="314325" cy="476251"/>
           </a:xfrm>
           <a:prstGeom prst="rect">
@@ -8799,14 +11014,14 @@
           <a:effectLst/>
           <a:extLst>
             <a:ext uri="{909E8E84-426E-40dd-AFC4-6F175D3DCCD1}">
-              <a14:hiddenFill xmlns="" xmlns:a14="http://schemas.microsoft.com/office/drawing/2010/main">
+              <a14:hiddenFill xmlns:a14="http://schemas.microsoft.com/office/drawing/2010/main" xmlns="">
                 <a:solidFill>
                   <a:srgbClr val="00B8FF"/>
                 </a:solidFill>
               </a14:hiddenFill>
             </a:ext>
             <a:ext uri="{91240B29-F687-4f45-9708-019B960494DF}">
-              <a14:hiddenLine xmlns="" xmlns:a14="http://schemas.microsoft.com/office/drawing/2010/main" w="9525">
+              <a14:hiddenLine xmlns:a14="http://schemas.microsoft.com/office/drawing/2010/main" xmlns="" w="9525">
                 <a:solidFill>
                   <a:schemeClr val="tx1"/>
                 </a:solidFill>
@@ -8816,7 +11031,7 @@
               </a14:hiddenLine>
             </a:ext>
             <a:ext uri="{AF507438-7753-43e0-B8FC-AC1667EBCBE1}">
-              <a14:hiddenEffects xmlns="" xmlns:a14="http://schemas.microsoft.com/office/drawing/2010/main">
+              <a14:hiddenEffects xmlns:a14="http://schemas.microsoft.com/office/drawing/2010/main" xmlns="">
                 <a:effectLst>
                   <a:outerShdw dist="35921" dir="2700000" algn="ctr" rotWithShape="0">
                     <a:schemeClr val="bg2"/>
@@ -8827,291 +11042,10 @@
           </a:extLst>
         </p:spPr>
       </p:pic>
-      <p:pic>
-        <p:nvPicPr>
-          <p:cNvPr id="7" name="Picture 6">
-            <a:extLst>
-              <a:ext uri="{FF2B5EF4-FFF2-40B4-BE49-F238E27FC236}">
-                <a16:creationId xmlns:a16="http://schemas.microsoft.com/office/drawing/2014/main" id="{66415058-2964-46C4-936B-BF107CB95C00}"/>
-              </a:ext>
-            </a:extLst>
-          </p:cNvPr>
-          <p:cNvPicPr>
-            <a:picLocks noChangeAspect="1" noChangeArrowheads="1"/>
-          </p:cNvPicPr>
-          <p:nvPr/>
-        </p:nvPicPr>
-        <p:blipFill>
-          <a:blip r:embed="rId3">
-            <a:extLst>
-              <a:ext uri="{28A0092B-C50C-407E-A947-70E740481C1C}">
-                <a14:useLocalDpi xmlns:a14="http://schemas.microsoft.com/office/drawing/2010/main" val="0"/>
-              </a:ext>
-            </a:extLst>
-          </a:blip>
-          <a:srcRect/>
-          <a:stretch>
-            <a:fillRect/>
-          </a:stretch>
-        </p:blipFill>
-        <p:spPr bwMode="auto">
-          <a:xfrm>
-            <a:off x="2278251" y="5706340"/>
-            <a:ext cx="314325" cy="476251"/>
-          </a:xfrm>
-          <a:prstGeom prst="rect">
-            <a:avLst/>
-          </a:prstGeom>
-          <a:noFill/>
-          <a:ln>
-            <a:noFill/>
-          </a:ln>
-          <a:effectLst/>
-          <a:extLst>
-            <a:ext uri="{909E8E84-426E-40dd-AFC4-6F175D3DCCD1}">
-              <a14:hiddenFill xmlns="" xmlns:a14="http://schemas.microsoft.com/office/drawing/2010/main">
-                <a:solidFill>
-                  <a:srgbClr val="00B8FF"/>
-                </a:solidFill>
-              </a14:hiddenFill>
-            </a:ext>
-            <a:ext uri="{91240B29-F687-4f45-9708-019B960494DF}">
-              <a14:hiddenLine xmlns="" xmlns:a14="http://schemas.microsoft.com/office/drawing/2010/main" w="9525">
-                <a:solidFill>
-                  <a:schemeClr val="tx1"/>
-                </a:solidFill>
-                <a:miter lim="800000"/>
-                <a:headEnd/>
-                <a:tailEnd/>
-              </a14:hiddenLine>
-            </a:ext>
-            <a:ext uri="{AF507438-7753-43e0-B8FC-AC1667EBCBE1}">
-              <a14:hiddenEffects xmlns="" xmlns:a14="http://schemas.microsoft.com/office/drawing/2010/main">
-                <a:effectLst>
-                  <a:outerShdw dist="35921" dir="2700000" algn="ctr" rotWithShape="0">
-                    <a:schemeClr val="bg2"/>
-                  </a:outerShdw>
-                </a:effectLst>
-              </a14:hiddenEffects>
-            </a:ext>
-          </a:extLst>
-        </p:spPr>
-      </p:pic>
-      <p:pic>
-        <p:nvPicPr>
-          <p:cNvPr id="8" name="Picture 7">
-            <a:extLst>
-              <a:ext uri="{FF2B5EF4-FFF2-40B4-BE49-F238E27FC236}">
-                <a16:creationId xmlns:a16="http://schemas.microsoft.com/office/drawing/2014/main" id="{7CCC6BB7-F610-4E56-A5B1-7624C1314AEF}"/>
-              </a:ext>
-            </a:extLst>
-          </p:cNvPr>
-          <p:cNvPicPr>
-            <a:picLocks noChangeAspect="1" noChangeArrowheads="1"/>
-          </p:cNvPicPr>
-          <p:nvPr/>
-        </p:nvPicPr>
-        <p:blipFill>
-          <a:blip r:embed="rId3">
-            <a:extLst>
-              <a:ext uri="{28A0092B-C50C-407E-A947-70E740481C1C}">
-                <a14:useLocalDpi xmlns:a14="http://schemas.microsoft.com/office/drawing/2010/main" val="0"/>
-              </a:ext>
-            </a:extLst>
-          </a:blip>
-          <a:srcRect/>
-          <a:stretch>
-            <a:fillRect/>
-          </a:stretch>
-        </p:blipFill>
-        <p:spPr bwMode="auto">
-          <a:xfrm>
-            <a:off x="1890310" y="1702289"/>
-            <a:ext cx="314325" cy="476251"/>
-          </a:xfrm>
-          <a:prstGeom prst="rect">
-            <a:avLst/>
-          </a:prstGeom>
-          <a:noFill/>
-          <a:ln>
-            <a:noFill/>
-          </a:ln>
-          <a:effectLst/>
-          <a:extLst>
-            <a:ext uri="{909E8E84-426E-40dd-AFC4-6F175D3DCCD1}">
-              <a14:hiddenFill xmlns="" xmlns:a14="http://schemas.microsoft.com/office/drawing/2010/main">
-                <a:solidFill>
-                  <a:srgbClr val="00B8FF"/>
-                </a:solidFill>
-              </a14:hiddenFill>
-            </a:ext>
-            <a:ext uri="{91240B29-F687-4f45-9708-019B960494DF}">
-              <a14:hiddenLine xmlns="" xmlns:a14="http://schemas.microsoft.com/office/drawing/2010/main" w="9525">
-                <a:solidFill>
-                  <a:schemeClr val="tx1"/>
-                </a:solidFill>
-                <a:miter lim="800000"/>
-                <a:headEnd/>
-                <a:tailEnd/>
-              </a14:hiddenLine>
-            </a:ext>
-            <a:ext uri="{AF507438-7753-43e0-B8FC-AC1667EBCBE1}">
-              <a14:hiddenEffects xmlns="" xmlns:a14="http://schemas.microsoft.com/office/drawing/2010/main">
-                <a:effectLst>
-                  <a:outerShdw dist="35921" dir="2700000" algn="ctr" rotWithShape="0">
-                    <a:schemeClr val="bg2"/>
-                  </a:outerShdw>
-                </a:effectLst>
-              </a14:hiddenEffects>
-            </a:ext>
-          </a:extLst>
-        </p:spPr>
-      </p:pic>
-      <p:sp>
-        <p:nvSpPr>
-          <p:cNvPr id="9" name="TextBox 8">
-            <a:extLst>
-              <a:ext uri="{FF2B5EF4-FFF2-40B4-BE49-F238E27FC236}">
-                <a16:creationId xmlns:a16="http://schemas.microsoft.com/office/drawing/2014/main" id="{AB360D24-C9A2-4C0E-B805-C309EC3A7823}"/>
-              </a:ext>
-            </a:extLst>
-          </p:cNvPr>
-          <p:cNvSpPr txBox="1"/>
-          <p:nvPr/>
-        </p:nvSpPr>
-        <p:spPr>
-          <a:xfrm>
-            <a:off x="3139698" y="3222357"/>
-            <a:ext cx="5772750" cy="3123932"/>
-          </a:xfrm>
-          <a:prstGeom prst="rect">
-            <a:avLst/>
-          </a:prstGeom>
-          <a:solidFill>
-            <a:srgbClr val="4F81BD"/>
-          </a:solidFill>
-        </p:spPr>
-        <p:style>
-          <a:lnRef idx="3">
-            <a:schemeClr val="lt1"/>
-          </a:lnRef>
-          <a:fillRef idx="1">
-            <a:schemeClr val="accent2"/>
-          </a:fillRef>
-          <a:effectRef idx="1">
-            <a:schemeClr val="accent2"/>
-          </a:effectRef>
-          <a:fontRef idx="minor">
-            <a:schemeClr val="lt1"/>
-          </a:fontRef>
-        </p:style>
-        <p:txBody>
-          <a:bodyPr wrap="square">
-            <a:spAutoFit/>
-          </a:bodyPr>
-          <a:lstStyle/>
-          <a:p>
-            <a:pPr>
-              <a:spcAft>
-                <a:spcPts val="600"/>
-              </a:spcAft>
-              <a:defRPr/>
-            </a:pPr>
-            <a:r>
-              <a:rPr lang="en-US" sz="2400" dirty="0">
-                <a:solidFill>
-                  <a:schemeClr val="bg1"/>
-                </a:solidFill>
-              </a:rPr>
-              <a:t>Select the new patient. Note that all its studies and series are automatically selected.</a:t>
-            </a:r>
-          </a:p>
-          <a:p>
-            <a:pPr>
-              <a:spcAft>
-                <a:spcPts val="600"/>
-              </a:spcAft>
-              <a:defRPr/>
-            </a:pPr>
-            <a:r>
-              <a:rPr lang="en-US" sz="2400" dirty="0">
-                <a:solidFill>
-                  <a:schemeClr val="bg1"/>
-                </a:solidFill>
-              </a:rPr>
-              <a:t>Click the ‘</a:t>
-            </a:r>
-            <a:r>
-              <a:rPr lang="en-US" sz="2400" b="1" dirty="0">
-                <a:solidFill>
-                  <a:schemeClr val="bg1"/>
-                </a:solidFill>
-              </a:rPr>
-              <a:t>Metadata</a:t>
-            </a:r>
-            <a:r>
-              <a:rPr lang="en-US" sz="2400" dirty="0">
-                <a:solidFill>
-                  <a:schemeClr val="bg1"/>
-                </a:solidFill>
-              </a:rPr>
-              <a:t>’ button to see all the raw DICOM tags belonging to the first series in the selection. </a:t>
-            </a:r>
-            <a:r>
-              <a:rPr lang="en-US" sz="2400" b="1" dirty="0">
-                <a:solidFill>
-                  <a:schemeClr val="bg1"/>
-                </a:solidFill>
-              </a:rPr>
-              <a:t>Instances in the series </a:t>
-            </a:r>
-            <a:r>
-              <a:rPr lang="en-US" sz="2400" dirty="0">
-                <a:solidFill>
-                  <a:schemeClr val="bg1"/>
-                </a:solidFill>
-              </a:rPr>
-              <a:t>can be browsed using the slider. </a:t>
-            </a:r>
-            <a:r>
-              <a:rPr lang="en-US" sz="2400" b="1" dirty="0">
-                <a:solidFill>
-                  <a:schemeClr val="bg1"/>
-                </a:solidFill>
-              </a:rPr>
-              <a:t>Double-clicking the tag </a:t>
-            </a:r>
-            <a:r>
-              <a:rPr lang="en-US" sz="2400" dirty="0">
-                <a:solidFill>
-                  <a:schemeClr val="bg1"/>
-                </a:solidFill>
-              </a:rPr>
-              <a:t>opens the </a:t>
-            </a:r>
-            <a:r>
-              <a:rPr lang="en-US" sz="2400" dirty="0" err="1">
-                <a:solidFill>
-                  <a:schemeClr val="bg1"/>
-                </a:solidFill>
-              </a:rPr>
-              <a:t>DICOMLookup</a:t>
-            </a:r>
-            <a:r>
-              <a:rPr lang="en-US" sz="2400" dirty="0">
-                <a:solidFill>
-                  <a:schemeClr val="bg1"/>
-                </a:solidFill>
-              </a:rPr>
-              <a:t> page in a web browser.</a:t>
-            </a:r>
-          </a:p>
-        </p:txBody>
-      </p:sp>
     </p:spTree>
     <p:extLst>
       <p:ext uri="{BB962C8B-B14F-4D97-AF65-F5344CB8AC3E}">
-        <p14:creationId xmlns:p14="http://schemas.microsoft.com/office/powerpoint/2010/main" val="354687066"/>
+        <p14:creationId xmlns:p14="http://schemas.microsoft.com/office/powerpoint/2010/main" val="2684895797"/>
       </p:ext>
     </p:extLst>
   </p:cSld>
@@ -9143,7 +11077,7 @@
           <p:cNvPr id="2" name="Title 1">
             <a:extLst>
               <a:ext uri="{FF2B5EF4-FFF2-40B4-BE49-F238E27FC236}">
-                <a16:creationId xmlns:a16="http://schemas.microsoft.com/office/drawing/2014/main" id="{C033EC60-28A3-4147-89F0-7D83D80D905F}"/>
+                <a16:creationId xmlns:a16="http://schemas.microsoft.com/office/drawing/2014/main" id="{2EC009E5-D89F-4C28-AFDD-D32893E6139A}"/>
               </a:ext>
             </a:extLst>
           </p:cNvPr>
@@ -9161,7 +11095,7 @@
           <a:p>
             <a:r>
               <a:rPr lang="en-US" dirty="0"/>
-              <a:t>Load prostate phantom RT data</a:t>
+              <a:t>Discover DICOM metadata</a:t>
             </a:r>
           </a:p>
         </p:txBody>
@@ -9171,7 +11105,7 @@
           <p:cNvPr id="3" name="Slide Number Placeholder 2">
             <a:extLst>
               <a:ext uri="{FF2B5EF4-FFF2-40B4-BE49-F238E27FC236}">
-                <a16:creationId xmlns:a16="http://schemas.microsoft.com/office/drawing/2014/main" id="{EC2E3EB4-3EDC-4531-9A00-AA9CBFCC7341}"/>
+                <a16:creationId xmlns:a16="http://schemas.microsoft.com/office/drawing/2014/main" id="{A4A14CB6-B26E-410B-9C55-1C98BA476AE7}"/>
               </a:ext>
             </a:extLst>
           </p:cNvPr>
@@ -9214,7 +11148,7 @@
           <p:cNvPr id="4" name="Footer Placeholder 3">
             <a:extLst>
               <a:ext uri="{FF2B5EF4-FFF2-40B4-BE49-F238E27FC236}">
-                <a16:creationId xmlns:a16="http://schemas.microsoft.com/office/drawing/2014/main" id="{ED372305-80E1-42E7-A8BF-836580C9CDEE}"/>
+                <a16:creationId xmlns:a16="http://schemas.microsoft.com/office/drawing/2014/main" id="{D17F6D51-F17D-4EA4-B1FB-38C0661CF6BC}"/>
               </a:ext>
             </a:extLst>
           </p:cNvPr>
@@ -9234,10 +11168,9 @@
               <a:defRPr/>
             </a:pPr>
             <a:r>
-              <a:rPr lang="en-US"/>
-              <a:t>Laboratory for Percutaneous Surgery – Copyright © Queen’s University, 2018</a:t>
-            </a:r>
-            <a:endParaRPr lang="en-US" dirty="0"/>
+              <a:rPr lang="en-US" dirty="0"/>
+              <a:t>Laboratory for Percutaneous Surgery – Copyright © Queen’s University, 2019</a:t>
+            </a:r>
           </a:p>
         </p:txBody>
       </p:sp>
@@ -9246,7 +11179,7 @@
           <p:cNvPr id="5" name="Picture 4">
             <a:extLst>
               <a:ext uri="{FF2B5EF4-FFF2-40B4-BE49-F238E27FC236}">
-                <a16:creationId xmlns:a16="http://schemas.microsoft.com/office/drawing/2014/main" id="{C234C995-9BFB-4658-9178-1FC704AAA94F}"/>
+                <a16:creationId xmlns:a16="http://schemas.microsoft.com/office/drawing/2014/main" id="{4D5D3704-C9F7-46BC-B57D-47C29896D5D9}"/>
               </a:ext>
             </a:extLst>
           </p:cNvPr>
@@ -9263,8 +11196,8 @@
         </p:blipFill>
         <p:spPr>
           <a:xfrm>
-            <a:off x="793488" y="966551"/>
-            <a:ext cx="7557025" cy="5205649"/>
+            <a:off x="961159" y="990600"/>
+            <a:ext cx="7221682" cy="5039591"/>
           </a:xfrm>
           <a:prstGeom prst="rect">
             <a:avLst/>
@@ -9276,7 +11209,7 @@
           <p:cNvPr id="6" name="Picture 5">
             <a:extLst>
               <a:ext uri="{FF2B5EF4-FFF2-40B4-BE49-F238E27FC236}">
-                <a16:creationId xmlns:a16="http://schemas.microsoft.com/office/drawing/2014/main" id="{0540C92D-798A-4929-BB18-C6001ADFF71D}"/>
+                <a16:creationId xmlns:a16="http://schemas.microsoft.com/office/drawing/2014/main" id="{7F5FC324-04F9-4B11-AD9C-E9EFFF95E15D}"/>
               </a:ext>
             </a:extLst>
           </p:cNvPr>
@@ -9300,7 +11233,7 @@
         </p:blipFill>
         <p:spPr bwMode="auto">
           <a:xfrm>
-            <a:off x="4038600" y="2209800"/>
+            <a:off x="1318647" y="2022587"/>
             <a:ext cx="314325" cy="476251"/>
           </a:xfrm>
           <a:prstGeom prst="rect">
@@ -9313,14 +11246,14 @@
           <a:effectLst/>
           <a:extLst>
             <a:ext uri="{909E8E84-426E-40dd-AFC4-6F175D3DCCD1}">
-              <a14:hiddenFill xmlns="" xmlns:a14="http://schemas.microsoft.com/office/drawing/2010/main">
+              <a14:hiddenFill xmlns:a14="http://schemas.microsoft.com/office/drawing/2010/main" xmlns="">
                 <a:solidFill>
                   <a:srgbClr val="00B8FF"/>
                 </a:solidFill>
               </a14:hiddenFill>
             </a:ext>
             <a:ext uri="{91240B29-F687-4f45-9708-019B960494DF}">
-              <a14:hiddenLine xmlns="" xmlns:a14="http://schemas.microsoft.com/office/drawing/2010/main" w="9525">
+              <a14:hiddenLine xmlns:a14="http://schemas.microsoft.com/office/drawing/2010/main" xmlns="" w="9525">
                 <a:solidFill>
                   <a:schemeClr val="tx1"/>
                 </a:solidFill>
@@ -9330,7 +11263,7 @@
               </a14:hiddenLine>
             </a:ext>
             <a:ext uri="{AF507438-7753-43e0-B8FC-AC1667EBCBE1}">
-              <a14:hiddenEffects xmlns="" xmlns:a14="http://schemas.microsoft.com/office/drawing/2010/main">
+              <a14:hiddenEffects xmlns:a14="http://schemas.microsoft.com/office/drawing/2010/main" xmlns="">
                 <a:effectLst>
                   <a:outerShdw dist="35921" dir="2700000" algn="ctr" rotWithShape="0">
                     <a:schemeClr val="bg2"/>
@@ -9346,7 +11279,7 @@
           <p:cNvPr id="7" name="Picture 6">
             <a:extLst>
               <a:ext uri="{FF2B5EF4-FFF2-40B4-BE49-F238E27FC236}">
-                <a16:creationId xmlns:a16="http://schemas.microsoft.com/office/drawing/2014/main" id="{80A86668-F1AA-4A7A-B016-345C819B9089}"/>
+                <a16:creationId xmlns:a16="http://schemas.microsoft.com/office/drawing/2014/main" id="{66415058-2964-46C4-936B-BF107CB95C00}"/>
               </a:ext>
             </a:extLst>
           </p:cNvPr>
@@ -9370,7 +11303,7 @@
         </p:blipFill>
         <p:spPr bwMode="auto">
           <a:xfrm>
-            <a:off x="2217549" y="5078600"/>
+            <a:off x="2278251" y="5706340"/>
             <a:ext cx="314325" cy="476251"/>
           </a:xfrm>
           <a:prstGeom prst="rect">
@@ -9383,14 +11316,14 @@
           <a:effectLst/>
           <a:extLst>
             <a:ext uri="{909E8E84-426E-40dd-AFC4-6F175D3DCCD1}">
-              <a14:hiddenFill xmlns="" xmlns:a14="http://schemas.microsoft.com/office/drawing/2010/main">
+              <a14:hiddenFill xmlns:a14="http://schemas.microsoft.com/office/drawing/2010/main" xmlns="">
                 <a:solidFill>
                   <a:srgbClr val="00B8FF"/>
                 </a:solidFill>
               </a14:hiddenFill>
             </a:ext>
             <a:ext uri="{91240B29-F687-4f45-9708-019B960494DF}">
-              <a14:hiddenLine xmlns="" xmlns:a14="http://schemas.microsoft.com/office/drawing/2010/main" w="9525">
+              <a14:hiddenLine xmlns:a14="http://schemas.microsoft.com/office/drawing/2010/main" xmlns="" w="9525">
                 <a:solidFill>
                   <a:schemeClr val="tx1"/>
                 </a:solidFill>
@@ -9400,7 +11333,7 @@
               </a14:hiddenLine>
             </a:ext>
             <a:ext uri="{AF507438-7753-43e0-B8FC-AC1667EBCBE1}">
-              <a14:hiddenEffects xmlns="" xmlns:a14="http://schemas.microsoft.com/office/drawing/2010/main">
+              <a14:hiddenEffects xmlns:a14="http://schemas.microsoft.com/office/drawing/2010/main" xmlns="">
                 <a:effectLst>
                   <a:outerShdw dist="35921" dir="2700000" algn="ctr" rotWithShape="0">
                     <a:schemeClr val="bg2"/>
@@ -9411,12 +11344,82 @@
           </a:extLst>
         </p:spPr>
       </p:pic>
-      <p:sp>
-        <p:nvSpPr>
-          <p:cNvPr id="8" name="TextBox 7">
-            <a:extLst>
-              <a:ext uri="{FF2B5EF4-FFF2-40B4-BE49-F238E27FC236}">
-                <a16:creationId xmlns:a16="http://schemas.microsoft.com/office/drawing/2014/main" id="{2A13D194-9A45-4250-982A-17745114D9E7}"/>
+      <p:pic>
+        <p:nvPicPr>
+          <p:cNvPr id="8" name="Picture 7">
+            <a:extLst>
+              <a:ext uri="{FF2B5EF4-FFF2-40B4-BE49-F238E27FC236}">
+                <a16:creationId xmlns:a16="http://schemas.microsoft.com/office/drawing/2014/main" id="{7CCC6BB7-F610-4E56-A5B1-7624C1314AEF}"/>
+              </a:ext>
+            </a:extLst>
+          </p:cNvPr>
+          <p:cNvPicPr>
+            <a:picLocks noChangeAspect="1" noChangeArrowheads="1"/>
+          </p:cNvPicPr>
+          <p:nvPr/>
+        </p:nvPicPr>
+        <p:blipFill>
+          <a:blip r:embed="rId3">
+            <a:extLst>
+              <a:ext uri="{28A0092B-C50C-407E-A947-70E740481C1C}">
+                <a14:useLocalDpi xmlns:a14="http://schemas.microsoft.com/office/drawing/2010/main" val="0"/>
+              </a:ext>
+            </a:extLst>
+          </a:blip>
+          <a:srcRect/>
+          <a:stretch>
+            <a:fillRect/>
+          </a:stretch>
+        </p:blipFill>
+        <p:spPr bwMode="auto">
+          <a:xfrm>
+            <a:off x="1890310" y="1702289"/>
+            <a:ext cx="314325" cy="476251"/>
+          </a:xfrm>
+          <a:prstGeom prst="rect">
+            <a:avLst/>
+          </a:prstGeom>
+          <a:noFill/>
+          <a:ln>
+            <a:noFill/>
+          </a:ln>
+          <a:effectLst/>
+          <a:extLst>
+            <a:ext uri="{909E8E84-426E-40dd-AFC4-6F175D3DCCD1}">
+              <a14:hiddenFill xmlns:a14="http://schemas.microsoft.com/office/drawing/2010/main" xmlns="">
+                <a:solidFill>
+                  <a:srgbClr val="00B8FF"/>
+                </a:solidFill>
+              </a14:hiddenFill>
+            </a:ext>
+            <a:ext uri="{91240B29-F687-4f45-9708-019B960494DF}">
+              <a14:hiddenLine xmlns:a14="http://schemas.microsoft.com/office/drawing/2010/main" xmlns="" w="9525">
+                <a:solidFill>
+                  <a:schemeClr val="tx1"/>
+                </a:solidFill>
+                <a:miter lim="800000"/>
+                <a:headEnd/>
+                <a:tailEnd/>
+              </a14:hiddenLine>
+            </a:ext>
+            <a:ext uri="{AF507438-7753-43e0-B8FC-AC1667EBCBE1}">
+              <a14:hiddenEffects xmlns:a14="http://schemas.microsoft.com/office/drawing/2010/main" xmlns="">
+                <a:effectLst>
+                  <a:outerShdw dist="35921" dir="2700000" algn="ctr" rotWithShape="0">
+                    <a:schemeClr val="bg2"/>
+                  </a:outerShdw>
+                </a:effectLst>
+              </a14:hiddenEffects>
+            </a:ext>
+          </a:extLst>
+        </p:spPr>
+      </p:pic>
+      <p:sp>
+        <p:nvSpPr>
+          <p:cNvPr id="9" name="TextBox 8">
+            <a:extLst>
+              <a:ext uri="{FF2B5EF4-FFF2-40B4-BE49-F238E27FC236}">
+                <a16:creationId xmlns:a16="http://schemas.microsoft.com/office/drawing/2014/main" id="{AB360D24-C9A2-4C0E-B805-C309EC3A7823}"/>
               </a:ext>
             </a:extLst>
           </p:cNvPr>
@@ -9425,8 +11428,8 @@
         </p:nvSpPr>
         <p:spPr>
           <a:xfrm>
-            <a:off x="5410200" y="2514600"/>
-            <a:ext cx="2681761" cy="1555345"/>
+            <a:off x="3139698" y="3222357"/>
+            <a:ext cx="5772750" cy="3123932"/>
           </a:xfrm>
           <a:prstGeom prst="rect">
             <a:avLst/>
@@ -9456,6 +11459,9 @@
           <a:lstStyle/>
           <a:p>
             <a:pPr>
+              <a:spcAft>
+                <a:spcPts val="600"/>
+              </a:spcAft>
               <a:defRPr/>
             </a:pPr>
             <a:r>
@@ -9464,7 +11470,23 @@
                   <a:schemeClr val="bg1"/>
                 </a:solidFill>
               </a:rPr>
-              <a:t>After closing the Metadata window, load the study using the ‘</a:t>
+              <a:t>Select the new patient. Note that all its studies and series are automatically selected.</a:t>
+            </a:r>
+          </a:p>
+          <a:p>
+            <a:pPr>
+              <a:spcAft>
+                <a:spcPts val="600"/>
+              </a:spcAft>
+              <a:defRPr/>
+            </a:pPr>
+            <a:r>
+              <a:rPr lang="en-US" sz="2400" dirty="0">
+                <a:solidFill>
+                  <a:schemeClr val="bg1"/>
+                </a:solidFill>
+              </a:rPr>
+              <a:t>Click the ‘</a:t>
             </a:r>
             <a:r>
               <a:rPr lang="en-US" sz="2400" b="1" dirty="0">
@@ -9472,7 +11494,7 @@
                   <a:schemeClr val="bg1"/>
                 </a:solidFill>
               </a:rPr>
-              <a:t>Load</a:t>
+              <a:t>Metadata</a:t>
             </a:r>
             <a:r>
               <a:rPr lang="en-US" sz="2400" dirty="0">
@@ -9480,7 +11502,55 @@
                   <a:schemeClr val="bg1"/>
                 </a:solidFill>
               </a:rPr>
-              <a:t>’ button.</a:t>
+              <a:t>’ button to see all the raw DICOM tags belonging to the first series in the selection. </a:t>
+            </a:r>
+            <a:r>
+              <a:rPr lang="en-US" sz="2400" b="1" dirty="0">
+                <a:solidFill>
+                  <a:schemeClr val="bg1"/>
+                </a:solidFill>
+              </a:rPr>
+              <a:t>Instances in the series </a:t>
+            </a:r>
+            <a:r>
+              <a:rPr lang="en-US" sz="2400" dirty="0">
+                <a:solidFill>
+                  <a:schemeClr val="bg1"/>
+                </a:solidFill>
+              </a:rPr>
+              <a:t>can be browsed using the slider. </a:t>
+            </a:r>
+            <a:r>
+              <a:rPr lang="en-US" sz="2400" b="1" dirty="0">
+                <a:solidFill>
+                  <a:schemeClr val="bg1"/>
+                </a:solidFill>
+              </a:rPr>
+              <a:t>Double-clicking the tag </a:t>
+            </a:r>
+            <a:r>
+              <a:rPr lang="en-US" sz="2400" dirty="0">
+                <a:solidFill>
+                  <a:schemeClr val="bg1"/>
+                </a:solidFill>
+              </a:rPr>
+              <a:t>opens the </a:t>
+            </a:r>
+            <a:r>
+              <a:rPr lang="en-US" sz="2400" dirty="0" err="1">
+                <a:solidFill>
+                  <a:schemeClr val="bg1"/>
+                </a:solidFill>
+              </a:rPr>
+              <a:t>DICOMLookup</a:t>
+            </a:r>
+            <a:r>
+              <a:rPr lang="en-US" sz="2400" dirty="0">
+                <a:solidFill>
+                  <a:schemeClr val="bg1"/>
+                </a:solidFill>
+              </a:rPr>
+              <a:t> page in a web browser.</a:t>
             </a:r>
           </a:p>
         </p:txBody>
@@ -9488,7 +11558,7 @@
     </p:spTree>
     <p:extLst>
       <p:ext uri="{BB962C8B-B14F-4D97-AF65-F5344CB8AC3E}">
-        <p14:creationId xmlns:p14="http://schemas.microsoft.com/office/powerpoint/2010/main" val="762196342"/>
+        <p14:creationId xmlns:p14="http://schemas.microsoft.com/office/powerpoint/2010/main" val="354687066"/>
       </p:ext>
     </p:extLst>
   </p:cSld>
@@ -9723,7 +11793,7 @@
             </a:pPr>
             <a:r>
               <a:rPr lang="en-US" dirty="0"/>
-              <a:t>Laboratory for Percutaneous Surgery – Copyright © Queen’s University, 2018</a:t>
+              <a:t>Laboratory for Percutaneous Surgery – Copyright © Queen’s University, 2019</a:t>
             </a:r>
           </a:p>
         </p:txBody>
@@ -9763,7 +11833,7 @@
           <p:cNvPr id="2" name="Title 1">
             <a:extLst>
               <a:ext uri="{FF2B5EF4-FFF2-40B4-BE49-F238E27FC236}">
-                <a16:creationId xmlns:a16="http://schemas.microsoft.com/office/drawing/2014/main" id="{8B54724B-AE79-46AD-8C1D-E846CE7C5AEE}"/>
+                <a16:creationId xmlns:a16="http://schemas.microsoft.com/office/drawing/2014/main" id="{C033EC60-28A3-4147-89F0-7D83D80D905F}"/>
               </a:ext>
             </a:extLst>
           </p:cNvPr>
@@ -9781,7 +11851,7 @@
           <a:p>
             <a:r>
               <a:rPr lang="en-US" dirty="0"/>
-              <a:t>Explore radiotherapy dataset</a:t>
+              <a:t>Load prostate phantom RT data</a:t>
             </a:r>
           </a:p>
         </p:txBody>
@@ -9791,7 +11861,7 @@
           <p:cNvPr id="3" name="Slide Number Placeholder 2">
             <a:extLst>
               <a:ext uri="{FF2B5EF4-FFF2-40B4-BE49-F238E27FC236}">
-                <a16:creationId xmlns:a16="http://schemas.microsoft.com/office/drawing/2014/main" id="{F906DEB4-E3A0-4D37-AAE8-54E1646FB244}"/>
+                <a16:creationId xmlns:a16="http://schemas.microsoft.com/office/drawing/2014/main" id="{EC2E3EB4-3EDC-4531-9A00-AA9CBFCC7341}"/>
               </a:ext>
             </a:extLst>
           </p:cNvPr>
@@ -9834,7 +11904,7 @@
           <p:cNvPr id="4" name="Footer Placeholder 3">
             <a:extLst>
               <a:ext uri="{FF2B5EF4-FFF2-40B4-BE49-F238E27FC236}">
-                <a16:creationId xmlns:a16="http://schemas.microsoft.com/office/drawing/2014/main" id="{BC3EB5E6-B8B7-4C03-B903-C41CCD86D990}"/>
+                <a16:creationId xmlns:a16="http://schemas.microsoft.com/office/drawing/2014/main" id="{ED372305-80E1-42E7-A8BF-836580C9CDEE}"/>
               </a:ext>
             </a:extLst>
           </p:cNvPr>
@@ -9854,10 +11924,9 @@
               <a:defRPr/>
             </a:pPr>
             <a:r>
-              <a:rPr lang="en-US"/>
-              <a:t>Laboratory for Percutaneous Surgery – Copyright © Queen’s University, 2018</a:t>
-            </a:r>
-            <a:endParaRPr lang="en-US" dirty="0"/>
+              <a:rPr lang="en-US" dirty="0"/>
+              <a:t>Laboratory for Percutaneous Surgery – Copyright © Queen’s University, 2019</a:t>
+            </a:r>
           </a:p>
         </p:txBody>
       </p:sp>
@@ -9866,7 +11935,7 @@
           <p:cNvPr id="5" name="Picture 4">
             <a:extLst>
               <a:ext uri="{FF2B5EF4-FFF2-40B4-BE49-F238E27FC236}">
-                <a16:creationId xmlns:a16="http://schemas.microsoft.com/office/drawing/2014/main" id="{BEF5EEA4-9B28-40DB-B829-5E85417D9F5E}"/>
+                <a16:creationId xmlns:a16="http://schemas.microsoft.com/office/drawing/2014/main" id="{C234C995-9BFB-4658-9178-1FC704AAA94F}"/>
               </a:ext>
             </a:extLst>
           </p:cNvPr>
@@ -9896,7 +11965,7 @@
           <p:cNvPr id="6" name="Picture 5">
             <a:extLst>
               <a:ext uri="{FF2B5EF4-FFF2-40B4-BE49-F238E27FC236}">
-                <a16:creationId xmlns:a16="http://schemas.microsoft.com/office/drawing/2014/main" id="{CE239675-0E21-4761-B383-1EE050D7A688}"/>
+                <a16:creationId xmlns:a16="http://schemas.microsoft.com/office/drawing/2014/main" id="{0540C92D-798A-4929-BB18-C6001ADFF71D}"/>
               </a:ext>
             </a:extLst>
           </p:cNvPr>
@@ -9920,7 +11989,7 @@
         </p:blipFill>
         <p:spPr bwMode="auto">
           <a:xfrm>
-            <a:off x="3512949" y="3657600"/>
+            <a:off x="4038600" y="2209800"/>
             <a:ext cx="314325" cy="476251"/>
           </a:xfrm>
           <a:prstGeom prst="rect">
@@ -9933,14 +12002,14 @@
           <a:effectLst/>
           <a:extLst>
             <a:ext uri="{909E8E84-426E-40dd-AFC4-6F175D3DCCD1}">
-              <a14:hiddenFill xmlns="" xmlns:a14="http://schemas.microsoft.com/office/drawing/2010/main">
+              <a14:hiddenFill xmlns:a14="http://schemas.microsoft.com/office/drawing/2010/main" xmlns="">
                 <a:solidFill>
                   <a:srgbClr val="00B8FF"/>
                 </a:solidFill>
               </a14:hiddenFill>
             </a:ext>
             <a:ext uri="{91240B29-F687-4f45-9708-019B960494DF}">
-              <a14:hiddenLine xmlns="" xmlns:a14="http://schemas.microsoft.com/office/drawing/2010/main" w="9525">
+              <a14:hiddenLine xmlns:a14="http://schemas.microsoft.com/office/drawing/2010/main" xmlns="" w="9525">
                 <a:solidFill>
                   <a:schemeClr val="tx1"/>
                 </a:solidFill>
@@ -9950,7 +12019,7 @@
               </a14:hiddenLine>
             </a:ext>
             <a:ext uri="{AF507438-7753-43e0-B8FC-AC1667EBCBE1}">
-              <a14:hiddenEffects xmlns="" xmlns:a14="http://schemas.microsoft.com/office/drawing/2010/main">
+              <a14:hiddenEffects xmlns:a14="http://schemas.microsoft.com/office/drawing/2010/main" xmlns="">
                 <a:effectLst>
                   <a:outerShdw dist="35921" dir="2700000" algn="ctr" rotWithShape="0">
                     <a:schemeClr val="bg2"/>
@@ -9966,7 +12035,7 @@
           <p:cNvPr id="7" name="Picture 6">
             <a:extLst>
               <a:ext uri="{FF2B5EF4-FFF2-40B4-BE49-F238E27FC236}">
-                <a16:creationId xmlns:a16="http://schemas.microsoft.com/office/drawing/2014/main" id="{92714D34-D793-4E6E-BE71-38C4DD0A11B7}"/>
+                <a16:creationId xmlns:a16="http://schemas.microsoft.com/office/drawing/2014/main" id="{80A86668-F1AA-4A7A-B016-345C819B9089}"/>
               </a:ext>
             </a:extLst>
           </p:cNvPr>
@@ -9990,7 +12059,7 @@
         </p:blipFill>
         <p:spPr bwMode="auto">
           <a:xfrm>
-            <a:off x="5562600" y="4572000"/>
+            <a:off x="2217549" y="5078600"/>
             <a:ext cx="314325" cy="476251"/>
           </a:xfrm>
           <a:prstGeom prst="rect">
@@ -10003,14 +12072,14 @@
           <a:effectLst/>
           <a:extLst>
             <a:ext uri="{909E8E84-426E-40dd-AFC4-6F175D3DCCD1}">
-              <a14:hiddenFill xmlns="" xmlns:a14="http://schemas.microsoft.com/office/drawing/2010/main">
+              <a14:hiddenFill xmlns:a14="http://schemas.microsoft.com/office/drawing/2010/main" xmlns="">
                 <a:solidFill>
                   <a:srgbClr val="00B8FF"/>
                 </a:solidFill>
               </a14:hiddenFill>
             </a:ext>
             <a:ext uri="{91240B29-F687-4f45-9708-019B960494DF}">
-              <a14:hiddenLine xmlns="" xmlns:a14="http://schemas.microsoft.com/office/drawing/2010/main" w="9525">
+              <a14:hiddenLine xmlns:a14="http://schemas.microsoft.com/office/drawing/2010/main" xmlns="" w="9525">
                 <a:solidFill>
                   <a:schemeClr val="tx1"/>
                 </a:solidFill>
@@ -10020,7 +12089,7 @@
               </a14:hiddenLine>
             </a:ext>
             <a:ext uri="{AF507438-7753-43e0-B8FC-AC1667EBCBE1}">
-              <a14:hiddenEffects xmlns="" xmlns:a14="http://schemas.microsoft.com/office/drawing/2010/main">
+              <a14:hiddenEffects xmlns:a14="http://schemas.microsoft.com/office/drawing/2010/main" xmlns="">
                 <a:effectLst>
                   <a:outerShdw dist="35921" dir="2700000" algn="ctr" rotWithShape="0">
                     <a:schemeClr val="bg2"/>
@@ -10031,152 +12100,12 @@
           </a:extLst>
         </p:spPr>
       </p:pic>
-      <p:pic>
-        <p:nvPicPr>
-          <p:cNvPr id="8" name="Picture 7">
-            <a:extLst>
-              <a:ext uri="{FF2B5EF4-FFF2-40B4-BE49-F238E27FC236}">
-                <a16:creationId xmlns:a16="http://schemas.microsoft.com/office/drawing/2014/main" id="{A73E46F8-0EE2-4515-94A6-C49B1B86DA1E}"/>
-              </a:ext>
-            </a:extLst>
-          </p:cNvPr>
-          <p:cNvPicPr>
-            <a:picLocks noChangeAspect="1" noChangeArrowheads="1"/>
-          </p:cNvPicPr>
-          <p:nvPr/>
-        </p:nvPicPr>
-        <p:blipFill>
-          <a:blip r:embed="rId3">
-            <a:extLst>
-              <a:ext uri="{28A0092B-C50C-407E-A947-70E740481C1C}">
-                <a14:useLocalDpi xmlns:a14="http://schemas.microsoft.com/office/drawing/2010/main" val="0"/>
-              </a:ext>
-            </a:extLst>
-          </a:blip>
-          <a:srcRect/>
-          <a:stretch>
-            <a:fillRect/>
-          </a:stretch>
-        </p:blipFill>
-        <p:spPr bwMode="auto">
-          <a:xfrm>
-            <a:off x="5218564" y="5070851"/>
-            <a:ext cx="314325" cy="476251"/>
-          </a:xfrm>
-          <a:prstGeom prst="rect">
-            <a:avLst/>
-          </a:prstGeom>
-          <a:noFill/>
-          <a:ln>
-            <a:noFill/>
-          </a:ln>
-          <a:effectLst/>
-          <a:extLst>
-            <a:ext uri="{909E8E84-426E-40dd-AFC4-6F175D3DCCD1}">
-              <a14:hiddenFill xmlns="" xmlns:a14="http://schemas.microsoft.com/office/drawing/2010/main">
-                <a:solidFill>
-                  <a:srgbClr val="00B8FF"/>
-                </a:solidFill>
-              </a14:hiddenFill>
-            </a:ext>
-            <a:ext uri="{91240B29-F687-4f45-9708-019B960494DF}">
-              <a14:hiddenLine xmlns="" xmlns:a14="http://schemas.microsoft.com/office/drawing/2010/main" w="9525">
-                <a:solidFill>
-                  <a:schemeClr val="tx1"/>
-                </a:solidFill>
-                <a:miter lim="800000"/>
-                <a:headEnd/>
-                <a:tailEnd/>
-              </a14:hiddenLine>
-            </a:ext>
-            <a:ext uri="{AF507438-7753-43e0-B8FC-AC1667EBCBE1}">
-              <a14:hiddenEffects xmlns="" xmlns:a14="http://schemas.microsoft.com/office/drawing/2010/main">
-                <a:effectLst>
-                  <a:outerShdw dist="35921" dir="2700000" algn="ctr" rotWithShape="0">
-                    <a:schemeClr val="bg2"/>
-                  </a:outerShdw>
-                </a:effectLst>
-              </a14:hiddenEffects>
-            </a:ext>
-          </a:extLst>
-        </p:spPr>
-      </p:pic>
-      <p:pic>
-        <p:nvPicPr>
-          <p:cNvPr id="9" name="Picture 8">
-            <a:extLst>
-              <a:ext uri="{FF2B5EF4-FFF2-40B4-BE49-F238E27FC236}">
-                <a16:creationId xmlns:a16="http://schemas.microsoft.com/office/drawing/2014/main" id="{B7C637AC-0B14-4DCB-9D69-E2DF4024D08C}"/>
-              </a:ext>
-            </a:extLst>
-          </p:cNvPr>
-          <p:cNvPicPr>
-            <a:picLocks noChangeAspect="1" noChangeArrowheads="1"/>
-          </p:cNvPicPr>
-          <p:nvPr/>
-        </p:nvPicPr>
-        <p:blipFill>
-          <a:blip r:embed="rId3">
-            <a:extLst>
-              <a:ext uri="{28A0092B-C50C-407E-A947-70E740481C1C}">
-                <a14:useLocalDpi xmlns:a14="http://schemas.microsoft.com/office/drawing/2010/main" val="0"/>
-              </a:ext>
-            </a:extLst>
-          </a:blip>
-          <a:srcRect/>
-          <a:stretch>
-            <a:fillRect/>
-          </a:stretch>
-        </p:blipFill>
-        <p:spPr bwMode="auto">
-          <a:xfrm>
-            <a:off x="3752776" y="4832725"/>
-            <a:ext cx="314325" cy="476251"/>
-          </a:xfrm>
-          <a:prstGeom prst="rect">
-            <a:avLst/>
-          </a:prstGeom>
-          <a:noFill/>
-          <a:ln>
-            <a:noFill/>
-          </a:ln>
-          <a:effectLst/>
-          <a:extLst>
-            <a:ext uri="{909E8E84-426E-40dd-AFC4-6F175D3DCCD1}">
-              <a14:hiddenFill xmlns="" xmlns:a14="http://schemas.microsoft.com/office/drawing/2010/main">
-                <a:solidFill>
-                  <a:srgbClr val="00B8FF"/>
-                </a:solidFill>
-              </a14:hiddenFill>
-            </a:ext>
-            <a:ext uri="{91240B29-F687-4f45-9708-019B960494DF}">
-              <a14:hiddenLine xmlns="" xmlns:a14="http://schemas.microsoft.com/office/drawing/2010/main" w="9525">
-                <a:solidFill>
-                  <a:schemeClr val="tx1"/>
-                </a:solidFill>
-                <a:miter lim="800000"/>
-                <a:headEnd/>
-                <a:tailEnd/>
-              </a14:hiddenLine>
-            </a:ext>
-            <a:ext uri="{AF507438-7753-43e0-B8FC-AC1667EBCBE1}">
-              <a14:hiddenEffects xmlns="" xmlns:a14="http://schemas.microsoft.com/office/drawing/2010/main">
-                <a:effectLst>
-                  <a:outerShdw dist="35921" dir="2700000" algn="ctr" rotWithShape="0">
-                    <a:schemeClr val="bg2"/>
-                  </a:outerShdw>
-                </a:effectLst>
-              </a14:hiddenEffects>
-            </a:ext>
-          </a:extLst>
-        </p:spPr>
-      </p:pic>
-      <p:sp>
-        <p:nvSpPr>
-          <p:cNvPr id="10" name="TextBox 9">
-            <a:extLst>
-              <a:ext uri="{FF2B5EF4-FFF2-40B4-BE49-F238E27FC236}">
-                <a16:creationId xmlns:a16="http://schemas.microsoft.com/office/drawing/2014/main" id="{310970BC-E250-43B9-A0FA-61F33528A3BE}"/>
+      <p:sp>
+        <p:nvSpPr>
+          <p:cNvPr id="8" name="TextBox 7">
+            <a:extLst>
+              <a:ext uri="{FF2B5EF4-FFF2-40B4-BE49-F238E27FC236}">
+                <a16:creationId xmlns:a16="http://schemas.microsoft.com/office/drawing/2014/main" id="{2A13D194-9A45-4250-982A-17745114D9E7}"/>
               </a:ext>
             </a:extLst>
           </p:cNvPr>
@@ -10185,8 +12114,8 @@
         </p:nvSpPr>
         <p:spPr>
           <a:xfrm>
-            <a:off x="1372174" y="1577976"/>
-            <a:ext cx="6323451" cy="1200329"/>
+            <a:off x="5410200" y="2514600"/>
+            <a:ext cx="2681761" cy="1555345"/>
           </a:xfrm>
           <a:prstGeom prst="rect">
             <a:avLst/>
@@ -10224,7 +12153,23 @@
                   <a:schemeClr val="bg1"/>
                 </a:solidFill>
               </a:rPr>
-              <a:t>You can show the dose volume in the foreground layer to overlay it with the anatomy. Use the slider to adjust opacity.</a:t>
+              <a:t>After closing the Metadata window, load the study using the ‘</a:t>
+            </a:r>
+            <a:r>
+              <a:rPr lang="en-US" sz="2400" b="1" dirty="0">
+                <a:solidFill>
+                  <a:schemeClr val="bg1"/>
+                </a:solidFill>
+              </a:rPr>
+              <a:t>Load</a:t>
+            </a:r>
+            <a:r>
+              <a:rPr lang="en-US" sz="2400" dirty="0">
+                <a:solidFill>
+                  <a:schemeClr val="bg1"/>
+                </a:solidFill>
+              </a:rPr>
+              <a:t>’ button.</a:t>
             </a:r>
           </a:p>
         </p:txBody>
@@ -10232,7 +12177,7 @@
     </p:spTree>
     <p:extLst>
       <p:ext uri="{BB962C8B-B14F-4D97-AF65-F5344CB8AC3E}">
-        <p14:creationId xmlns:p14="http://schemas.microsoft.com/office/powerpoint/2010/main" val="161700480"/>
+        <p14:creationId xmlns:p14="http://schemas.microsoft.com/office/powerpoint/2010/main" val="762196342"/>
       </p:ext>
     </p:extLst>
   </p:cSld>
@@ -10264,7 +12209,7 @@
           <p:cNvPr id="2" name="Title 1">
             <a:extLst>
               <a:ext uri="{FF2B5EF4-FFF2-40B4-BE49-F238E27FC236}">
-                <a16:creationId xmlns:a16="http://schemas.microsoft.com/office/drawing/2014/main" id="{9C0C3982-E83A-41FC-945A-B148F23A18B9}"/>
+                <a16:creationId xmlns:a16="http://schemas.microsoft.com/office/drawing/2014/main" id="{8B54724B-AE79-46AD-8C1D-E846CE7C5AEE}"/>
               </a:ext>
             </a:extLst>
           </p:cNvPr>
@@ -10282,7 +12227,7 @@
           <a:p>
             <a:r>
               <a:rPr lang="en-US" dirty="0"/>
-              <a:t>Thanks for participating!</a:t>
+              <a:t>Explore radiotherapy dataset</a:t>
             </a:r>
           </a:p>
         </p:txBody>
@@ -10292,7 +12237,7 @@
           <p:cNvPr id="3" name="Slide Number Placeholder 2">
             <a:extLst>
               <a:ext uri="{FF2B5EF4-FFF2-40B4-BE49-F238E27FC236}">
-                <a16:creationId xmlns:a16="http://schemas.microsoft.com/office/drawing/2014/main" id="{BAFDDCE2-B919-4D85-94F1-47E48209B3E4}"/>
+                <a16:creationId xmlns:a16="http://schemas.microsoft.com/office/drawing/2014/main" id="{F906DEB4-E3A0-4D37-AAE8-54E1646FB244}"/>
               </a:ext>
             </a:extLst>
           </p:cNvPr>
@@ -10335,7 +12280,7 @@
           <p:cNvPr id="4" name="Footer Placeholder 3">
             <a:extLst>
               <a:ext uri="{FF2B5EF4-FFF2-40B4-BE49-F238E27FC236}">
-                <a16:creationId xmlns:a16="http://schemas.microsoft.com/office/drawing/2014/main" id="{B4BC4CC2-4D56-48AF-B113-B57853A70364}"/>
+                <a16:creationId xmlns:a16="http://schemas.microsoft.com/office/drawing/2014/main" id="{BC3EB5E6-B8B7-4C03-B903-C41CCD86D990}"/>
               </a:ext>
             </a:extLst>
           </p:cNvPr>
@@ -10355,10 +12300,509 @@
               <a:defRPr/>
             </a:pPr>
             <a:r>
+              <a:rPr lang="en-US" dirty="0"/>
+              <a:t>Laboratory for Percutaneous Surgery – Copyright © Queen’s University, 2019</a:t>
+            </a:r>
+          </a:p>
+        </p:txBody>
+      </p:sp>
+      <p:pic>
+        <p:nvPicPr>
+          <p:cNvPr id="5" name="Picture 4">
+            <a:extLst>
+              <a:ext uri="{FF2B5EF4-FFF2-40B4-BE49-F238E27FC236}">
+                <a16:creationId xmlns:a16="http://schemas.microsoft.com/office/drawing/2014/main" id="{BEF5EEA4-9B28-40DB-B829-5E85417D9F5E}"/>
+              </a:ext>
+            </a:extLst>
+          </p:cNvPr>
+          <p:cNvPicPr>
+            <a:picLocks noChangeAspect="1"/>
+          </p:cNvPicPr>
+          <p:nvPr/>
+        </p:nvPicPr>
+        <p:blipFill>
+          <a:blip r:embed="rId2"/>
+          <a:stretch>
+            <a:fillRect/>
+          </a:stretch>
+        </p:blipFill>
+        <p:spPr>
+          <a:xfrm>
+            <a:off x="793488" y="966551"/>
+            <a:ext cx="7557025" cy="5205649"/>
+          </a:xfrm>
+          <a:prstGeom prst="rect">
+            <a:avLst/>
+          </a:prstGeom>
+        </p:spPr>
+      </p:pic>
+      <p:pic>
+        <p:nvPicPr>
+          <p:cNvPr id="6" name="Picture 5">
+            <a:extLst>
+              <a:ext uri="{FF2B5EF4-FFF2-40B4-BE49-F238E27FC236}">
+                <a16:creationId xmlns:a16="http://schemas.microsoft.com/office/drawing/2014/main" id="{CE239675-0E21-4761-B383-1EE050D7A688}"/>
+              </a:ext>
+            </a:extLst>
+          </p:cNvPr>
+          <p:cNvPicPr>
+            <a:picLocks noChangeAspect="1" noChangeArrowheads="1"/>
+          </p:cNvPicPr>
+          <p:nvPr/>
+        </p:nvPicPr>
+        <p:blipFill>
+          <a:blip r:embed="rId3">
+            <a:extLst>
+              <a:ext uri="{28A0092B-C50C-407E-A947-70E740481C1C}">
+                <a14:useLocalDpi xmlns:a14="http://schemas.microsoft.com/office/drawing/2010/main" val="0"/>
+              </a:ext>
+            </a:extLst>
+          </a:blip>
+          <a:srcRect/>
+          <a:stretch>
+            <a:fillRect/>
+          </a:stretch>
+        </p:blipFill>
+        <p:spPr bwMode="auto">
+          <a:xfrm>
+            <a:off x="3512949" y="3657600"/>
+            <a:ext cx="314325" cy="476251"/>
+          </a:xfrm>
+          <a:prstGeom prst="rect">
+            <a:avLst/>
+          </a:prstGeom>
+          <a:noFill/>
+          <a:ln>
+            <a:noFill/>
+          </a:ln>
+          <a:effectLst/>
+          <a:extLst>
+            <a:ext uri="{909E8E84-426E-40dd-AFC4-6F175D3DCCD1}">
+              <a14:hiddenFill xmlns:a14="http://schemas.microsoft.com/office/drawing/2010/main" xmlns="">
+                <a:solidFill>
+                  <a:srgbClr val="00B8FF"/>
+                </a:solidFill>
+              </a14:hiddenFill>
+            </a:ext>
+            <a:ext uri="{91240B29-F687-4f45-9708-019B960494DF}">
+              <a14:hiddenLine xmlns:a14="http://schemas.microsoft.com/office/drawing/2010/main" xmlns="" w="9525">
+                <a:solidFill>
+                  <a:schemeClr val="tx1"/>
+                </a:solidFill>
+                <a:miter lim="800000"/>
+                <a:headEnd/>
+                <a:tailEnd/>
+              </a14:hiddenLine>
+            </a:ext>
+            <a:ext uri="{AF507438-7753-43e0-B8FC-AC1667EBCBE1}">
+              <a14:hiddenEffects xmlns:a14="http://schemas.microsoft.com/office/drawing/2010/main" xmlns="">
+                <a:effectLst>
+                  <a:outerShdw dist="35921" dir="2700000" algn="ctr" rotWithShape="0">
+                    <a:schemeClr val="bg2"/>
+                  </a:outerShdw>
+                </a:effectLst>
+              </a14:hiddenEffects>
+            </a:ext>
+          </a:extLst>
+        </p:spPr>
+      </p:pic>
+      <p:pic>
+        <p:nvPicPr>
+          <p:cNvPr id="7" name="Picture 6">
+            <a:extLst>
+              <a:ext uri="{FF2B5EF4-FFF2-40B4-BE49-F238E27FC236}">
+                <a16:creationId xmlns:a16="http://schemas.microsoft.com/office/drawing/2014/main" id="{92714D34-D793-4E6E-BE71-38C4DD0A11B7}"/>
+              </a:ext>
+            </a:extLst>
+          </p:cNvPr>
+          <p:cNvPicPr>
+            <a:picLocks noChangeAspect="1" noChangeArrowheads="1"/>
+          </p:cNvPicPr>
+          <p:nvPr/>
+        </p:nvPicPr>
+        <p:blipFill>
+          <a:blip r:embed="rId3">
+            <a:extLst>
+              <a:ext uri="{28A0092B-C50C-407E-A947-70E740481C1C}">
+                <a14:useLocalDpi xmlns:a14="http://schemas.microsoft.com/office/drawing/2010/main" val="0"/>
+              </a:ext>
+            </a:extLst>
+          </a:blip>
+          <a:srcRect/>
+          <a:stretch>
+            <a:fillRect/>
+          </a:stretch>
+        </p:blipFill>
+        <p:spPr bwMode="auto">
+          <a:xfrm>
+            <a:off x="5562600" y="4572000"/>
+            <a:ext cx="314325" cy="476251"/>
+          </a:xfrm>
+          <a:prstGeom prst="rect">
+            <a:avLst/>
+          </a:prstGeom>
+          <a:noFill/>
+          <a:ln>
+            <a:noFill/>
+          </a:ln>
+          <a:effectLst/>
+          <a:extLst>
+            <a:ext uri="{909E8E84-426E-40dd-AFC4-6F175D3DCCD1}">
+              <a14:hiddenFill xmlns:a14="http://schemas.microsoft.com/office/drawing/2010/main" xmlns="">
+                <a:solidFill>
+                  <a:srgbClr val="00B8FF"/>
+                </a:solidFill>
+              </a14:hiddenFill>
+            </a:ext>
+            <a:ext uri="{91240B29-F687-4f45-9708-019B960494DF}">
+              <a14:hiddenLine xmlns:a14="http://schemas.microsoft.com/office/drawing/2010/main" xmlns="" w="9525">
+                <a:solidFill>
+                  <a:schemeClr val="tx1"/>
+                </a:solidFill>
+                <a:miter lim="800000"/>
+                <a:headEnd/>
+                <a:tailEnd/>
+              </a14:hiddenLine>
+            </a:ext>
+            <a:ext uri="{AF507438-7753-43e0-B8FC-AC1667EBCBE1}">
+              <a14:hiddenEffects xmlns:a14="http://schemas.microsoft.com/office/drawing/2010/main" xmlns="">
+                <a:effectLst>
+                  <a:outerShdw dist="35921" dir="2700000" algn="ctr" rotWithShape="0">
+                    <a:schemeClr val="bg2"/>
+                  </a:outerShdw>
+                </a:effectLst>
+              </a14:hiddenEffects>
+            </a:ext>
+          </a:extLst>
+        </p:spPr>
+      </p:pic>
+      <p:pic>
+        <p:nvPicPr>
+          <p:cNvPr id="8" name="Picture 7">
+            <a:extLst>
+              <a:ext uri="{FF2B5EF4-FFF2-40B4-BE49-F238E27FC236}">
+                <a16:creationId xmlns:a16="http://schemas.microsoft.com/office/drawing/2014/main" id="{A73E46F8-0EE2-4515-94A6-C49B1B86DA1E}"/>
+              </a:ext>
+            </a:extLst>
+          </p:cNvPr>
+          <p:cNvPicPr>
+            <a:picLocks noChangeAspect="1" noChangeArrowheads="1"/>
+          </p:cNvPicPr>
+          <p:nvPr/>
+        </p:nvPicPr>
+        <p:blipFill>
+          <a:blip r:embed="rId3">
+            <a:extLst>
+              <a:ext uri="{28A0092B-C50C-407E-A947-70E740481C1C}">
+                <a14:useLocalDpi xmlns:a14="http://schemas.microsoft.com/office/drawing/2010/main" val="0"/>
+              </a:ext>
+            </a:extLst>
+          </a:blip>
+          <a:srcRect/>
+          <a:stretch>
+            <a:fillRect/>
+          </a:stretch>
+        </p:blipFill>
+        <p:spPr bwMode="auto">
+          <a:xfrm>
+            <a:off x="5218564" y="5070851"/>
+            <a:ext cx="314325" cy="476251"/>
+          </a:xfrm>
+          <a:prstGeom prst="rect">
+            <a:avLst/>
+          </a:prstGeom>
+          <a:noFill/>
+          <a:ln>
+            <a:noFill/>
+          </a:ln>
+          <a:effectLst/>
+          <a:extLst>
+            <a:ext uri="{909E8E84-426E-40dd-AFC4-6F175D3DCCD1}">
+              <a14:hiddenFill xmlns:a14="http://schemas.microsoft.com/office/drawing/2010/main" xmlns="">
+                <a:solidFill>
+                  <a:srgbClr val="00B8FF"/>
+                </a:solidFill>
+              </a14:hiddenFill>
+            </a:ext>
+            <a:ext uri="{91240B29-F687-4f45-9708-019B960494DF}">
+              <a14:hiddenLine xmlns:a14="http://schemas.microsoft.com/office/drawing/2010/main" xmlns="" w="9525">
+                <a:solidFill>
+                  <a:schemeClr val="tx1"/>
+                </a:solidFill>
+                <a:miter lim="800000"/>
+                <a:headEnd/>
+                <a:tailEnd/>
+              </a14:hiddenLine>
+            </a:ext>
+            <a:ext uri="{AF507438-7753-43e0-B8FC-AC1667EBCBE1}">
+              <a14:hiddenEffects xmlns:a14="http://schemas.microsoft.com/office/drawing/2010/main" xmlns="">
+                <a:effectLst>
+                  <a:outerShdw dist="35921" dir="2700000" algn="ctr" rotWithShape="0">
+                    <a:schemeClr val="bg2"/>
+                  </a:outerShdw>
+                </a:effectLst>
+              </a14:hiddenEffects>
+            </a:ext>
+          </a:extLst>
+        </p:spPr>
+      </p:pic>
+      <p:pic>
+        <p:nvPicPr>
+          <p:cNvPr id="9" name="Picture 8">
+            <a:extLst>
+              <a:ext uri="{FF2B5EF4-FFF2-40B4-BE49-F238E27FC236}">
+                <a16:creationId xmlns:a16="http://schemas.microsoft.com/office/drawing/2014/main" id="{B7C637AC-0B14-4DCB-9D69-E2DF4024D08C}"/>
+              </a:ext>
+            </a:extLst>
+          </p:cNvPr>
+          <p:cNvPicPr>
+            <a:picLocks noChangeAspect="1" noChangeArrowheads="1"/>
+          </p:cNvPicPr>
+          <p:nvPr/>
+        </p:nvPicPr>
+        <p:blipFill>
+          <a:blip r:embed="rId3">
+            <a:extLst>
+              <a:ext uri="{28A0092B-C50C-407E-A947-70E740481C1C}">
+                <a14:useLocalDpi xmlns:a14="http://schemas.microsoft.com/office/drawing/2010/main" val="0"/>
+              </a:ext>
+            </a:extLst>
+          </a:blip>
+          <a:srcRect/>
+          <a:stretch>
+            <a:fillRect/>
+          </a:stretch>
+        </p:blipFill>
+        <p:spPr bwMode="auto">
+          <a:xfrm>
+            <a:off x="3752776" y="4832725"/>
+            <a:ext cx="314325" cy="476251"/>
+          </a:xfrm>
+          <a:prstGeom prst="rect">
+            <a:avLst/>
+          </a:prstGeom>
+          <a:noFill/>
+          <a:ln>
+            <a:noFill/>
+          </a:ln>
+          <a:effectLst/>
+          <a:extLst>
+            <a:ext uri="{909E8E84-426E-40dd-AFC4-6F175D3DCCD1}">
+              <a14:hiddenFill xmlns:a14="http://schemas.microsoft.com/office/drawing/2010/main" xmlns="">
+                <a:solidFill>
+                  <a:srgbClr val="00B8FF"/>
+                </a:solidFill>
+              </a14:hiddenFill>
+            </a:ext>
+            <a:ext uri="{91240B29-F687-4f45-9708-019B960494DF}">
+              <a14:hiddenLine xmlns:a14="http://schemas.microsoft.com/office/drawing/2010/main" xmlns="" w="9525">
+                <a:solidFill>
+                  <a:schemeClr val="tx1"/>
+                </a:solidFill>
+                <a:miter lim="800000"/>
+                <a:headEnd/>
+                <a:tailEnd/>
+              </a14:hiddenLine>
+            </a:ext>
+            <a:ext uri="{AF507438-7753-43e0-B8FC-AC1667EBCBE1}">
+              <a14:hiddenEffects xmlns:a14="http://schemas.microsoft.com/office/drawing/2010/main" xmlns="">
+                <a:effectLst>
+                  <a:outerShdw dist="35921" dir="2700000" algn="ctr" rotWithShape="0">
+                    <a:schemeClr val="bg2"/>
+                  </a:outerShdw>
+                </a:effectLst>
+              </a14:hiddenEffects>
+            </a:ext>
+          </a:extLst>
+        </p:spPr>
+      </p:pic>
+      <p:sp>
+        <p:nvSpPr>
+          <p:cNvPr id="10" name="TextBox 9">
+            <a:extLst>
+              <a:ext uri="{FF2B5EF4-FFF2-40B4-BE49-F238E27FC236}">
+                <a16:creationId xmlns:a16="http://schemas.microsoft.com/office/drawing/2014/main" id="{310970BC-E250-43B9-A0FA-61F33528A3BE}"/>
+              </a:ext>
+            </a:extLst>
+          </p:cNvPr>
+          <p:cNvSpPr txBox="1"/>
+          <p:nvPr/>
+        </p:nvSpPr>
+        <p:spPr>
+          <a:xfrm>
+            <a:off x="1372174" y="1577976"/>
+            <a:ext cx="6323451" cy="1200329"/>
+          </a:xfrm>
+          <a:prstGeom prst="rect">
+            <a:avLst/>
+          </a:prstGeom>
+          <a:solidFill>
+            <a:srgbClr val="4F81BD"/>
+          </a:solidFill>
+        </p:spPr>
+        <p:style>
+          <a:lnRef idx="3">
+            <a:schemeClr val="lt1"/>
+          </a:lnRef>
+          <a:fillRef idx="1">
+            <a:schemeClr val="accent2"/>
+          </a:fillRef>
+          <a:effectRef idx="1">
+            <a:schemeClr val="accent2"/>
+          </a:effectRef>
+          <a:fontRef idx="minor">
+            <a:schemeClr val="lt1"/>
+          </a:fontRef>
+        </p:style>
+        <p:txBody>
+          <a:bodyPr wrap="square">
+            <a:spAutoFit/>
+          </a:bodyPr>
+          <a:lstStyle/>
+          <a:p>
+            <a:pPr>
+              <a:defRPr/>
+            </a:pPr>
+            <a:r>
+              <a:rPr lang="en-US" sz="2400" dirty="0">
+                <a:solidFill>
+                  <a:schemeClr val="bg1"/>
+                </a:solidFill>
+              </a:rPr>
+              <a:t>You can show the dose volume in the foreground layer to overlay it with the anatomy. Use the slider to adjust opacity.</a:t>
+            </a:r>
+          </a:p>
+        </p:txBody>
+      </p:sp>
+    </p:spTree>
+    <p:extLst>
+      <p:ext uri="{BB962C8B-B14F-4D97-AF65-F5344CB8AC3E}">
+        <p14:creationId xmlns:p14="http://schemas.microsoft.com/office/powerpoint/2010/main" val="161700480"/>
+      </p:ext>
+    </p:extLst>
+  </p:cSld>
+  <p:clrMapOvr>
+    <a:masterClrMapping/>
+  </p:clrMapOvr>
+</p:sld>
+</file>
+
+<file path=ppt/slides/slide32.xml><?xml version="1.0" encoding="utf-8"?>
+<p:sld xmlns:a="http://schemas.openxmlformats.org/drawingml/2006/main" xmlns:r="http://schemas.openxmlformats.org/officeDocument/2006/relationships" xmlns:p="http://schemas.openxmlformats.org/presentationml/2006/main">
+  <p:cSld>
+    <p:spTree>
+      <p:nvGrpSpPr>
+        <p:cNvPr id="1" name=""/>
+        <p:cNvGrpSpPr/>
+        <p:nvPr/>
+      </p:nvGrpSpPr>
+      <p:grpSpPr>
+        <a:xfrm>
+          <a:off x="0" y="0"/>
+          <a:ext cx="0" cy="0"/>
+          <a:chOff x="0" y="0"/>
+          <a:chExt cx="0" cy="0"/>
+        </a:xfrm>
+      </p:grpSpPr>
+      <p:sp>
+        <p:nvSpPr>
+          <p:cNvPr id="2" name="Title 1">
+            <a:extLst>
+              <a:ext uri="{FF2B5EF4-FFF2-40B4-BE49-F238E27FC236}">
+                <a16:creationId xmlns:a16="http://schemas.microsoft.com/office/drawing/2014/main" id="{9C0C3982-E83A-41FC-945A-B148F23A18B9}"/>
+              </a:ext>
+            </a:extLst>
+          </p:cNvPr>
+          <p:cNvSpPr>
+            <a:spLocks noGrp="1"/>
+          </p:cNvSpPr>
+          <p:nvPr>
+            <p:ph type="title"/>
+          </p:nvPr>
+        </p:nvSpPr>
+        <p:spPr/>
+        <p:txBody>
+          <a:bodyPr/>
+          <a:lstStyle/>
+          <a:p>
+            <a:r>
+              <a:rPr lang="en-US" dirty="0"/>
+              <a:t>Thanks for participating!</a:t>
+            </a:r>
+          </a:p>
+        </p:txBody>
+      </p:sp>
+      <p:sp>
+        <p:nvSpPr>
+          <p:cNvPr id="3" name="Slide Number Placeholder 2">
+            <a:extLst>
+              <a:ext uri="{FF2B5EF4-FFF2-40B4-BE49-F238E27FC236}">
+                <a16:creationId xmlns:a16="http://schemas.microsoft.com/office/drawing/2014/main" id="{BAFDDCE2-B919-4D85-94F1-47E48209B3E4}"/>
+              </a:ext>
+            </a:extLst>
+          </p:cNvPr>
+          <p:cNvSpPr>
+            <a:spLocks noGrp="1"/>
+          </p:cNvSpPr>
+          <p:nvPr>
+            <p:ph type="sldNum" sz="quarter" idx="10"/>
+          </p:nvPr>
+        </p:nvSpPr>
+        <p:spPr/>
+        <p:txBody>
+          <a:bodyPr/>
+          <a:lstStyle/>
+          <a:p>
+            <a:pPr algn="ctr">
+              <a:defRPr/>
+            </a:pPr>
+            <a:r>
               <a:rPr lang="en-US"/>
-              <a:t>Laboratory for Percutaneous Surgery – Copyright © Queen’s University, 2018</a:t>
+              <a:t>- </a:t>
+            </a:r>
+            <a:fld id="{CF70E430-998E-4908-836F-E9BC2B613AC2}" type="slidenum">
+              <a:rPr lang="en-US" smtClean="0"/>
+              <a:pPr algn="ctr">
+                <a:defRPr/>
+              </a:pPr>
+              <a:t>32</a:t>
+            </a:fld>
+            <a:r>
+              <a:rPr lang="en-US"/>
+              <a:t> -</a:t>
             </a:r>
             <a:endParaRPr lang="en-US" dirty="0"/>
+          </a:p>
+        </p:txBody>
+      </p:sp>
+      <p:sp>
+        <p:nvSpPr>
+          <p:cNvPr id="4" name="Footer Placeholder 3">
+            <a:extLst>
+              <a:ext uri="{FF2B5EF4-FFF2-40B4-BE49-F238E27FC236}">
+                <a16:creationId xmlns:a16="http://schemas.microsoft.com/office/drawing/2014/main" id="{B4BC4CC2-4D56-48AF-B113-B57853A70364}"/>
+              </a:ext>
+            </a:extLst>
+          </p:cNvPr>
+          <p:cNvSpPr>
+            <a:spLocks noGrp="1"/>
+          </p:cNvSpPr>
+          <p:nvPr>
+            <p:ph type="ftr" sz="quarter" idx="11"/>
+          </p:nvPr>
+        </p:nvSpPr>
+        <p:spPr/>
+        <p:txBody>
+          <a:bodyPr/>
+          <a:lstStyle/>
+          <a:p>
+            <a:pPr>
+              <a:defRPr/>
+            </a:pPr>
+            <a:r>
+              <a:rPr lang="en-US" dirty="0"/>
+              <a:t>Laboratory for Percutaneous Surgery – Copyright © Queen’s University, 2019</a:t>
+            </a:r>
           </a:p>
         </p:txBody>
       </p:sp>
@@ -10647,7 +13091,7 @@
             </a:pPr>
             <a:r>
               <a:rPr lang="en-US" dirty="0"/>
-              <a:t>Laboratory for Percutaneous Surgery – Copyright © Queen’s University, 2018</a:t>
+              <a:t>Laboratory for Percutaneous Surgery – Copyright © Queen’s University, 2019</a:t>
             </a:r>
           </a:p>
         </p:txBody>
@@ -10918,7 +13362,7 @@
             </a:pPr>
             <a:r>
               <a:rPr lang="en-US" dirty="0"/>
-              <a:t>Laboratory for Percutaneous Surgery – Copyright © Queen’s University, 2018</a:t>
+              <a:t>Laboratory for Percutaneous Surgery – Copyright © Queen’s University, 2019</a:t>
             </a:r>
           </a:p>
         </p:txBody>
@@ -11134,8 +13578,98 @@
             </a:pPr>
             <a:r>
               <a:rPr lang="en-US" dirty="0"/>
-              <a:t>Laboratory for Percutaneous Surgery – Copyright © Queen’s University, 2018</a:t>
-            </a:r>
+              <a:t>Laboratory for Percutaneous Surgery – Copyright © Queen’s University, 2019</a:t>
+            </a:r>
+          </a:p>
+        </p:txBody>
+      </p:sp>
+      <p:sp>
+        <p:nvSpPr>
+          <p:cNvPr id="5" name="Oval 4">
+            <a:extLst>
+              <a:ext uri="{FF2B5EF4-FFF2-40B4-BE49-F238E27FC236}">
+                <a16:creationId xmlns:a16="http://schemas.microsoft.com/office/drawing/2014/main" id="{A1D98D48-527D-4BA3-BEF2-CABAB4B3A763}"/>
+              </a:ext>
+            </a:extLst>
+          </p:cNvPr>
+          <p:cNvSpPr/>
+          <p:nvPr/>
+        </p:nvSpPr>
+        <p:spPr>
+          <a:xfrm>
+            <a:off x="4139552" y="1947830"/>
+            <a:ext cx="381000" cy="304800"/>
+          </a:xfrm>
+          <a:prstGeom prst="ellipse">
+            <a:avLst/>
+          </a:prstGeom>
+          <a:noFill/>
+        </p:spPr>
+        <p:style>
+          <a:lnRef idx="2">
+            <a:schemeClr val="accent2"/>
+          </a:lnRef>
+          <a:fillRef idx="1">
+            <a:schemeClr val="lt1"/>
+          </a:fillRef>
+          <a:effectRef idx="0">
+            <a:schemeClr val="accent2"/>
+          </a:effectRef>
+          <a:fontRef idx="minor">
+            <a:schemeClr val="dk1"/>
+          </a:fontRef>
+        </p:style>
+        <p:txBody>
+          <a:bodyPr rtlCol="0" anchor="ctr"/>
+          <a:lstStyle/>
+          <a:p>
+            <a:pPr algn="ctr"/>
+            <a:endParaRPr lang="en-US"/>
+          </a:p>
+        </p:txBody>
+      </p:sp>
+      <p:sp>
+        <p:nvSpPr>
+          <p:cNvPr id="10" name="Oval 9">
+            <a:extLst>
+              <a:ext uri="{FF2B5EF4-FFF2-40B4-BE49-F238E27FC236}">
+                <a16:creationId xmlns:a16="http://schemas.microsoft.com/office/drawing/2014/main" id="{261703A1-B278-46FD-9755-559CB73DBE22}"/>
+              </a:ext>
+            </a:extLst>
+          </p:cNvPr>
+          <p:cNvSpPr/>
+          <p:nvPr/>
+        </p:nvSpPr>
+        <p:spPr>
+          <a:xfrm>
+            <a:off x="4959674" y="1954504"/>
+            <a:ext cx="381000" cy="304800"/>
+          </a:xfrm>
+          <a:prstGeom prst="ellipse">
+            <a:avLst/>
+          </a:prstGeom>
+          <a:noFill/>
+        </p:spPr>
+        <p:style>
+          <a:lnRef idx="2">
+            <a:schemeClr val="accent2"/>
+          </a:lnRef>
+          <a:fillRef idx="1">
+            <a:schemeClr val="lt1"/>
+          </a:fillRef>
+          <a:effectRef idx="0">
+            <a:schemeClr val="accent2"/>
+          </a:effectRef>
+          <a:fontRef idx="minor">
+            <a:schemeClr val="dk1"/>
+          </a:fontRef>
+        </p:style>
+        <p:txBody>
+          <a:bodyPr rtlCol="0" anchor="ctr"/>
+          <a:lstStyle/>
+          <a:p>
+            <a:pPr algn="ctr"/>
+            <a:endParaRPr lang="en-US"/>
           </a:p>
         </p:txBody>
       </p:sp>
@@ -11421,8 +13955,143 @@
             </a:pPr>
             <a:r>
               <a:rPr lang="en-US" dirty="0"/>
-              <a:t>Laboratory for Percutaneous Surgery – Copyright © Queen’s University, 2018</a:t>
-            </a:r>
+              <a:t>Laboratory for Percutaneous Surgery – Copyright © Queen’s University, 2019</a:t>
+            </a:r>
+          </a:p>
+        </p:txBody>
+      </p:sp>
+      <p:sp>
+        <p:nvSpPr>
+          <p:cNvPr id="10" name="Oval 9">
+            <a:extLst>
+              <a:ext uri="{FF2B5EF4-FFF2-40B4-BE49-F238E27FC236}">
+                <a16:creationId xmlns:a16="http://schemas.microsoft.com/office/drawing/2014/main" id="{C4B343F8-7756-4CC9-AB24-C8A698643BDF}"/>
+              </a:ext>
+            </a:extLst>
+          </p:cNvPr>
+          <p:cNvSpPr/>
+          <p:nvPr/>
+        </p:nvSpPr>
+        <p:spPr>
+          <a:xfrm>
+            <a:off x="7315200" y="2196260"/>
+            <a:ext cx="381000" cy="304800"/>
+          </a:xfrm>
+          <a:prstGeom prst="ellipse">
+            <a:avLst/>
+          </a:prstGeom>
+          <a:noFill/>
+        </p:spPr>
+        <p:style>
+          <a:lnRef idx="2">
+            <a:schemeClr val="accent2"/>
+          </a:lnRef>
+          <a:fillRef idx="1">
+            <a:schemeClr val="lt1"/>
+          </a:fillRef>
+          <a:effectRef idx="0">
+            <a:schemeClr val="accent2"/>
+          </a:effectRef>
+          <a:fontRef idx="minor">
+            <a:schemeClr val="dk1"/>
+          </a:fontRef>
+        </p:style>
+        <p:txBody>
+          <a:bodyPr rtlCol="0" anchor="ctr"/>
+          <a:lstStyle/>
+          <a:p>
+            <a:pPr algn="ctr"/>
+            <a:endParaRPr lang="en-US"/>
+          </a:p>
+        </p:txBody>
+      </p:sp>
+      <p:sp>
+        <p:nvSpPr>
+          <p:cNvPr id="15" name="Oval 14">
+            <a:extLst>
+              <a:ext uri="{FF2B5EF4-FFF2-40B4-BE49-F238E27FC236}">
+                <a16:creationId xmlns:a16="http://schemas.microsoft.com/office/drawing/2014/main" id="{CE1E7ADB-EC53-46A9-8FA5-1266CA9C45AD}"/>
+              </a:ext>
+            </a:extLst>
+          </p:cNvPr>
+          <p:cNvSpPr/>
+          <p:nvPr/>
+        </p:nvSpPr>
+        <p:spPr>
+          <a:xfrm>
+            <a:off x="8382000" y="2185136"/>
+            <a:ext cx="381000" cy="304800"/>
+          </a:xfrm>
+          <a:prstGeom prst="ellipse">
+            <a:avLst/>
+          </a:prstGeom>
+          <a:noFill/>
+        </p:spPr>
+        <p:style>
+          <a:lnRef idx="2">
+            <a:schemeClr val="accent2"/>
+          </a:lnRef>
+          <a:fillRef idx="1">
+            <a:schemeClr val="lt1"/>
+          </a:fillRef>
+          <a:effectRef idx="0">
+            <a:schemeClr val="accent2"/>
+          </a:effectRef>
+          <a:fontRef idx="minor">
+            <a:schemeClr val="dk1"/>
+          </a:fontRef>
+        </p:style>
+        <p:txBody>
+          <a:bodyPr rtlCol="0" anchor="ctr"/>
+          <a:lstStyle/>
+          <a:p>
+            <a:pPr algn="ctr"/>
+            <a:endParaRPr lang="en-US"/>
+          </a:p>
+        </p:txBody>
+      </p:sp>
+      <p:sp>
+        <p:nvSpPr>
+          <p:cNvPr id="16" name="Oval 15">
+            <a:extLst>
+              <a:ext uri="{FF2B5EF4-FFF2-40B4-BE49-F238E27FC236}">
+                <a16:creationId xmlns:a16="http://schemas.microsoft.com/office/drawing/2014/main" id="{AB40EEBB-EEAD-4785-AA6F-BB2B08B181AA}"/>
+              </a:ext>
+            </a:extLst>
+          </p:cNvPr>
+          <p:cNvSpPr/>
+          <p:nvPr/>
+        </p:nvSpPr>
+        <p:spPr>
+          <a:xfrm>
+            <a:off x="2063518" y="3429000"/>
+            <a:ext cx="755882" cy="432536"/>
+          </a:xfrm>
+          <a:prstGeom prst="ellipse">
+            <a:avLst/>
+          </a:prstGeom>
+          <a:noFill/>
+        </p:spPr>
+        <p:style>
+          <a:lnRef idx="2">
+            <a:schemeClr val="accent2"/>
+          </a:lnRef>
+          <a:fillRef idx="1">
+            <a:schemeClr val="lt1"/>
+          </a:fillRef>
+          <a:effectRef idx="0">
+            <a:schemeClr val="accent2"/>
+          </a:effectRef>
+          <a:fontRef idx="minor">
+            <a:schemeClr val="dk1"/>
+          </a:fontRef>
+        </p:style>
+        <p:txBody>
+          <a:bodyPr rtlCol="0" anchor="ctr"/>
+          <a:lstStyle/>
+          <a:p>
+            <a:pPr algn="ctr"/>
+            <a:endParaRPr lang="en-US"/>
           </a:p>
         </p:txBody>
       </p:sp>
@@ -11668,7 +14337,7 @@
             </a:pPr>
             <a:r>
               <a:rPr lang="en-US" dirty="0"/>
-              <a:t>Laboratory for Percutaneous Surgery – Copyright © Queen’s University, 2018</a:t>
+              <a:t>Laboratory for Percutaneous Surgery – Copyright © Queen’s University, 2019</a:t>
             </a:r>
           </a:p>
         </p:txBody>
@@ -11889,8 +14558,143 @@
             </a:pPr>
             <a:r>
               <a:rPr lang="en-US" dirty="0"/>
-              <a:t>Laboratory for Percutaneous Surgery – Copyright © Queen’s University, 2018</a:t>
-            </a:r>
+              <a:t>Laboratory for Percutaneous Surgery – Copyright © Queen’s University, 2019</a:t>
+            </a:r>
+          </a:p>
+        </p:txBody>
+      </p:sp>
+      <p:sp>
+        <p:nvSpPr>
+          <p:cNvPr id="9" name="Oval 8">
+            <a:extLst>
+              <a:ext uri="{FF2B5EF4-FFF2-40B4-BE49-F238E27FC236}">
+                <a16:creationId xmlns:a16="http://schemas.microsoft.com/office/drawing/2014/main" id="{70F3625E-4298-408A-805A-D74876A862E4}"/>
+              </a:ext>
+            </a:extLst>
+          </p:cNvPr>
+          <p:cNvSpPr/>
+          <p:nvPr/>
+        </p:nvSpPr>
+        <p:spPr>
+          <a:xfrm>
+            <a:off x="5735022" y="2355526"/>
+            <a:ext cx="457200" cy="228600"/>
+          </a:xfrm>
+          <a:prstGeom prst="ellipse">
+            <a:avLst/>
+          </a:prstGeom>
+          <a:noFill/>
+        </p:spPr>
+        <p:style>
+          <a:lnRef idx="2">
+            <a:schemeClr val="accent2"/>
+          </a:lnRef>
+          <a:fillRef idx="1">
+            <a:schemeClr val="lt1"/>
+          </a:fillRef>
+          <a:effectRef idx="0">
+            <a:schemeClr val="accent2"/>
+          </a:effectRef>
+          <a:fontRef idx="minor">
+            <a:schemeClr val="dk1"/>
+          </a:fontRef>
+        </p:style>
+        <p:txBody>
+          <a:bodyPr rtlCol="0" anchor="ctr"/>
+          <a:lstStyle/>
+          <a:p>
+            <a:pPr algn="ctr"/>
+            <a:endParaRPr lang="en-US"/>
+          </a:p>
+        </p:txBody>
+      </p:sp>
+      <p:sp>
+        <p:nvSpPr>
+          <p:cNvPr id="10" name="Oval 9">
+            <a:extLst>
+              <a:ext uri="{FF2B5EF4-FFF2-40B4-BE49-F238E27FC236}">
+                <a16:creationId xmlns:a16="http://schemas.microsoft.com/office/drawing/2014/main" id="{E6F9C990-2808-4CAB-9E17-CF0CB69E25F8}"/>
+              </a:ext>
+            </a:extLst>
+          </p:cNvPr>
+          <p:cNvSpPr/>
+          <p:nvPr/>
+        </p:nvSpPr>
+        <p:spPr>
+          <a:xfrm>
+            <a:off x="6132156" y="2624931"/>
+            <a:ext cx="381000" cy="228600"/>
+          </a:xfrm>
+          <a:prstGeom prst="ellipse">
+            <a:avLst/>
+          </a:prstGeom>
+          <a:noFill/>
+        </p:spPr>
+        <p:style>
+          <a:lnRef idx="2">
+            <a:schemeClr val="accent2"/>
+          </a:lnRef>
+          <a:fillRef idx="1">
+            <a:schemeClr val="lt1"/>
+          </a:fillRef>
+          <a:effectRef idx="0">
+            <a:schemeClr val="accent2"/>
+          </a:effectRef>
+          <a:fontRef idx="minor">
+            <a:schemeClr val="dk1"/>
+          </a:fontRef>
+        </p:style>
+        <p:txBody>
+          <a:bodyPr rtlCol="0" anchor="ctr"/>
+          <a:lstStyle/>
+          <a:p>
+            <a:pPr algn="ctr"/>
+            <a:endParaRPr lang="en-US"/>
+          </a:p>
+        </p:txBody>
+      </p:sp>
+      <p:sp>
+        <p:nvSpPr>
+          <p:cNvPr id="11" name="Oval 10">
+            <a:extLst>
+              <a:ext uri="{FF2B5EF4-FFF2-40B4-BE49-F238E27FC236}">
+                <a16:creationId xmlns:a16="http://schemas.microsoft.com/office/drawing/2014/main" id="{0FB786A9-A9A7-413E-B191-07719A663597}"/>
+              </a:ext>
+            </a:extLst>
+          </p:cNvPr>
+          <p:cNvSpPr/>
+          <p:nvPr/>
+        </p:nvSpPr>
+        <p:spPr>
+          <a:xfrm>
+            <a:off x="2209800" y="4343400"/>
+            <a:ext cx="228600" cy="228600"/>
+          </a:xfrm>
+          <a:prstGeom prst="ellipse">
+            <a:avLst/>
+          </a:prstGeom>
+          <a:noFill/>
+        </p:spPr>
+        <p:style>
+          <a:lnRef idx="2">
+            <a:schemeClr val="accent2"/>
+          </a:lnRef>
+          <a:fillRef idx="1">
+            <a:schemeClr val="lt1"/>
+          </a:fillRef>
+          <a:effectRef idx="0">
+            <a:schemeClr val="accent2"/>
+          </a:effectRef>
+          <a:fontRef idx="minor">
+            <a:schemeClr val="dk1"/>
+          </a:fontRef>
+        </p:style>
+        <p:txBody>
+          <a:bodyPr rtlCol="0" anchor="ctr"/>
+          <a:lstStyle/>
+          <a:p>
+            <a:pPr algn="ctr"/>
+            <a:endParaRPr lang="en-US"/>
           </a:p>
         </p:txBody>
       </p:sp>

--- a/Doc/day1_7_DICOMTutorial.pptx
+++ b/Doc/day1_7_DICOMTutorial.pptx
@@ -3700,14 +3700,14 @@
           <a:effectLst/>
           <a:extLst>
             <a:ext uri="{909E8E84-426E-40dd-AFC4-6F175D3DCCD1}">
-              <a14:hiddenFill xmlns:a14="http://schemas.microsoft.com/office/drawing/2010/main" xmlns="">
+              <a14:hiddenFill xmlns="" xmlns:a14="http://schemas.microsoft.com/office/drawing/2010/main">
                 <a:solidFill>
                   <a:srgbClr val="00B8FF"/>
                 </a:solidFill>
               </a14:hiddenFill>
             </a:ext>
             <a:ext uri="{91240B29-F687-4f45-9708-019B960494DF}">
-              <a14:hiddenLine xmlns:a14="http://schemas.microsoft.com/office/drawing/2010/main" xmlns="" w="9525">
+              <a14:hiddenLine xmlns="" xmlns:a14="http://schemas.microsoft.com/office/drawing/2010/main" w="9525">
                 <a:solidFill>
                   <a:schemeClr val="tx1"/>
                 </a:solidFill>
@@ -3717,7 +3717,7 @@
               </a14:hiddenLine>
             </a:ext>
             <a:ext uri="{AF507438-7753-43e0-B8FC-AC1667EBCBE1}">
-              <a14:hiddenEffects xmlns:a14="http://schemas.microsoft.com/office/drawing/2010/main" xmlns="">
+              <a14:hiddenEffects xmlns="" xmlns:a14="http://schemas.microsoft.com/office/drawing/2010/main">
                 <a:effectLst>
                   <a:outerShdw dist="35921" dir="2700000" algn="ctr" rotWithShape="0">
                     <a:schemeClr val="bg2"/>
@@ -3995,14 +3995,14 @@
           <a:effectLst/>
           <a:extLst>
             <a:ext uri="{909E8E84-426E-40dd-AFC4-6F175D3DCCD1}">
-              <a14:hiddenFill xmlns:a14="http://schemas.microsoft.com/office/drawing/2010/main" xmlns="">
+              <a14:hiddenFill xmlns="" xmlns:a14="http://schemas.microsoft.com/office/drawing/2010/main">
                 <a:solidFill>
                   <a:srgbClr val="00B8FF"/>
                 </a:solidFill>
               </a14:hiddenFill>
             </a:ext>
             <a:ext uri="{91240B29-F687-4f45-9708-019B960494DF}">
-              <a14:hiddenLine xmlns:a14="http://schemas.microsoft.com/office/drawing/2010/main" xmlns="" w="9525">
+              <a14:hiddenLine xmlns="" xmlns:a14="http://schemas.microsoft.com/office/drawing/2010/main" w="9525">
                 <a:solidFill>
                   <a:schemeClr val="tx1"/>
                 </a:solidFill>
@@ -4012,7 +4012,7 @@
               </a14:hiddenLine>
             </a:ext>
             <a:ext uri="{AF507438-7753-43e0-B8FC-AC1667EBCBE1}">
-              <a14:hiddenEffects xmlns:a14="http://schemas.microsoft.com/office/drawing/2010/main" xmlns="">
+              <a14:hiddenEffects xmlns="" xmlns:a14="http://schemas.microsoft.com/office/drawing/2010/main">
                 <a:effectLst>
                   <a:outerShdw dist="35921" dir="2700000" algn="ctr" rotWithShape="0">
                     <a:schemeClr val="bg2"/>
@@ -4227,14 +4227,14 @@
           <a:effectLst/>
           <a:extLst>
             <a:ext uri="{909E8E84-426E-40dd-AFC4-6F175D3DCCD1}">
-              <a14:hiddenFill xmlns:a14="http://schemas.microsoft.com/office/drawing/2010/main" xmlns="">
+              <a14:hiddenFill xmlns="" xmlns:a14="http://schemas.microsoft.com/office/drawing/2010/main">
                 <a:solidFill>
                   <a:srgbClr val="00B8FF"/>
                 </a:solidFill>
               </a14:hiddenFill>
             </a:ext>
             <a:ext uri="{91240B29-F687-4f45-9708-019B960494DF}">
-              <a14:hiddenLine xmlns:a14="http://schemas.microsoft.com/office/drawing/2010/main" xmlns="" w="9525">
+              <a14:hiddenLine xmlns="" xmlns:a14="http://schemas.microsoft.com/office/drawing/2010/main" w="9525">
                 <a:solidFill>
                   <a:schemeClr val="tx1"/>
                 </a:solidFill>
@@ -4244,7 +4244,7 @@
               </a14:hiddenLine>
             </a:ext>
             <a:ext uri="{AF507438-7753-43e0-B8FC-AC1667EBCBE1}">
-              <a14:hiddenEffects xmlns:a14="http://schemas.microsoft.com/office/drawing/2010/main" xmlns="">
+              <a14:hiddenEffects xmlns="" xmlns:a14="http://schemas.microsoft.com/office/drawing/2010/main">
                 <a:effectLst>
                   <a:outerShdw dist="35921" dir="2700000" algn="ctr" rotWithShape="0">
                     <a:schemeClr val="bg2"/>
@@ -4533,14 +4533,14 @@
           <a:effectLst/>
           <a:extLst>
             <a:ext uri="{909E8E84-426E-40dd-AFC4-6F175D3DCCD1}">
-              <a14:hiddenFill xmlns:a14="http://schemas.microsoft.com/office/drawing/2010/main" xmlns="">
+              <a14:hiddenFill xmlns="" xmlns:a14="http://schemas.microsoft.com/office/drawing/2010/main">
                 <a:solidFill>
                   <a:srgbClr val="00B8FF"/>
                 </a:solidFill>
               </a14:hiddenFill>
             </a:ext>
             <a:ext uri="{91240B29-F687-4f45-9708-019B960494DF}">
-              <a14:hiddenLine xmlns:a14="http://schemas.microsoft.com/office/drawing/2010/main" xmlns="" w="9525">
+              <a14:hiddenLine xmlns="" xmlns:a14="http://schemas.microsoft.com/office/drawing/2010/main" w="9525">
                 <a:solidFill>
                   <a:schemeClr val="tx1"/>
                 </a:solidFill>
@@ -4550,7 +4550,7 @@
               </a14:hiddenLine>
             </a:ext>
             <a:ext uri="{AF507438-7753-43e0-B8FC-AC1667EBCBE1}">
-              <a14:hiddenEffects xmlns:a14="http://schemas.microsoft.com/office/drawing/2010/main" xmlns="">
+              <a14:hiddenEffects xmlns="" xmlns:a14="http://schemas.microsoft.com/office/drawing/2010/main">
                 <a:effectLst>
                   <a:outerShdw dist="35921" dir="2700000" algn="ctr" rotWithShape="0">
                     <a:schemeClr val="bg2"/>
@@ -4846,14 +4846,14 @@
           <a:effectLst/>
           <a:extLst>
             <a:ext uri="{909E8E84-426E-40dd-AFC4-6F175D3DCCD1}">
-              <a14:hiddenFill xmlns:a14="http://schemas.microsoft.com/office/drawing/2010/main" xmlns="">
+              <a14:hiddenFill xmlns="" xmlns:a14="http://schemas.microsoft.com/office/drawing/2010/main">
                 <a:solidFill>
                   <a:srgbClr val="00B8FF"/>
                 </a:solidFill>
               </a14:hiddenFill>
             </a:ext>
             <a:ext uri="{91240B29-F687-4f45-9708-019B960494DF}">
-              <a14:hiddenLine xmlns:a14="http://schemas.microsoft.com/office/drawing/2010/main" xmlns="" w="9525">
+              <a14:hiddenLine xmlns="" xmlns:a14="http://schemas.microsoft.com/office/drawing/2010/main" w="9525">
                 <a:solidFill>
                   <a:schemeClr val="tx1"/>
                 </a:solidFill>
@@ -4863,7 +4863,7 @@
               </a14:hiddenLine>
             </a:ext>
             <a:ext uri="{AF507438-7753-43e0-B8FC-AC1667EBCBE1}">
-              <a14:hiddenEffects xmlns:a14="http://schemas.microsoft.com/office/drawing/2010/main" xmlns="">
+              <a14:hiddenEffects xmlns="" xmlns:a14="http://schemas.microsoft.com/office/drawing/2010/main">
                 <a:effectLst>
                   <a:outerShdw dist="35921" dir="2700000" algn="ctr" rotWithShape="0">
                     <a:schemeClr val="bg2"/>
@@ -4916,14 +4916,14 @@
           <a:effectLst/>
           <a:extLst>
             <a:ext uri="{909E8E84-426E-40dd-AFC4-6F175D3DCCD1}">
-              <a14:hiddenFill xmlns:a14="http://schemas.microsoft.com/office/drawing/2010/main" xmlns="">
+              <a14:hiddenFill xmlns="" xmlns:a14="http://schemas.microsoft.com/office/drawing/2010/main">
                 <a:solidFill>
                   <a:srgbClr val="00B8FF"/>
                 </a:solidFill>
               </a14:hiddenFill>
             </a:ext>
             <a:ext uri="{91240B29-F687-4f45-9708-019B960494DF}">
-              <a14:hiddenLine xmlns:a14="http://schemas.microsoft.com/office/drawing/2010/main" xmlns="" w="9525">
+              <a14:hiddenLine xmlns="" xmlns:a14="http://schemas.microsoft.com/office/drawing/2010/main" w="9525">
                 <a:solidFill>
                   <a:schemeClr val="tx1"/>
                 </a:solidFill>
@@ -4933,7 +4933,7 @@
               </a14:hiddenLine>
             </a:ext>
             <a:ext uri="{AF507438-7753-43e0-B8FC-AC1667EBCBE1}">
-              <a14:hiddenEffects xmlns:a14="http://schemas.microsoft.com/office/drawing/2010/main" xmlns="">
+              <a14:hiddenEffects xmlns="" xmlns:a14="http://schemas.microsoft.com/office/drawing/2010/main">
                 <a:effectLst>
                   <a:outerShdw dist="35921" dir="2700000" algn="ctr" rotWithShape="0">
                     <a:schemeClr val="bg2"/>
@@ -4986,14 +4986,14 @@
           <a:effectLst/>
           <a:extLst>
             <a:ext uri="{909E8E84-426E-40dd-AFC4-6F175D3DCCD1}">
-              <a14:hiddenFill xmlns:a14="http://schemas.microsoft.com/office/drawing/2010/main" xmlns="">
+              <a14:hiddenFill xmlns="" xmlns:a14="http://schemas.microsoft.com/office/drawing/2010/main">
                 <a:solidFill>
                   <a:srgbClr val="00B8FF"/>
                 </a:solidFill>
               </a14:hiddenFill>
             </a:ext>
             <a:ext uri="{91240B29-F687-4f45-9708-019B960494DF}">
-              <a14:hiddenLine xmlns:a14="http://schemas.microsoft.com/office/drawing/2010/main" xmlns="" w="9525">
+              <a14:hiddenLine xmlns="" xmlns:a14="http://schemas.microsoft.com/office/drawing/2010/main" w="9525">
                 <a:solidFill>
                   <a:schemeClr val="tx1"/>
                 </a:solidFill>
@@ -5003,7 +5003,7 @@
               </a14:hiddenLine>
             </a:ext>
             <a:ext uri="{AF507438-7753-43e0-B8FC-AC1667EBCBE1}">
-              <a14:hiddenEffects xmlns:a14="http://schemas.microsoft.com/office/drawing/2010/main" xmlns="">
+              <a14:hiddenEffects xmlns="" xmlns:a14="http://schemas.microsoft.com/office/drawing/2010/main">
                 <a:effectLst>
                   <a:outerShdw dist="35921" dir="2700000" algn="ctr" rotWithShape="0">
                     <a:schemeClr val="bg2"/>
@@ -5218,14 +5218,14 @@
           <a:effectLst/>
           <a:extLst>
             <a:ext uri="{909E8E84-426E-40dd-AFC4-6F175D3DCCD1}">
-              <a14:hiddenFill xmlns:a14="http://schemas.microsoft.com/office/drawing/2010/main" xmlns="">
+              <a14:hiddenFill xmlns="" xmlns:a14="http://schemas.microsoft.com/office/drawing/2010/main">
                 <a:solidFill>
                   <a:srgbClr val="00B8FF"/>
                 </a:solidFill>
               </a14:hiddenFill>
             </a:ext>
             <a:ext uri="{91240B29-F687-4f45-9708-019B960494DF}">
-              <a14:hiddenLine xmlns:a14="http://schemas.microsoft.com/office/drawing/2010/main" xmlns="" w="9525">
+              <a14:hiddenLine xmlns="" xmlns:a14="http://schemas.microsoft.com/office/drawing/2010/main" w="9525">
                 <a:solidFill>
                   <a:schemeClr val="tx1"/>
                 </a:solidFill>
@@ -5235,7 +5235,7 @@
               </a14:hiddenLine>
             </a:ext>
             <a:ext uri="{AF507438-7753-43e0-B8FC-AC1667EBCBE1}">
-              <a14:hiddenEffects xmlns:a14="http://schemas.microsoft.com/office/drawing/2010/main" xmlns="">
+              <a14:hiddenEffects xmlns="" xmlns:a14="http://schemas.microsoft.com/office/drawing/2010/main">
                 <a:effectLst>
                   <a:outerShdw dist="35921" dir="2700000" algn="ctr" rotWithShape="0">
                     <a:schemeClr val="bg2"/>
@@ -5288,14 +5288,14 @@
           <a:effectLst/>
           <a:extLst>
             <a:ext uri="{909E8E84-426E-40dd-AFC4-6F175D3DCCD1}">
-              <a14:hiddenFill xmlns:a14="http://schemas.microsoft.com/office/drawing/2010/main" xmlns="">
+              <a14:hiddenFill xmlns="" xmlns:a14="http://schemas.microsoft.com/office/drawing/2010/main">
                 <a:solidFill>
                   <a:srgbClr val="00B8FF"/>
                 </a:solidFill>
               </a14:hiddenFill>
             </a:ext>
             <a:ext uri="{91240B29-F687-4f45-9708-019B960494DF}">
-              <a14:hiddenLine xmlns:a14="http://schemas.microsoft.com/office/drawing/2010/main" xmlns="" w="9525">
+              <a14:hiddenLine xmlns="" xmlns:a14="http://schemas.microsoft.com/office/drawing/2010/main" w="9525">
                 <a:solidFill>
                   <a:schemeClr val="tx1"/>
                 </a:solidFill>
@@ -5305,7 +5305,7 @@
               </a14:hiddenLine>
             </a:ext>
             <a:ext uri="{AF507438-7753-43e0-B8FC-AC1667EBCBE1}">
-              <a14:hiddenEffects xmlns:a14="http://schemas.microsoft.com/office/drawing/2010/main" xmlns="">
+              <a14:hiddenEffects xmlns="" xmlns:a14="http://schemas.microsoft.com/office/drawing/2010/main">
                 <a:effectLst>
                   <a:outerShdw dist="35921" dir="2700000" algn="ctr" rotWithShape="0">
                     <a:schemeClr val="bg2"/>
@@ -5358,14 +5358,14 @@
           <a:effectLst/>
           <a:extLst>
             <a:ext uri="{909E8E84-426E-40dd-AFC4-6F175D3DCCD1}">
-              <a14:hiddenFill xmlns:a14="http://schemas.microsoft.com/office/drawing/2010/main" xmlns="">
+              <a14:hiddenFill xmlns="" xmlns:a14="http://schemas.microsoft.com/office/drawing/2010/main">
                 <a:solidFill>
                   <a:srgbClr val="00B8FF"/>
                 </a:solidFill>
               </a14:hiddenFill>
             </a:ext>
             <a:ext uri="{91240B29-F687-4f45-9708-019B960494DF}">
-              <a14:hiddenLine xmlns:a14="http://schemas.microsoft.com/office/drawing/2010/main" xmlns="" w="9525">
+              <a14:hiddenLine xmlns="" xmlns:a14="http://schemas.microsoft.com/office/drawing/2010/main" w="9525">
                 <a:solidFill>
                   <a:schemeClr val="tx1"/>
                 </a:solidFill>
@@ -5375,7 +5375,7 @@
               </a14:hiddenLine>
             </a:ext>
             <a:ext uri="{AF507438-7753-43e0-B8FC-AC1667EBCBE1}">
-              <a14:hiddenEffects xmlns:a14="http://schemas.microsoft.com/office/drawing/2010/main" xmlns="">
+              <a14:hiddenEffects xmlns="" xmlns:a14="http://schemas.microsoft.com/office/drawing/2010/main">
                 <a:effectLst>
                   <a:outerShdw dist="35921" dir="2700000" algn="ctr" rotWithShape="0">
                     <a:schemeClr val="bg2"/>
@@ -5428,14 +5428,14 @@
           <a:effectLst/>
           <a:extLst>
             <a:ext uri="{909E8E84-426E-40dd-AFC4-6F175D3DCCD1}">
-              <a14:hiddenFill xmlns:a14="http://schemas.microsoft.com/office/drawing/2010/main" xmlns="">
+              <a14:hiddenFill xmlns="" xmlns:a14="http://schemas.microsoft.com/office/drawing/2010/main">
                 <a:solidFill>
                   <a:srgbClr val="00B8FF"/>
                 </a:solidFill>
               </a14:hiddenFill>
             </a:ext>
             <a:ext uri="{91240B29-F687-4f45-9708-019B960494DF}">
-              <a14:hiddenLine xmlns:a14="http://schemas.microsoft.com/office/drawing/2010/main" xmlns="" w="9525">
+              <a14:hiddenLine xmlns="" xmlns:a14="http://schemas.microsoft.com/office/drawing/2010/main" w="9525">
                 <a:solidFill>
                   <a:schemeClr val="tx1"/>
                 </a:solidFill>
@@ -5445,7 +5445,7 @@
               </a14:hiddenLine>
             </a:ext>
             <a:ext uri="{AF507438-7753-43e0-B8FC-AC1667EBCBE1}">
-              <a14:hiddenEffects xmlns:a14="http://schemas.microsoft.com/office/drawing/2010/main" xmlns="">
+              <a14:hiddenEffects xmlns="" xmlns:a14="http://schemas.microsoft.com/office/drawing/2010/main">
                 <a:effectLst>
                   <a:outerShdw dist="35921" dir="2700000" algn="ctr" rotWithShape="0">
                     <a:schemeClr val="bg2"/>
@@ -5650,14 +5650,14 @@
           <a:effectLst/>
           <a:extLst>
             <a:ext uri="{909E8E84-426E-40dd-AFC4-6F175D3DCCD1}">
-              <a14:hiddenFill xmlns:a14="http://schemas.microsoft.com/office/drawing/2010/main" xmlns="">
+              <a14:hiddenFill xmlns="" xmlns:a14="http://schemas.microsoft.com/office/drawing/2010/main">
                 <a:solidFill>
                   <a:srgbClr val="00B8FF"/>
                 </a:solidFill>
               </a14:hiddenFill>
             </a:ext>
             <a:ext uri="{91240B29-F687-4f45-9708-019B960494DF}">
-              <a14:hiddenLine xmlns:a14="http://schemas.microsoft.com/office/drawing/2010/main" xmlns="" w="9525">
+              <a14:hiddenLine xmlns="" xmlns:a14="http://schemas.microsoft.com/office/drawing/2010/main" w="9525">
                 <a:solidFill>
                   <a:schemeClr val="tx1"/>
                 </a:solidFill>
@@ -5667,7 +5667,7 @@
               </a14:hiddenLine>
             </a:ext>
             <a:ext uri="{AF507438-7753-43e0-B8FC-AC1667EBCBE1}">
-              <a14:hiddenEffects xmlns:a14="http://schemas.microsoft.com/office/drawing/2010/main" xmlns="">
+              <a14:hiddenEffects xmlns="" xmlns:a14="http://schemas.microsoft.com/office/drawing/2010/main">
                 <a:effectLst>
                   <a:outerShdw dist="35921" dir="2700000" algn="ctr" rotWithShape="0">
                     <a:schemeClr val="bg2"/>
@@ -6044,14 +6044,14 @@
           <a:effectLst/>
           <a:extLst>
             <a:ext uri="{909E8E84-426E-40dd-AFC4-6F175D3DCCD1}">
-              <a14:hiddenFill xmlns:a14="http://schemas.microsoft.com/office/drawing/2010/main" xmlns="">
+              <a14:hiddenFill xmlns="" xmlns:a14="http://schemas.microsoft.com/office/drawing/2010/main">
                 <a:solidFill>
                   <a:srgbClr val="00B8FF"/>
                 </a:solidFill>
               </a14:hiddenFill>
             </a:ext>
             <a:ext uri="{91240B29-F687-4f45-9708-019B960494DF}">
-              <a14:hiddenLine xmlns:a14="http://schemas.microsoft.com/office/drawing/2010/main" xmlns="" w="9525">
+              <a14:hiddenLine xmlns="" xmlns:a14="http://schemas.microsoft.com/office/drawing/2010/main" w="9525">
                 <a:solidFill>
                   <a:schemeClr val="tx1"/>
                 </a:solidFill>
@@ -6061,7 +6061,7 @@
               </a14:hiddenLine>
             </a:ext>
             <a:ext uri="{AF507438-7753-43e0-B8FC-AC1667EBCBE1}">
-              <a14:hiddenEffects xmlns:a14="http://schemas.microsoft.com/office/drawing/2010/main" xmlns="">
+              <a14:hiddenEffects xmlns="" xmlns:a14="http://schemas.microsoft.com/office/drawing/2010/main">
                 <a:effectLst>
                   <a:outerShdw dist="35921" dir="2700000" algn="ctr" rotWithShape="0">
                     <a:schemeClr val="bg2"/>
@@ -6568,14 +6568,14 @@
           <a:effectLst/>
           <a:extLst>
             <a:ext uri="{909E8E84-426E-40dd-AFC4-6F175D3DCCD1}">
-              <a14:hiddenFill xmlns:a14="http://schemas.microsoft.com/office/drawing/2010/main" xmlns="">
+              <a14:hiddenFill xmlns="" xmlns:a14="http://schemas.microsoft.com/office/drawing/2010/main">
                 <a:solidFill>
                   <a:srgbClr val="00B8FF"/>
                 </a:solidFill>
               </a14:hiddenFill>
             </a:ext>
             <a:ext uri="{91240B29-F687-4f45-9708-019B960494DF}">
-              <a14:hiddenLine xmlns:a14="http://schemas.microsoft.com/office/drawing/2010/main" xmlns="" w="9525">
+              <a14:hiddenLine xmlns="" xmlns:a14="http://schemas.microsoft.com/office/drawing/2010/main" w="9525">
                 <a:solidFill>
                   <a:schemeClr val="tx1"/>
                 </a:solidFill>
@@ -6585,7 +6585,7 @@
               </a14:hiddenLine>
             </a:ext>
             <a:ext uri="{AF507438-7753-43e0-B8FC-AC1667EBCBE1}">
-              <a14:hiddenEffects xmlns:a14="http://schemas.microsoft.com/office/drawing/2010/main" xmlns="">
+              <a14:hiddenEffects xmlns="" xmlns:a14="http://schemas.microsoft.com/office/drawing/2010/main">
                 <a:effectLst>
                   <a:outerShdw dist="35921" dir="2700000" algn="ctr" rotWithShape="0">
                     <a:schemeClr val="bg2"/>
@@ -6638,14 +6638,14 @@
           <a:effectLst/>
           <a:extLst>
             <a:ext uri="{909E8E84-426E-40dd-AFC4-6F175D3DCCD1}">
-              <a14:hiddenFill xmlns:a14="http://schemas.microsoft.com/office/drawing/2010/main" xmlns="">
+              <a14:hiddenFill xmlns="" xmlns:a14="http://schemas.microsoft.com/office/drawing/2010/main">
                 <a:solidFill>
                   <a:srgbClr val="00B8FF"/>
                 </a:solidFill>
               </a14:hiddenFill>
             </a:ext>
             <a:ext uri="{91240B29-F687-4f45-9708-019B960494DF}">
-              <a14:hiddenLine xmlns:a14="http://schemas.microsoft.com/office/drawing/2010/main" xmlns="" w="9525">
+              <a14:hiddenLine xmlns="" xmlns:a14="http://schemas.microsoft.com/office/drawing/2010/main" w="9525">
                 <a:solidFill>
                   <a:schemeClr val="tx1"/>
                 </a:solidFill>
@@ -6655,7 +6655,7 @@
               </a14:hiddenLine>
             </a:ext>
             <a:ext uri="{AF507438-7753-43e0-B8FC-AC1667EBCBE1}">
-              <a14:hiddenEffects xmlns:a14="http://schemas.microsoft.com/office/drawing/2010/main" xmlns="">
+              <a14:hiddenEffects xmlns="" xmlns:a14="http://schemas.microsoft.com/office/drawing/2010/main">
                 <a:effectLst>
                   <a:outerShdw dist="35921" dir="2700000" algn="ctr" rotWithShape="0">
                     <a:schemeClr val="bg2"/>
@@ -6967,14 +6967,14 @@
           <a:effectLst/>
           <a:extLst>
             <a:ext uri="{909E8E84-426E-40dd-AFC4-6F175D3DCCD1}">
-              <a14:hiddenFill xmlns:a14="http://schemas.microsoft.com/office/drawing/2010/main" xmlns="">
+              <a14:hiddenFill xmlns="" xmlns:a14="http://schemas.microsoft.com/office/drawing/2010/main">
                 <a:solidFill>
                   <a:srgbClr val="00B8FF"/>
                 </a:solidFill>
               </a14:hiddenFill>
             </a:ext>
             <a:ext uri="{91240B29-F687-4f45-9708-019B960494DF}">
-              <a14:hiddenLine xmlns:a14="http://schemas.microsoft.com/office/drawing/2010/main" xmlns="" w="9525">
+              <a14:hiddenLine xmlns="" xmlns:a14="http://schemas.microsoft.com/office/drawing/2010/main" w="9525">
                 <a:solidFill>
                   <a:schemeClr val="tx1"/>
                 </a:solidFill>
@@ -6984,7 +6984,7 @@
               </a14:hiddenLine>
             </a:ext>
             <a:ext uri="{AF507438-7753-43e0-B8FC-AC1667EBCBE1}">
-              <a14:hiddenEffects xmlns:a14="http://schemas.microsoft.com/office/drawing/2010/main" xmlns="">
+              <a14:hiddenEffects xmlns="" xmlns:a14="http://schemas.microsoft.com/office/drawing/2010/main">
                 <a:effectLst>
                   <a:outerShdw dist="35921" dir="2700000" algn="ctr" rotWithShape="0">
                     <a:schemeClr val="bg2"/>
@@ -7037,14 +7037,14 @@
           <a:effectLst/>
           <a:extLst>
             <a:ext uri="{909E8E84-426E-40dd-AFC4-6F175D3DCCD1}">
-              <a14:hiddenFill xmlns:a14="http://schemas.microsoft.com/office/drawing/2010/main" xmlns="">
+              <a14:hiddenFill xmlns="" xmlns:a14="http://schemas.microsoft.com/office/drawing/2010/main">
                 <a:solidFill>
                   <a:srgbClr val="00B8FF"/>
                 </a:solidFill>
               </a14:hiddenFill>
             </a:ext>
             <a:ext uri="{91240B29-F687-4f45-9708-019B960494DF}">
-              <a14:hiddenLine xmlns:a14="http://schemas.microsoft.com/office/drawing/2010/main" xmlns="" w="9525">
+              <a14:hiddenLine xmlns="" xmlns:a14="http://schemas.microsoft.com/office/drawing/2010/main" w="9525">
                 <a:solidFill>
                   <a:schemeClr val="tx1"/>
                 </a:solidFill>
@@ -7054,7 +7054,7 @@
               </a14:hiddenLine>
             </a:ext>
             <a:ext uri="{AF507438-7753-43e0-B8FC-AC1667EBCBE1}">
-              <a14:hiddenEffects xmlns:a14="http://schemas.microsoft.com/office/drawing/2010/main" xmlns="">
+              <a14:hiddenEffects xmlns="" xmlns:a14="http://schemas.microsoft.com/office/drawing/2010/main">
                 <a:effectLst>
                   <a:outerShdw dist="35921" dir="2700000" algn="ctr" rotWithShape="0">
                     <a:schemeClr val="bg2"/>
@@ -7107,14 +7107,14 @@
           <a:effectLst/>
           <a:extLst>
             <a:ext uri="{909E8E84-426E-40dd-AFC4-6F175D3DCCD1}">
-              <a14:hiddenFill xmlns:a14="http://schemas.microsoft.com/office/drawing/2010/main" xmlns="">
+              <a14:hiddenFill xmlns="" xmlns:a14="http://schemas.microsoft.com/office/drawing/2010/main">
                 <a:solidFill>
                   <a:srgbClr val="00B8FF"/>
                 </a:solidFill>
               </a14:hiddenFill>
             </a:ext>
             <a:ext uri="{91240B29-F687-4f45-9708-019B960494DF}">
-              <a14:hiddenLine xmlns:a14="http://schemas.microsoft.com/office/drawing/2010/main" xmlns="" w="9525">
+              <a14:hiddenLine xmlns="" xmlns:a14="http://schemas.microsoft.com/office/drawing/2010/main" w="9525">
                 <a:solidFill>
                   <a:schemeClr val="tx1"/>
                 </a:solidFill>
@@ -7124,7 +7124,7 @@
               </a14:hiddenLine>
             </a:ext>
             <a:ext uri="{AF507438-7753-43e0-B8FC-AC1667EBCBE1}">
-              <a14:hiddenEffects xmlns:a14="http://schemas.microsoft.com/office/drawing/2010/main" xmlns="">
+              <a14:hiddenEffects xmlns="" xmlns:a14="http://schemas.microsoft.com/office/drawing/2010/main">
                 <a:effectLst>
                   <a:outerShdw dist="35921" dir="2700000" algn="ctr" rotWithShape="0">
                     <a:schemeClr val="bg2"/>
@@ -9760,14 +9760,14 @@
           <a:effectLst/>
           <a:extLst>
             <a:ext uri="{909E8E84-426E-40dd-AFC4-6F175D3DCCD1}">
-              <a14:hiddenFill xmlns:a14="http://schemas.microsoft.com/office/drawing/2010/main" xmlns="">
+              <a14:hiddenFill xmlns="" xmlns:a14="http://schemas.microsoft.com/office/drawing/2010/main">
                 <a:solidFill>
                   <a:srgbClr val="00B8FF"/>
                 </a:solidFill>
               </a14:hiddenFill>
             </a:ext>
             <a:ext uri="{91240B29-F687-4f45-9708-019B960494DF}">
-              <a14:hiddenLine xmlns:a14="http://schemas.microsoft.com/office/drawing/2010/main" xmlns="" w="9525">
+              <a14:hiddenLine xmlns="" xmlns:a14="http://schemas.microsoft.com/office/drawing/2010/main" w="9525">
                 <a:solidFill>
                   <a:schemeClr val="tx1"/>
                 </a:solidFill>
@@ -9777,7 +9777,7 @@
               </a14:hiddenLine>
             </a:ext>
             <a:ext uri="{AF507438-7753-43e0-B8FC-AC1667EBCBE1}">
-              <a14:hiddenEffects xmlns:a14="http://schemas.microsoft.com/office/drawing/2010/main" xmlns="">
+              <a14:hiddenEffects xmlns="" xmlns:a14="http://schemas.microsoft.com/office/drawing/2010/main">
                 <a:effectLst>
                   <a:outerShdw dist="35921" dir="2700000" algn="ctr" rotWithShape="0">
                     <a:schemeClr val="bg2"/>
@@ -10332,14 +10332,14 @@
           <a:effectLst/>
           <a:extLst>
             <a:ext uri="{909E8E84-426E-40dd-AFC4-6F175D3DCCD1}">
-              <a14:hiddenFill xmlns:a14="http://schemas.microsoft.com/office/drawing/2010/main" xmlns="">
+              <a14:hiddenFill xmlns="" xmlns:a14="http://schemas.microsoft.com/office/drawing/2010/main">
                 <a:solidFill>
                   <a:srgbClr val="00B8FF"/>
                 </a:solidFill>
               </a14:hiddenFill>
             </a:ext>
             <a:ext uri="{91240B29-F687-4f45-9708-019B960494DF}">
-              <a14:hiddenLine xmlns:a14="http://schemas.microsoft.com/office/drawing/2010/main" xmlns="" w="9525">
+              <a14:hiddenLine xmlns="" xmlns:a14="http://schemas.microsoft.com/office/drawing/2010/main" w="9525">
                 <a:solidFill>
                   <a:schemeClr val="tx1"/>
                 </a:solidFill>
@@ -10349,7 +10349,7 @@
               </a14:hiddenLine>
             </a:ext>
             <a:ext uri="{AF507438-7753-43e0-B8FC-AC1667EBCBE1}">
-              <a14:hiddenEffects xmlns:a14="http://schemas.microsoft.com/office/drawing/2010/main" xmlns="">
+              <a14:hiddenEffects xmlns="" xmlns:a14="http://schemas.microsoft.com/office/drawing/2010/main">
                 <a:effectLst>
                   <a:outerShdw dist="35921" dir="2700000" algn="ctr" rotWithShape="0">
                     <a:schemeClr val="bg2"/>
@@ -10402,14 +10402,14 @@
           <a:effectLst/>
           <a:extLst>
             <a:ext uri="{909E8E84-426E-40dd-AFC4-6F175D3DCCD1}">
-              <a14:hiddenFill xmlns:a14="http://schemas.microsoft.com/office/drawing/2010/main" xmlns="">
+              <a14:hiddenFill xmlns="" xmlns:a14="http://schemas.microsoft.com/office/drawing/2010/main">
                 <a:solidFill>
                   <a:srgbClr val="00B8FF"/>
                 </a:solidFill>
               </a14:hiddenFill>
             </a:ext>
             <a:ext uri="{91240B29-F687-4f45-9708-019B960494DF}">
-              <a14:hiddenLine xmlns:a14="http://schemas.microsoft.com/office/drawing/2010/main" xmlns="" w="9525">
+              <a14:hiddenLine xmlns="" xmlns:a14="http://schemas.microsoft.com/office/drawing/2010/main" w="9525">
                 <a:solidFill>
                   <a:schemeClr val="tx1"/>
                 </a:solidFill>
@@ -10419,7 +10419,7 @@
               </a14:hiddenLine>
             </a:ext>
             <a:ext uri="{AF507438-7753-43e0-B8FC-AC1667EBCBE1}">
-              <a14:hiddenEffects xmlns:a14="http://schemas.microsoft.com/office/drawing/2010/main" xmlns="">
+              <a14:hiddenEffects xmlns="" xmlns:a14="http://schemas.microsoft.com/office/drawing/2010/main">
                 <a:effectLst>
                   <a:outerShdw dist="35921" dir="2700000" algn="ctr" rotWithShape="0">
                     <a:schemeClr val="bg2"/>
@@ -10708,14 +10708,14 @@
           <a:effectLst/>
           <a:extLst>
             <a:ext uri="{909E8E84-426E-40dd-AFC4-6F175D3DCCD1}">
-              <a14:hiddenFill xmlns:a14="http://schemas.microsoft.com/office/drawing/2010/main" xmlns="">
+              <a14:hiddenFill xmlns="" xmlns:a14="http://schemas.microsoft.com/office/drawing/2010/main">
                 <a:solidFill>
                   <a:srgbClr val="00B8FF"/>
                 </a:solidFill>
               </a14:hiddenFill>
             </a:ext>
             <a:ext uri="{91240B29-F687-4f45-9708-019B960494DF}">
-              <a14:hiddenLine xmlns:a14="http://schemas.microsoft.com/office/drawing/2010/main" xmlns="" w="9525">
+              <a14:hiddenLine xmlns="" xmlns:a14="http://schemas.microsoft.com/office/drawing/2010/main" w="9525">
                 <a:solidFill>
                   <a:schemeClr val="tx1"/>
                 </a:solidFill>
@@ -10725,7 +10725,7 @@
               </a14:hiddenLine>
             </a:ext>
             <a:ext uri="{AF507438-7753-43e0-B8FC-AC1667EBCBE1}">
-              <a14:hiddenEffects xmlns:a14="http://schemas.microsoft.com/office/drawing/2010/main" xmlns="">
+              <a14:hiddenEffects xmlns="" xmlns:a14="http://schemas.microsoft.com/office/drawing/2010/main">
                 <a:effectLst>
                   <a:outerShdw dist="35921" dir="2700000" algn="ctr" rotWithShape="0">
                     <a:schemeClr val="bg2"/>
@@ -11014,14 +11014,14 @@
           <a:effectLst/>
           <a:extLst>
             <a:ext uri="{909E8E84-426E-40dd-AFC4-6F175D3DCCD1}">
-              <a14:hiddenFill xmlns:a14="http://schemas.microsoft.com/office/drawing/2010/main" xmlns="">
+              <a14:hiddenFill xmlns="" xmlns:a14="http://schemas.microsoft.com/office/drawing/2010/main">
                 <a:solidFill>
                   <a:srgbClr val="00B8FF"/>
                 </a:solidFill>
               </a14:hiddenFill>
             </a:ext>
             <a:ext uri="{91240B29-F687-4f45-9708-019B960494DF}">
-              <a14:hiddenLine xmlns:a14="http://schemas.microsoft.com/office/drawing/2010/main" xmlns="" w="9525">
+              <a14:hiddenLine xmlns="" xmlns:a14="http://schemas.microsoft.com/office/drawing/2010/main" w="9525">
                 <a:solidFill>
                   <a:schemeClr val="tx1"/>
                 </a:solidFill>
@@ -11031,7 +11031,7 @@
               </a14:hiddenLine>
             </a:ext>
             <a:ext uri="{AF507438-7753-43e0-B8FC-AC1667EBCBE1}">
-              <a14:hiddenEffects xmlns:a14="http://schemas.microsoft.com/office/drawing/2010/main" xmlns="">
+              <a14:hiddenEffects xmlns="" xmlns:a14="http://schemas.microsoft.com/office/drawing/2010/main">
                 <a:effectLst>
                   <a:outerShdw dist="35921" dir="2700000" algn="ctr" rotWithShape="0">
                     <a:schemeClr val="bg2"/>
@@ -11246,14 +11246,14 @@
           <a:effectLst/>
           <a:extLst>
             <a:ext uri="{909E8E84-426E-40dd-AFC4-6F175D3DCCD1}">
-              <a14:hiddenFill xmlns:a14="http://schemas.microsoft.com/office/drawing/2010/main" xmlns="">
+              <a14:hiddenFill xmlns="" xmlns:a14="http://schemas.microsoft.com/office/drawing/2010/main">
                 <a:solidFill>
                   <a:srgbClr val="00B8FF"/>
                 </a:solidFill>
               </a14:hiddenFill>
             </a:ext>
             <a:ext uri="{91240B29-F687-4f45-9708-019B960494DF}">
-              <a14:hiddenLine xmlns:a14="http://schemas.microsoft.com/office/drawing/2010/main" xmlns="" w="9525">
+              <a14:hiddenLine xmlns="" xmlns:a14="http://schemas.microsoft.com/office/drawing/2010/main" w="9525">
                 <a:solidFill>
                   <a:schemeClr val="tx1"/>
                 </a:solidFill>
@@ -11263,7 +11263,7 @@
               </a14:hiddenLine>
             </a:ext>
             <a:ext uri="{AF507438-7753-43e0-B8FC-AC1667EBCBE1}">
-              <a14:hiddenEffects xmlns:a14="http://schemas.microsoft.com/office/drawing/2010/main" xmlns="">
+              <a14:hiddenEffects xmlns="" xmlns:a14="http://schemas.microsoft.com/office/drawing/2010/main">
                 <a:effectLst>
                   <a:outerShdw dist="35921" dir="2700000" algn="ctr" rotWithShape="0">
                     <a:schemeClr val="bg2"/>
@@ -11316,14 +11316,14 @@
           <a:effectLst/>
           <a:extLst>
             <a:ext uri="{909E8E84-426E-40dd-AFC4-6F175D3DCCD1}">
-              <a14:hiddenFill xmlns:a14="http://schemas.microsoft.com/office/drawing/2010/main" xmlns="">
+              <a14:hiddenFill xmlns="" xmlns:a14="http://schemas.microsoft.com/office/drawing/2010/main">
                 <a:solidFill>
                   <a:srgbClr val="00B8FF"/>
                 </a:solidFill>
               </a14:hiddenFill>
             </a:ext>
             <a:ext uri="{91240B29-F687-4f45-9708-019B960494DF}">
-              <a14:hiddenLine xmlns:a14="http://schemas.microsoft.com/office/drawing/2010/main" xmlns="" w="9525">
+              <a14:hiddenLine xmlns="" xmlns:a14="http://schemas.microsoft.com/office/drawing/2010/main" w="9525">
                 <a:solidFill>
                   <a:schemeClr val="tx1"/>
                 </a:solidFill>
@@ -11333,7 +11333,7 @@
               </a14:hiddenLine>
             </a:ext>
             <a:ext uri="{AF507438-7753-43e0-B8FC-AC1667EBCBE1}">
-              <a14:hiddenEffects xmlns:a14="http://schemas.microsoft.com/office/drawing/2010/main" xmlns="">
+              <a14:hiddenEffects xmlns="" xmlns:a14="http://schemas.microsoft.com/office/drawing/2010/main">
                 <a:effectLst>
                   <a:outerShdw dist="35921" dir="2700000" algn="ctr" rotWithShape="0">
                     <a:schemeClr val="bg2"/>
@@ -11386,14 +11386,14 @@
           <a:effectLst/>
           <a:extLst>
             <a:ext uri="{909E8E84-426E-40dd-AFC4-6F175D3DCCD1}">
-              <a14:hiddenFill xmlns:a14="http://schemas.microsoft.com/office/drawing/2010/main" xmlns="">
+              <a14:hiddenFill xmlns="" xmlns:a14="http://schemas.microsoft.com/office/drawing/2010/main">
                 <a:solidFill>
                   <a:srgbClr val="00B8FF"/>
                 </a:solidFill>
               </a14:hiddenFill>
             </a:ext>
             <a:ext uri="{91240B29-F687-4f45-9708-019B960494DF}">
-              <a14:hiddenLine xmlns:a14="http://schemas.microsoft.com/office/drawing/2010/main" xmlns="" w="9525">
+              <a14:hiddenLine xmlns="" xmlns:a14="http://schemas.microsoft.com/office/drawing/2010/main" w="9525">
                 <a:solidFill>
                   <a:schemeClr val="tx1"/>
                 </a:solidFill>
@@ -11403,7 +11403,7 @@
               </a14:hiddenLine>
             </a:ext>
             <a:ext uri="{AF507438-7753-43e0-B8FC-AC1667EBCBE1}">
-              <a14:hiddenEffects xmlns:a14="http://schemas.microsoft.com/office/drawing/2010/main" xmlns="">
+              <a14:hiddenEffects xmlns="" xmlns:a14="http://schemas.microsoft.com/office/drawing/2010/main">
                 <a:effectLst>
                   <a:outerShdw dist="35921" dir="2700000" algn="ctr" rotWithShape="0">
                     <a:schemeClr val="bg2"/>
@@ -12002,14 +12002,14 @@
           <a:effectLst/>
           <a:extLst>
             <a:ext uri="{909E8E84-426E-40dd-AFC4-6F175D3DCCD1}">
-              <a14:hiddenFill xmlns:a14="http://schemas.microsoft.com/office/drawing/2010/main" xmlns="">
+              <a14:hiddenFill xmlns="" xmlns:a14="http://schemas.microsoft.com/office/drawing/2010/main">
                 <a:solidFill>
                   <a:srgbClr val="00B8FF"/>
                 </a:solidFill>
               </a14:hiddenFill>
             </a:ext>
             <a:ext uri="{91240B29-F687-4f45-9708-019B960494DF}">
-              <a14:hiddenLine xmlns:a14="http://schemas.microsoft.com/office/drawing/2010/main" xmlns="" w="9525">
+              <a14:hiddenLine xmlns="" xmlns:a14="http://schemas.microsoft.com/office/drawing/2010/main" w="9525">
                 <a:solidFill>
                   <a:schemeClr val="tx1"/>
                 </a:solidFill>
@@ -12019,7 +12019,7 @@
               </a14:hiddenLine>
             </a:ext>
             <a:ext uri="{AF507438-7753-43e0-B8FC-AC1667EBCBE1}">
-              <a14:hiddenEffects xmlns:a14="http://schemas.microsoft.com/office/drawing/2010/main" xmlns="">
+              <a14:hiddenEffects xmlns="" xmlns:a14="http://schemas.microsoft.com/office/drawing/2010/main">
                 <a:effectLst>
                   <a:outerShdw dist="35921" dir="2700000" algn="ctr" rotWithShape="0">
                     <a:schemeClr val="bg2"/>
@@ -12072,14 +12072,14 @@
           <a:effectLst/>
           <a:extLst>
             <a:ext uri="{909E8E84-426E-40dd-AFC4-6F175D3DCCD1}">
-              <a14:hiddenFill xmlns:a14="http://schemas.microsoft.com/office/drawing/2010/main" xmlns="">
+              <a14:hiddenFill xmlns="" xmlns:a14="http://schemas.microsoft.com/office/drawing/2010/main">
                 <a:solidFill>
                   <a:srgbClr val="00B8FF"/>
                 </a:solidFill>
               </a14:hiddenFill>
             </a:ext>
             <a:ext uri="{91240B29-F687-4f45-9708-019B960494DF}">
-              <a14:hiddenLine xmlns:a14="http://schemas.microsoft.com/office/drawing/2010/main" xmlns="" w="9525">
+              <a14:hiddenLine xmlns="" xmlns:a14="http://schemas.microsoft.com/office/drawing/2010/main" w="9525">
                 <a:solidFill>
                   <a:schemeClr val="tx1"/>
                 </a:solidFill>
@@ -12089,7 +12089,7 @@
               </a14:hiddenLine>
             </a:ext>
             <a:ext uri="{AF507438-7753-43e0-B8FC-AC1667EBCBE1}">
-              <a14:hiddenEffects xmlns:a14="http://schemas.microsoft.com/office/drawing/2010/main" xmlns="">
+              <a14:hiddenEffects xmlns="" xmlns:a14="http://schemas.microsoft.com/office/drawing/2010/main">
                 <a:effectLst>
                   <a:outerShdw dist="35921" dir="2700000" algn="ctr" rotWithShape="0">
                     <a:schemeClr val="bg2"/>
@@ -12378,14 +12378,14 @@
           <a:effectLst/>
           <a:extLst>
             <a:ext uri="{909E8E84-426E-40dd-AFC4-6F175D3DCCD1}">
-              <a14:hiddenFill xmlns:a14="http://schemas.microsoft.com/office/drawing/2010/main" xmlns="">
+              <a14:hiddenFill xmlns="" xmlns:a14="http://schemas.microsoft.com/office/drawing/2010/main">
                 <a:solidFill>
                   <a:srgbClr val="00B8FF"/>
                 </a:solidFill>
               </a14:hiddenFill>
             </a:ext>
             <a:ext uri="{91240B29-F687-4f45-9708-019B960494DF}">
-              <a14:hiddenLine xmlns:a14="http://schemas.microsoft.com/office/drawing/2010/main" xmlns="" w="9525">
+              <a14:hiddenLine xmlns="" xmlns:a14="http://schemas.microsoft.com/office/drawing/2010/main" w="9525">
                 <a:solidFill>
                   <a:schemeClr val="tx1"/>
                 </a:solidFill>
@@ -12395,7 +12395,7 @@
               </a14:hiddenLine>
             </a:ext>
             <a:ext uri="{AF507438-7753-43e0-B8FC-AC1667EBCBE1}">
-              <a14:hiddenEffects xmlns:a14="http://schemas.microsoft.com/office/drawing/2010/main" xmlns="">
+              <a14:hiddenEffects xmlns="" xmlns:a14="http://schemas.microsoft.com/office/drawing/2010/main">
                 <a:effectLst>
                   <a:outerShdw dist="35921" dir="2700000" algn="ctr" rotWithShape="0">
                     <a:schemeClr val="bg2"/>
@@ -12448,14 +12448,14 @@
           <a:effectLst/>
           <a:extLst>
             <a:ext uri="{909E8E84-426E-40dd-AFC4-6F175D3DCCD1}">
-              <a14:hiddenFill xmlns:a14="http://schemas.microsoft.com/office/drawing/2010/main" xmlns="">
+              <a14:hiddenFill xmlns="" xmlns:a14="http://schemas.microsoft.com/office/drawing/2010/main">
                 <a:solidFill>
                   <a:srgbClr val="00B8FF"/>
                 </a:solidFill>
               </a14:hiddenFill>
             </a:ext>
             <a:ext uri="{91240B29-F687-4f45-9708-019B960494DF}">
-              <a14:hiddenLine xmlns:a14="http://schemas.microsoft.com/office/drawing/2010/main" xmlns="" w="9525">
+              <a14:hiddenLine xmlns="" xmlns:a14="http://schemas.microsoft.com/office/drawing/2010/main" w="9525">
                 <a:solidFill>
                   <a:schemeClr val="tx1"/>
                 </a:solidFill>
@@ -12465,7 +12465,7 @@
               </a14:hiddenLine>
             </a:ext>
             <a:ext uri="{AF507438-7753-43e0-B8FC-AC1667EBCBE1}">
-              <a14:hiddenEffects xmlns:a14="http://schemas.microsoft.com/office/drawing/2010/main" xmlns="">
+              <a14:hiddenEffects xmlns="" xmlns:a14="http://schemas.microsoft.com/office/drawing/2010/main">
                 <a:effectLst>
                   <a:outerShdw dist="35921" dir="2700000" algn="ctr" rotWithShape="0">
                     <a:schemeClr val="bg2"/>
@@ -12518,14 +12518,14 @@
           <a:effectLst/>
           <a:extLst>
             <a:ext uri="{909E8E84-426E-40dd-AFC4-6F175D3DCCD1}">
-              <a14:hiddenFill xmlns:a14="http://schemas.microsoft.com/office/drawing/2010/main" xmlns="">
+              <a14:hiddenFill xmlns="" xmlns:a14="http://schemas.microsoft.com/office/drawing/2010/main">
                 <a:solidFill>
                   <a:srgbClr val="00B8FF"/>
                 </a:solidFill>
               </a14:hiddenFill>
             </a:ext>
             <a:ext uri="{91240B29-F687-4f45-9708-019B960494DF}">
-              <a14:hiddenLine xmlns:a14="http://schemas.microsoft.com/office/drawing/2010/main" xmlns="" w="9525">
+              <a14:hiddenLine xmlns="" xmlns:a14="http://schemas.microsoft.com/office/drawing/2010/main" w="9525">
                 <a:solidFill>
                   <a:schemeClr val="tx1"/>
                 </a:solidFill>
@@ -12535,7 +12535,7 @@
               </a14:hiddenLine>
             </a:ext>
             <a:ext uri="{AF507438-7753-43e0-B8FC-AC1667EBCBE1}">
-              <a14:hiddenEffects xmlns:a14="http://schemas.microsoft.com/office/drawing/2010/main" xmlns="">
+              <a14:hiddenEffects xmlns="" xmlns:a14="http://schemas.microsoft.com/office/drawing/2010/main">
                 <a:effectLst>
                   <a:outerShdw dist="35921" dir="2700000" algn="ctr" rotWithShape="0">
                     <a:schemeClr val="bg2"/>
@@ -12588,14 +12588,14 @@
           <a:effectLst/>
           <a:extLst>
             <a:ext uri="{909E8E84-426E-40dd-AFC4-6F175D3DCCD1}">
-              <a14:hiddenFill xmlns:a14="http://schemas.microsoft.com/office/drawing/2010/main" xmlns="">
+              <a14:hiddenFill xmlns="" xmlns:a14="http://schemas.microsoft.com/office/drawing/2010/main">
                 <a:solidFill>
                   <a:srgbClr val="00B8FF"/>
                 </a:solidFill>
               </a14:hiddenFill>
             </a:ext>
             <a:ext uri="{91240B29-F687-4f45-9708-019B960494DF}">
-              <a14:hiddenLine xmlns:a14="http://schemas.microsoft.com/office/drawing/2010/main" xmlns="" w="9525">
+              <a14:hiddenLine xmlns="" xmlns:a14="http://schemas.microsoft.com/office/drawing/2010/main" w="9525">
                 <a:solidFill>
                   <a:schemeClr val="tx1"/>
                 </a:solidFill>
@@ -12605,7 +12605,7 @@
               </a14:hiddenLine>
             </a:ext>
             <a:ext uri="{AF507438-7753-43e0-B8FC-AC1667EBCBE1}">
-              <a14:hiddenEffects xmlns:a14="http://schemas.microsoft.com/office/drawing/2010/main" xmlns="">
+              <a14:hiddenEffects xmlns="" xmlns:a14="http://schemas.microsoft.com/office/drawing/2010/main">
                 <a:effectLst>
                   <a:outerShdw dist="35921" dir="2700000" algn="ctr" rotWithShape="0">
                     <a:schemeClr val="bg2"/>
